--- a/images/functonality.pptx
+++ b/images/functonality.pptx
@@ -1,15 +1,17 @@
 
 <file path=ppt/presentation.xml><?xml version="1.0" encoding="utf-8"?>
-<p:presentation xmlns:a="http://schemas.openxmlformats.org/drawingml/2006/main" xmlns:r="http://schemas.openxmlformats.org/officeDocument/2006/relationships" xmlns:p="http://schemas.openxmlformats.org/presentationml/2006/main" saveSubsetFonts="1">
+<p:presentation xmlns:a="http://schemas.openxmlformats.org/drawingml/2006/main" xmlns:r="http://schemas.openxmlformats.org/officeDocument/2006/relationships" xmlns:p="http://schemas.openxmlformats.org/presentationml/2006/main">
   <p:sldMasterIdLst>
     <p:sldMasterId id="2147483648" r:id="rId1"/>
   </p:sldMasterIdLst>
   <p:sldIdLst>
-    <p:sldId id="256" r:id="rId2"/>
-    <p:sldId id="257" r:id="rId3"/>
+    <p:sldId id="256" r:id="rId3"/>
+    <p:sldId id="258" r:id="rId4"/>
+    <p:sldId id="259" r:id="rId5"/>
+    <p:sldId id="257" r:id="rId6"/>
   </p:sldIdLst>
-  <p:sldSz cx="12192000" cy="6858000"/>
-  <p:notesSz cx="6858000" cy="9144000"/>
+  <p:sldSz cx="6858000" cy="5353050"/>
+  <p:notesSz cx="9144000" cy="6858000"/>
   <p:defaultTextStyle>
     <a:defPPr>
       <a:defRPr lang="de-DE"/>
@@ -132,20 +134,20 @@
             <a:spLocks noGrp="1"/>
           </p:cNvSpPr>
           <p:nvPr>
-            <p:ph type="ctrTitle"/>
+            <p:ph type="ctrTitle" hasCustomPrompt="1"/>
           </p:nvPr>
         </p:nvSpPr>
         <p:spPr>
           <a:xfrm>
-            <a:off x="1524000" y="1122363"/>
-            <a:ext cx="9144000" cy="2387600"/>
+            <a:off x="857250" y="876333"/>
+            <a:ext cx="5143500" cy="1864222"/>
           </a:xfrm>
         </p:spPr>
         <p:txBody>
           <a:bodyPr anchor="b"/>
           <a:lstStyle>
             <a:lvl1pPr algn="ctr">
-              <a:defRPr sz="6000"/>
+              <a:defRPr sz="4500"/>
             </a:lvl1pPr>
           </a:lstStyle>
           <a:p>
@@ -164,13 +166,13 @@
             <a:spLocks noGrp="1"/>
           </p:cNvSpPr>
           <p:nvPr>
-            <p:ph type="subTitle" idx="1"/>
+            <p:ph type="subTitle" idx="1" hasCustomPrompt="1"/>
           </p:nvPr>
         </p:nvSpPr>
         <p:spPr>
           <a:xfrm>
-            <a:off x="1524000" y="3602038"/>
-            <a:ext cx="9144000" cy="1655762"/>
+            <a:off x="857250" y="2812447"/>
+            <a:ext cx="5143500" cy="1292808"/>
           </a:xfrm>
         </p:spPr>
         <p:txBody>
@@ -178,39 +180,39 @@
           <a:lstStyle>
             <a:lvl1pPr marL="0" indent="0" algn="ctr">
               <a:buNone/>
-              <a:defRPr sz="2400"/>
+              <a:defRPr sz="1800"/>
             </a:lvl1pPr>
-            <a:lvl2pPr marL="457200" indent="0" algn="ctr">
-              <a:buNone/>
-              <a:defRPr sz="2000"/>
+            <a:lvl2pPr marL="342900" indent="0" algn="ctr">
+              <a:buNone/>
+              <a:defRPr sz="1500"/>
             </a:lvl2pPr>
-            <a:lvl3pPr marL="914400" indent="0" algn="ctr">
-              <a:buNone/>
-              <a:defRPr sz="1800"/>
+            <a:lvl3pPr marL="685165" indent="0" algn="ctr">
+              <a:buNone/>
+              <a:defRPr sz="1345"/>
             </a:lvl3pPr>
-            <a:lvl4pPr marL="1371600" indent="0" algn="ctr">
-              <a:buNone/>
-              <a:defRPr sz="1600"/>
+            <a:lvl4pPr marL="1029335" indent="0" algn="ctr">
+              <a:buNone/>
+              <a:defRPr sz="1205"/>
             </a:lvl4pPr>
-            <a:lvl5pPr marL="1828800" indent="0" algn="ctr">
-              <a:buNone/>
-              <a:defRPr sz="1600"/>
+            <a:lvl5pPr marL="1371600" indent="0" algn="ctr">
+              <a:buNone/>
+              <a:defRPr sz="1205"/>
             </a:lvl5pPr>
-            <a:lvl6pPr marL="2286000" indent="0" algn="ctr">
-              <a:buNone/>
-              <a:defRPr sz="1600"/>
+            <a:lvl6pPr marL="1714500" indent="0" algn="ctr">
+              <a:buNone/>
+              <a:defRPr sz="1205"/>
             </a:lvl6pPr>
-            <a:lvl7pPr marL="2743200" indent="0" algn="ctr">
-              <a:buNone/>
-              <a:defRPr sz="1600"/>
+            <a:lvl7pPr marL="2057400" indent="0" algn="ctr">
+              <a:buNone/>
+              <a:defRPr sz="1205"/>
             </a:lvl7pPr>
-            <a:lvl8pPr marL="3200400" indent="0" algn="ctr">
-              <a:buNone/>
-              <a:defRPr sz="1600"/>
+            <a:lvl8pPr marL="2400935" indent="0" algn="ctr">
+              <a:buNone/>
+              <a:defRPr sz="1205"/>
             </a:lvl8pPr>
-            <a:lvl9pPr marL="3657600" indent="0" algn="ctr">
-              <a:buNone/>
-              <a:defRPr sz="1600"/>
+            <a:lvl9pPr marL="2743835" indent="0" algn="ctr">
+              <a:buNone/>
+              <a:defRPr sz="1205"/>
             </a:lvl9pPr>
           </a:lstStyle>
           <a:p>
@@ -239,7 +241,6 @@
           <a:p>
             <a:fld id="{C62AAFF6-1C34-4B30-9DDA-7C033BF90EB8}" type="datetimeFigureOut">
               <a:rPr lang="de-DE" smtClean="0"/>
-              <a:t>25.10.2016</a:t>
             </a:fld>
             <a:endParaRPr lang="de-DE"/>
           </a:p>
@@ -281,18 +282,12 @@
           <a:p>
             <a:fld id="{5D6AA63B-4968-4386-BAB4-0E698A8B9738}" type="slidenum">
               <a:rPr lang="de-DE" smtClean="0"/>
-              <a:t>‹Nr.›</a:t>
             </a:fld>
             <a:endParaRPr lang="de-DE"/>
           </a:p>
         </p:txBody>
       </p:sp>
     </p:spTree>
-    <p:extLst>
-      <p:ext uri="{BB962C8B-B14F-4D97-AF65-F5344CB8AC3E}">
-        <p14:creationId xmlns:p14="http://schemas.microsoft.com/office/powerpoint/2010/main" val="833532632"/>
-      </p:ext>
-    </p:extLst>
   </p:cSld>
   <p:clrMapOvr>
     <a:masterClrMapping/>
@@ -324,7 +319,7 @@
             <a:spLocks noGrp="1"/>
           </p:cNvSpPr>
           <p:nvPr>
-            <p:ph type="title"/>
+            <p:ph type="title" hasCustomPrompt="1"/>
           </p:nvPr>
         </p:nvSpPr>
         <p:spPr/>
@@ -347,7 +342,7 @@
             <a:spLocks noGrp="1"/>
           </p:cNvSpPr>
           <p:nvPr>
-            <p:ph type="body" orient="vert" idx="1"/>
+            <p:ph type="body" orient="vert" idx="1" hasCustomPrompt="1"/>
           </p:nvPr>
         </p:nvSpPr>
         <p:spPr/>
@@ -360,6 +355,7 @@
               <a:rPr lang="de-DE" smtClean="0"/>
               <a:t>Textmasterformat bearbeiten</a:t>
             </a:r>
+            <a:endParaRPr lang="de-DE" smtClean="0"/>
           </a:p>
           <a:p>
             <a:pPr lvl="1"/>
@@ -367,6 +363,7 @@
               <a:rPr lang="de-DE" smtClean="0"/>
               <a:t>Zweite Ebene</a:t>
             </a:r>
+            <a:endParaRPr lang="de-DE" smtClean="0"/>
           </a:p>
           <a:p>
             <a:pPr lvl="2"/>
@@ -374,6 +371,7 @@
               <a:rPr lang="de-DE" smtClean="0"/>
               <a:t>Dritte Ebene</a:t>
             </a:r>
+            <a:endParaRPr lang="de-DE" smtClean="0"/>
           </a:p>
           <a:p>
             <a:pPr lvl="3"/>
@@ -381,6 +379,7 @@
               <a:rPr lang="de-DE" smtClean="0"/>
               <a:t>Vierte Ebene</a:t>
             </a:r>
+            <a:endParaRPr lang="de-DE" smtClean="0"/>
           </a:p>
           <a:p>
             <a:pPr lvl="4"/>
@@ -409,7 +408,6 @@
           <a:p>
             <a:fld id="{C62AAFF6-1C34-4B30-9DDA-7C033BF90EB8}" type="datetimeFigureOut">
               <a:rPr lang="de-DE" smtClean="0"/>
-              <a:t>25.10.2016</a:t>
             </a:fld>
             <a:endParaRPr lang="de-DE"/>
           </a:p>
@@ -451,18 +449,12 @@
           <a:p>
             <a:fld id="{5D6AA63B-4968-4386-BAB4-0E698A8B9738}" type="slidenum">
               <a:rPr lang="de-DE" smtClean="0"/>
-              <a:t>‹Nr.›</a:t>
             </a:fld>
             <a:endParaRPr lang="de-DE"/>
           </a:p>
         </p:txBody>
       </p:sp>
     </p:spTree>
-    <p:extLst>
-      <p:ext uri="{BB962C8B-B14F-4D97-AF65-F5344CB8AC3E}">
-        <p14:creationId xmlns:p14="http://schemas.microsoft.com/office/powerpoint/2010/main" val="1850362550"/>
-      </p:ext>
-    </p:extLst>
   </p:cSld>
   <p:clrMapOvr>
     <a:masterClrMapping/>
@@ -494,13 +486,13 @@
             <a:spLocks noGrp="1"/>
           </p:cNvSpPr>
           <p:nvPr>
-            <p:ph type="title" orient="vert"/>
+            <p:ph type="title" orient="vert" hasCustomPrompt="1"/>
           </p:nvPr>
         </p:nvSpPr>
         <p:spPr>
           <a:xfrm>
-            <a:off x="8724900" y="365125"/>
-            <a:ext cx="2628900" cy="5811838"/>
+            <a:off x="4907756" y="285087"/>
+            <a:ext cx="1478756" cy="4537843"/>
           </a:xfrm>
         </p:spPr>
         <p:txBody>
@@ -522,13 +514,13 @@
             <a:spLocks noGrp="1"/>
           </p:cNvSpPr>
           <p:nvPr>
-            <p:ph type="body" orient="vert" idx="1"/>
+            <p:ph type="body" orient="vert" idx="1" hasCustomPrompt="1"/>
           </p:nvPr>
         </p:nvSpPr>
         <p:spPr>
           <a:xfrm>
-            <a:off x="838200" y="365125"/>
-            <a:ext cx="7734300" cy="5811838"/>
+            <a:off x="471488" y="285087"/>
+            <a:ext cx="4350544" cy="4537843"/>
           </a:xfrm>
         </p:spPr>
         <p:txBody>
@@ -540,6 +532,7 @@
               <a:rPr lang="de-DE" smtClean="0"/>
               <a:t>Textmasterformat bearbeiten</a:t>
             </a:r>
+            <a:endParaRPr lang="de-DE" smtClean="0"/>
           </a:p>
           <a:p>
             <a:pPr lvl="1"/>
@@ -547,6 +540,7 @@
               <a:rPr lang="de-DE" smtClean="0"/>
               <a:t>Zweite Ebene</a:t>
             </a:r>
+            <a:endParaRPr lang="de-DE" smtClean="0"/>
           </a:p>
           <a:p>
             <a:pPr lvl="2"/>
@@ -554,6 +548,7 @@
               <a:rPr lang="de-DE" smtClean="0"/>
               <a:t>Dritte Ebene</a:t>
             </a:r>
+            <a:endParaRPr lang="de-DE" smtClean="0"/>
           </a:p>
           <a:p>
             <a:pPr lvl="3"/>
@@ -561,6 +556,7 @@
               <a:rPr lang="de-DE" smtClean="0"/>
               <a:t>Vierte Ebene</a:t>
             </a:r>
+            <a:endParaRPr lang="de-DE" smtClean="0"/>
           </a:p>
           <a:p>
             <a:pPr lvl="4"/>
@@ -589,7 +585,6 @@
           <a:p>
             <a:fld id="{C62AAFF6-1C34-4B30-9DDA-7C033BF90EB8}" type="datetimeFigureOut">
               <a:rPr lang="de-DE" smtClean="0"/>
-              <a:t>25.10.2016</a:t>
             </a:fld>
             <a:endParaRPr lang="de-DE"/>
           </a:p>
@@ -631,18 +626,12 @@
           <a:p>
             <a:fld id="{5D6AA63B-4968-4386-BAB4-0E698A8B9738}" type="slidenum">
               <a:rPr lang="de-DE" smtClean="0"/>
-              <a:t>‹Nr.›</a:t>
             </a:fld>
             <a:endParaRPr lang="de-DE"/>
           </a:p>
         </p:txBody>
       </p:sp>
     </p:spTree>
-    <p:extLst>
-      <p:ext uri="{BB962C8B-B14F-4D97-AF65-F5344CB8AC3E}">
-        <p14:creationId xmlns:p14="http://schemas.microsoft.com/office/powerpoint/2010/main" val="3626279909"/>
-      </p:ext>
-    </p:extLst>
   </p:cSld>
   <p:clrMapOvr>
     <a:masterClrMapping/>
@@ -674,7 +663,7 @@
             <a:spLocks noGrp="1"/>
           </p:cNvSpPr>
           <p:nvPr>
-            <p:ph type="title"/>
+            <p:ph type="title" hasCustomPrompt="1"/>
           </p:nvPr>
         </p:nvSpPr>
         <p:spPr/>
@@ -697,7 +686,7 @@
             <a:spLocks noGrp="1"/>
           </p:cNvSpPr>
           <p:nvPr>
-            <p:ph idx="1"/>
+            <p:ph idx="1" hasCustomPrompt="1"/>
           </p:nvPr>
         </p:nvSpPr>
         <p:spPr/>
@@ -710,6 +699,7 @@
               <a:rPr lang="de-DE" smtClean="0"/>
               <a:t>Textmasterformat bearbeiten</a:t>
             </a:r>
+            <a:endParaRPr lang="de-DE" smtClean="0"/>
           </a:p>
           <a:p>
             <a:pPr lvl="1"/>
@@ -717,6 +707,7 @@
               <a:rPr lang="de-DE" smtClean="0"/>
               <a:t>Zweite Ebene</a:t>
             </a:r>
+            <a:endParaRPr lang="de-DE" smtClean="0"/>
           </a:p>
           <a:p>
             <a:pPr lvl="2"/>
@@ -724,6 +715,7 @@
               <a:rPr lang="de-DE" smtClean="0"/>
               <a:t>Dritte Ebene</a:t>
             </a:r>
+            <a:endParaRPr lang="de-DE" smtClean="0"/>
           </a:p>
           <a:p>
             <a:pPr lvl="3"/>
@@ -731,6 +723,7 @@
               <a:rPr lang="de-DE" smtClean="0"/>
               <a:t>Vierte Ebene</a:t>
             </a:r>
+            <a:endParaRPr lang="de-DE" smtClean="0"/>
           </a:p>
           <a:p>
             <a:pPr lvl="4"/>
@@ -759,7 +752,6 @@
           <a:p>
             <a:fld id="{C62AAFF6-1C34-4B30-9DDA-7C033BF90EB8}" type="datetimeFigureOut">
               <a:rPr lang="de-DE" smtClean="0"/>
-              <a:t>25.10.2016</a:t>
             </a:fld>
             <a:endParaRPr lang="de-DE"/>
           </a:p>
@@ -801,18 +793,12 @@
           <a:p>
             <a:fld id="{5D6AA63B-4968-4386-BAB4-0E698A8B9738}" type="slidenum">
               <a:rPr lang="de-DE" smtClean="0"/>
-              <a:t>‹Nr.›</a:t>
             </a:fld>
             <a:endParaRPr lang="de-DE"/>
           </a:p>
         </p:txBody>
       </p:sp>
     </p:spTree>
-    <p:extLst>
-      <p:ext uri="{BB962C8B-B14F-4D97-AF65-F5344CB8AC3E}">
-        <p14:creationId xmlns:p14="http://schemas.microsoft.com/office/powerpoint/2010/main" val="2810361054"/>
-      </p:ext>
-    </p:extLst>
   </p:cSld>
   <p:clrMapOvr>
     <a:masterClrMapping/>
@@ -844,20 +830,20 @@
             <a:spLocks noGrp="1"/>
           </p:cNvSpPr>
           <p:nvPr>
-            <p:ph type="title"/>
+            <p:ph type="title" hasCustomPrompt="1"/>
           </p:nvPr>
         </p:nvSpPr>
         <p:spPr>
           <a:xfrm>
-            <a:off x="831850" y="1709738"/>
-            <a:ext cx="10515600" cy="2852737"/>
+            <a:off x="467916" y="1334952"/>
+            <a:ext cx="5915025" cy="2227398"/>
           </a:xfrm>
         </p:spPr>
         <p:txBody>
           <a:bodyPr anchor="b"/>
           <a:lstStyle>
             <a:lvl1pPr>
-              <a:defRPr sz="6000"/>
+              <a:defRPr sz="4500"/>
             </a:lvl1pPr>
           </a:lstStyle>
           <a:p>
@@ -876,13 +862,13 @@
             <a:spLocks noGrp="1"/>
           </p:cNvSpPr>
           <p:nvPr>
-            <p:ph type="body" idx="1"/>
+            <p:ph type="body" idx="1" hasCustomPrompt="1"/>
           </p:nvPr>
         </p:nvSpPr>
         <p:spPr>
           <a:xfrm>
-            <a:off x="831850" y="4589463"/>
-            <a:ext cx="10515600" cy="1500187"/>
+            <a:off x="467916" y="3583421"/>
+            <a:ext cx="5915025" cy="1171336"/>
           </a:xfrm>
         </p:spPr>
         <p:txBody>
@@ -890,7 +876,7 @@
           <a:lstStyle>
             <a:lvl1pPr marL="0" indent="0">
               <a:buNone/>
-              <a:defRPr sz="2400">
+              <a:defRPr sz="1800">
                 <a:solidFill>
                   <a:schemeClr val="tx1">
                     <a:tint val="75000"/>
@@ -898,9 +884,9 @@
                 </a:solidFill>
               </a:defRPr>
             </a:lvl1pPr>
-            <a:lvl2pPr marL="457200" indent="0">
-              <a:buNone/>
-              <a:defRPr sz="2000">
+            <a:lvl2pPr marL="342900" indent="0">
+              <a:buNone/>
+              <a:defRPr sz="1500">
                 <a:solidFill>
                   <a:schemeClr val="tx1">
                     <a:tint val="75000"/>
@@ -908,9 +894,9 @@
                 </a:solidFill>
               </a:defRPr>
             </a:lvl2pPr>
-            <a:lvl3pPr marL="914400" indent="0">
-              <a:buNone/>
-              <a:defRPr sz="1800">
+            <a:lvl3pPr marL="685165" indent="0">
+              <a:buNone/>
+              <a:defRPr sz="1345">
                 <a:solidFill>
                   <a:schemeClr val="tx1">
                     <a:tint val="75000"/>
@@ -918,9 +904,9 @@
                 </a:solidFill>
               </a:defRPr>
             </a:lvl3pPr>
-            <a:lvl4pPr marL="1371600" indent="0">
-              <a:buNone/>
-              <a:defRPr sz="1600">
+            <a:lvl4pPr marL="1029335" indent="0">
+              <a:buNone/>
+              <a:defRPr sz="1205">
                 <a:solidFill>
                   <a:schemeClr val="tx1">
                     <a:tint val="75000"/>
@@ -928,9 +914,9 @@
                 </a:solidFill>
               </a:defRPr>
             </a:lvl4pPr>
-            <a:lvl5pPr marL="1828800" indent="0">
-              <a:buNone/>
-              <a:defRPr sz="1600">
+            <a:lvl5pPr marL="1371600" indent="0">
+              <a:buNone/>
+              <a:defRPr sz="1205">
                 <a:solidFill>
                   <a:schemeClr val="tx1">
                     <a:tint val="75000"/>
@@ -938,9 +924,9 @@
                 </a:solidFill>
               </a:defRPr>
             </a:lvl5pPr>
-            <a:lvl6pPr marL="2286000" indent="0">
-              <a:buNone/>
-              <a:defRPr sz="1600">
+            <a:lvl6pPr marL="1714500" indent="0">
+              <a:buNone/>
+              <a:defRPr sz="1205">
                 <a:solidFill>
                   <a:schemeClr val="tx1">
                     <a:tint val="75000"/>
@@ -948,9 +934,9 @@
                 </a:solidFill>
               </a:defRPr>
             </a:lvl6pPr>
-            <a:lvl7pPr marL="2743200" indent="0">
-              <a:buNone/>
-              <a:defRPr sz="1600">
+            <a:lvl7pPr marL="2057400" indent="0">
+              <a:buNone/>
+              <a:defRPr sz="1205">
                 <a:solidFill>
                   <a:schemeClr val="tx1">
                     <a:tint val="75000"/>
@@ -958,9 +944,9 @@
                 </a:solidFill>
               </a:defRPr>
             </a:lvl7pPr>
-            <a:lvl8pPr marL="3200400" indent="0">
-              <a:buNone/>
-              <a:defRPr sz="1600">
+            <a:lvl8pPr marL="2400935" indent="0">
+              <a:buNone/>
+              <a:defRPr sz="1205">
                 <a:solidFill>
                   <a:schemeClr val="tx1">
                     <a:tint val="75000"/>
@@ -968,9 +954,9 @@
                 </a:solidFill>
               </a:defRPr>
             </a:lvl8pPr>
-            <a:lvl9pPr marL="3657600" indent="0">
-              <a:buNone/>
-              <a:defRPr sz="1600">
+            <a:lvl9pPr marL="2743835" indent="0">
+              <a:buNone/>
+              <a:defRPr sz="1205">
                 <a:solidFill>
                   <a:schemeClr val="tx1">
                     <a:tint val="75000"/>
@@ -985,6 +971,7 @@
               <a:rPr lang="de-DE" smtClean="0"/>
               <a:t>Textmasterformat bearbeiten</a:t>
             </a:r>
+            <a:endParaRPr lang="de-DE" smtClean="0"/>
           </a:p>
         </p:txBody>
       </p:sp>
@@ -1005,7 +992,6 @@
           <a:p>
             <a:fld id="{C62AAFF6-1C34-4B30-9DDA-7C033BF90EB8}" type="datetimeFigureOut">
               <a:rPr lang="de-DE" smtClean="0"/>
-              <a:t>25.10.2016</a:t>
             </a:fld>
             <a:endParaRPr lang="de-DE"/>
           </a:p>
@@ -1047,18 +1033,12 @@
           <a:p>
             <a:fld id="{5D6AA63B-4968-4386-BAB4-0E698A8B9738}" type="slidenum">
               <a:rPr lang="de-DE" smtClean="0"/>
-              <a:t>‹Nr.›</a:t>
             </a:fld>
             <a:endParaRPr lang="de-DE"/>
           </a:p>
         </p:txBody>
       </p:sp>
     </p:spTree>
-    <p:extLst>
-      <p:ext uri="{BB962C8B-B14F-4D97-AF65-F5344CB8AC3E}">
-        <p14:creationId xmlns:p14="http://schemas.microsoft.com/office/powerpoint/2010/main" val="538194804"/>
-      </p:ext>
-    </p:extLst>
   </p:cSld>
   <p:clrMapOvr>
     <a:masterClrMapping/>
@@ -1090,7 +1070,7 @@
             <a:spLocks noGrp="1"/>
           </p:cNvSpPr>
           <p:nvPr>
-            <p:ph type="title"/>
+            <p:ph type="title" hasCustomPrompt="1"/>
           </p:nvPr>
         </p:nvSpPr>
         <p:spPr/>
@@ -1113,13 +1093,13 @@
             <a:spLocks noGrp="1"/>
           </p:cNvSpPr>
           <p:nvPr>
-            <p:ph sz="half" idx="1"/>
+            <p:ph sz="half" idx="1" hasCustomPrompt="1"/>
           </p:nvPr>
         </p:nvSpPr>
         <p:spPr>
           <a:xfrm>
-            <a:off x="838200" y="1825625"/>
-            <a:ext cx="5181600" cy="4351338"/>
+            <a:off x="471488" y="1425436"/>
+            <a:ext cx="2914650" cy="3397495"/>
           </a:xfrm>
         </p:spPr>
         <p:txBody>
@@ -1131,6 +1111,7 @@
               <a:rPr lang="de-DE" smtClean="0"/>
               <a:t>Textmasterformat bearbeiten</a:t>
             </a:r>
+            <a:endParaRPr lang="de-DE" smtClean="0"/>
           </a:p>
           <a:p>
             <a:pPr lvl="1"/>
@@ -1138,6 +1119,7 @@
               <a:rPr lang="de-DE" smtClean="0"/>
               <a:t>Zweite Ebene</a:t>
             </a:r>
+            <a:endParaRPr lang="de-DE" smtClean="0"/>
           </a:p>
           <a:p>
             <a:pPr lvl="2"/>
@@ -1145,6 +1127,7 @@
               <a:rPr lang="de-DE" smtClean="0"/>
               <a:t>Dritte Ebene</a:t>
             </a:r>
+            <a:endParaRPr lang="de-DE" smtClean="0"/>
           </a:p>
           <a:p>
             <a:pPr lvl="3"/>
@@ -1152,6 +1135,7 @@
               <a:rPr lang="de-DE" smtClean="0"/>
               <a:t>Vierte Ebene</a:t>
             </a:r>
+            <a:endParaRPr lang="de-DE" smtClean="0"/>
           </a:p>
           <a:p>
             <a:pPr lvl="4"/>
@@ -1170,13 +1154,13 @@
             <a:spLocks noGrp="1"/>
           </p:cNvSpPr>
           <p:nvPr>
-            <p:ph sz="half" idx="2"/>
+            <p:ph sz="half" idx="2" hasCustomPrompt="1"/>
           </p:nvPr>
         </p:nvSpPr>
         <p:spPr>
           <a:xfrm>
-            <a:off x="6172200" y="1825625"/>
-            <a:ext cx="5181600" cy="4351338"/>
+            <a:off x="3471863" y="1425436"/>
+            <a:ext cx="2914650" cy="3397495"/>
           </a:xfrm>
         </p:spPr>
         <p:txBody>
@@ -1188,6 +1172,7 @@
               <a:rPr lang="de-DE" smtClean="0"/>
               <a:t>Textmasterformat bearbeiten</a:t>
             </a:r>
+            <a:endParaRPr lang="de-DE" smtClean="0"/>
           </a:p>
           <a:p>
             <a:pPr lvl="1"/>
@@ -1195,6 +1180,7 @@
               <a:rPr lang="de-DE" smtClean="0"/>
               <a:t>Zweite Ebene</a:t>
             </a:r>
+            <a:endParaRPr lang="de-DE" smtClean="0"/>
           </a:p>
           <a:p>
             <a:pPr lvl="2"/>
@@ -1202,6 +1188,7 @@
               <a:rPr lang="de-DE" smtClean="0"/>
               <a:t>Dritte Ebene</a:t>
             </a:r>
+            <a:endParaRPr lang="de-DE" smtClean="0"/>
           </a:p>
           <a:p>
             <a:pPr lvl="3"/>
@@ -1209,6 +1196,7 @@
               <a:rPr lang="de-DE" smtClean="0"/>
               <a:t>Vierte Ebene</a:t>
             </a:r>
+            <a:endParaRPr lang="de-DE" smtClean="0"/>
           </a:p>
           <a:p>
             <a:pPr lvl="4"/>
@@ -1237,7 +1225,6 @@
           <a:p>
             <a:fld id="{C62AAFF6-1C34-4B30-9DDA-7C033BF90EB8}" type="datetimeFigureOut">
               <a:rPr lang="de-DE" smtClean="0"/>
-              <a:t>25.10.2016</a:t>
             </a:fld>
             <a:endParaRPr lang="de-DE"/>
           </a:p>
@@ -1279,18 +1266,12 @@
           <a:p>
             <a:fld id="{5D6AA63B-4968-4386-BAB4-0E698A8B9738}" type="slidenum">
               <a:rPr lang="de-DE" smtClean="0"/>
-              <a:t>‹Nr.›</a:t>
             </a:fld>
             <a:endParaRPr lang="de-DE"/>
           </a:p>
         </p:txBody>
       </p:sp>
     </p:spTree>
-    <p:extLst>
-      <p:ext uri="{BB962C8B-B14F-4D97-AF65-F5344CB8AC3E}">
-        <p14:creationId xmlns:p14="http://schemas.microsoft.com/office/powerpoint/2010/main" val="1100009126"/>
-      </p:ext>
-    </p:extLst>
   </p:cSld>
   <p:clrMapOvr>
     <a:masterClrMapping/>
@@ -1322,13 +1303,13 @@
             <a:spLocks noGrp="1"/>
           </p:cNvSpPr>
           <p:nvPr>
-            <p:ph type="title"/>
+            <p:ph type="title" hasCustomPrompt="1"/>
           </p:nvPr>
         </p:nvSpPr>
         <p:spPr>
           <a:xfrm>
-            <a:off x="839788" y="365125"/>
-            <a:ext cx="10515600" cy="1325563"/>
+            <a:off x="472381" y="285087"/>
+            <a:ext cx="5915025" cy="1034991"/>
           </a:xfrm>
         </p:spPr>
         <p:txBody>
@@ -1350,13 +1331,13 @@
             <a:spLocks noGrp="1"/>
           </p:cNvSpPr>
           <p:nvPr>
-            <p:ph type="body" idx="1"/>
+            <p:ph type="body" idx="1" hasCustomPrompt="1"/>
           </p:nvPr>
         </p:nvSpPr>
         <p:spPr>
           <a:xfrm>
-            <a:off x="839788" y="1681163"/>
-            <a:ext cx="5157787" cy="823912"/>
+            <a:off x="472381" y="1312641"/>
+            <a:ext cx="2901255" cy="643305"/>
           </a:xfrm>
         </p:spPr>
         <p:txBody>
@@ -1364,39 +1345,39 @@
           <a:lstStyle>
             <a:lvl1pPr marL="0" indent="0">
               <a:buNone/>
-              <a:defRPr sz="2400" b="1"/>
+              <a:defRPr sz="1800" b="1"/>
             </a:lvl1pPr>
-            <a:lvl2pPr marL="457200" indent="0">
-              <a:buNone/>
-              <a:defRPr sz="2000" b="1"/>
+            <a:lvl2pPr marL="342900" indent="0">
+              <a:buNone/>
+              <a:defRPr sz="1500" b="1"/>
             </a:lvl2pPr>
-            <a:lvl3pPr marL="914400" indent="0">
-              <a:buNone/>
-              <a:defRPr sz="1800" b="1"/>
+            <a:lvl3pPr marL="685165" indent="0">
+              <a:buNone/>
+              <a:defRPr sz="1345" b="1"/>
             </a:lvl3pPr>
-            <a:lvl4pPr marL="1371600" indent="0">
-              <a:buNone/>
-              <a:defRPr sz="1600" b="1"/>
+            <a:lvl4pPr marL="1029335" indent="0">
+              <a:buNone/>
+              <a:defRPr sz="1205" b="1"/>
             </a:lvl4pPr>
-            <a:lvl5pPr marL="1828800" indent="0">
-              <a:buNone/>
-              <a:defRPr sz="1600" b="1"/>
+            <a:lvl5pPr marL="1371600" indent="0">
+              <a:buNone/>
+              <a:defRPr sz="1205" b="1"/>
             </a:lvl5pPr>
-            <a:lvl6pPr marL="2286000" indent="0">
-              <a:buNone/>
-              <a:defRPr sz="1600" b="1"/>
+            <a:lvl6pPr marL="1714500" indent="0">
+              <a:buNone/>
+              <a:defRPr sz="1205" b="1"/>
             </a:lvl6pPr>
-            <a:lvl7pPr marL="2743200" indent="0">
-              <a:buNone/>
-              <a:defRPr sz="1600" b="1"/>
+            <a:lvl7pPr marL="2057400" indent="0">
+              <a:buNone/>
+              <a:defRPr sz="1205" b="1"/>
             </a:lvl7pPr>
-            <a:lvl8pPr marL="3200400" indent="0">
-              <a:buNone/>
-              <a:defRPr sz="1600" b="1"/>
+            <a:lvl8pPr marL="2400935" indent="0">
+              <a:buNone/>
+              <a:defRPr sz="1205" b="1"/>
             </a:lvl8pPr>
-            <a:lvl9pPr marL="3657600" indent="0">
-              <a:buNone/>
-              <a:defRPr sz="1600" b="1"/>
+            <a:lvl9pPr marL="2743835" indent="0">
+              <a:buNone/>
+              <a:defRPr sz="1205" b="1"/>
             </a:lvl9pPr>
           </a:lstStyle>
           <a:p>
@@ -1405,6 +1386,7 @@
               <a:rPr lang="de-DE" smtClean="0"/>
               <a:t>Textmasterformat bearbeiten</a:t>
             </a:r>
+            <a:endParaRPr lang="de-DE" smtClean="0"/>
           </a:p>
         </p:txBody>
       </p:sp>
@@ -1415,13 +1397,13 @@
             <a:spLocks noGrp="1"/>
           </p:cNvSpPr>
           <p:nvPr>
-            <p:ph sz="half" idx="2"/>
+            <p:ph sz="half" idx="2" hasCustomPrompt="1"/>
           </p:nvPr>
         </p:nvSpPr>
         <p:spPr>
           <a:xfrm>
-            <a:off x="839788" y="2505075"/>
-            <a:ext cx="5157787" cy="3684588"/>
+            <a:off x="472381" y="1955945"/>
+            <a:ext cx="2901255" cy="2876901"/>
           </a:xfrm>
         </p:spPr>
         <p:txBody>
@@ -1433,6 +1415,7 @@
               <a:rPr lang="de-DE" smtClean="0"/>
               <a:t>Textmasterformat bearbeiten</a:t>
             </a:r>
+            <a:endParaRPr lang="de-DE" smtClean="0"/>
           </a:p>
           <a:p>
             <a:pPr lvl="1"/>
@@ -1440,6 +1423,7 @@
               <a:rPr lang="de-DE" smtClean="0"/>
               <a:t>Zweite Ebene</a:t>
             </a:r>
+            <a:endParaRPr lang="de-DE" smtClean="0"/>
           </a:p>
           <a:p>
             <a:pPr lvl="2"/>
@@ -1447,6 +1431,7 @@
               <a:rPr lang="de-DE" smtClean="0"/>
               <a:t>Dritte Ebene</a:t>
             </a:r>
+            <a:endParaRPr lang="de-DE" smtClean="0"/>
           </a:p>
           <a:p>
             <a:pPr lvl="3"/>
@@ -1454,6 +1439,7 @@
               <a:rPr lang="de-DE" smtClean="0"/>
               <a:t>Vierte Ebene</a:t>
             </a:r>
+            <a:endParaRPr lang="de-DE" smtClean="0"/>
           </a:p>
           <a:p>
             <a:pPr lvl="4"/>
@@ -1472,13 +1458,13 @@
             <a:spLocks noGrp="1"/>
           </p:cNvSpPr>
           <p:nvPr>
-            <p:ph type="body" sz="quarter" idx="3"/>
+            <p:ph type="body" sz="quarter" idx="3" hasCustomPrompt="1"/>
           </p:nvPr>
         </p:nvSpPr>
         <p:spPr>
           <a:xfrm>
-            <a:off x="6172200" y="1681163"/>
-            <a:ext cx="5183188" cy="823912"/>
+            <a:off x="3471863" y="1312641"/>
+            <a:ext cx="2915543" cy="643305"/>
           </a:xfrm>
         </p:spPr>
         <p:txBody>
@@ -1486,39 +1472,39 @@
           <a:lstStyle>
             <a:lvl1pPr marL="0" indent="0">
               <a:buNone/>
-              <a:defRPr sz="2400" b="1"/>
+              <a:defRPr sz="1800" b="1"/>
             </a:lvl1pPr>
-            <a:lvl2pPr marL="457200" indent="0">
-              <a:buNone/>
-              <a:defRPr sz="2000" b="1"/>
+            <a:lvl2pPr marL="342900" indent="0">
+              <a:buNone/>
+              <a:defRPr sz="1500" b="1"/>
             </a:lvl2pPr>
-            <a:lvl3pPr marL="914400" indent="0">
-              <a:buNone/>
-              <a:defRPr sz="1800" b="1"/>
+            <a:lvl3pPr marL="685165" indent="0">
+              <a:buNone/>
+              <a:defRPr sz="1345" b="1"/>
             </a:lvl3pPr>
-            <a:lvl4pPr marL="1371600" indent="0">
-              <a:buNone/>
-              <a:defRPr sz="1600" b="1"/>
+            <a:lvl4pPr marL="1029335" indent="0">
+              <a:buNone/>
+              <a:defRPr sz="1205" b="1"/>
             </a:lvl4pPr>
-            <a:lvl5pPr marL="1828800" indent="0">
-              <a:buNone/>
-              <a:defRPr sz="1600" b="1"/>
+            <a:lvl5pPr marL="1371600" indent="0">
+              <a:buNone/>
+              <a:defRPr sz="1205" b="1"/>
             </a:lvl5pPr>
-            <a:lvl6pPr marL="2286000" indent="0">
-              <a:buNone/>
-              <a:defRPr sz="1600" b="1"/>
+            <a:lvl6pPr marL="1714500" indent="0">
+              <a:buNone/>
+              <a:defRPr sz="1205" b="1"/>
             </a:lvl6pPr>
-            <a:lvl7pPr marL="2743200" indent="0">
-              <a:buNone/>
-              <a:defRPr sz="1600" b="1"/>
+            <a:lvl7pPr marL="2057400" indent="0">
+              <a:buNone/>
+              <a:defRPr sz="1205" b="1"/>
             </a:lvl7pPr>
-            <a:lvl8pPr marL="3200400" indent="0">
-              <a:buNone/>
-              <a:defRPr sz="1600" b="1"/>
+            <a:lvl8pPr marL="2400935" indent="0">
+              <a:buNone/>
+              <a:defRPr sz="1205" b="1"/>
             </a:lvl8pPr>
-            <a:lvl9pPr marL="3657600" indent="0">
-              <a:buNone/>
-              <a:defRPr sz="1600" b="1"/>
+            <a:lvl9pPr marL="2743835" indent="0">
+              <a:buNone/>
+              <a:defRPr sz="1205" b="1"/>
             </a:lvl9pPr>
           </a:lstStyle>
           <a:p>
@@ -1527,6 +1513,7 @@
               <a:rPr lang="de-DE" smtClean="0"/>
               <a:t>Textmasterformat bearbeiten</a:t>
             </a:r>
+            <a:endParaRPr lang="de-DE" smtClean="0"/>
           </a:p>
         </p:txBody>
       </p:sp>
@@ -1537,13 +1524,13 @@
             <a:spLocks noGrp="1"/>
           </p:cNvSpPr>
           <p:nvPr>
-            <p:ph sz="quarter" idx="4"/>
+            <p:ph sz="quarter" idx="4" hasCustomPrompt="1"/>
           </p:nvPr>
         </p:nvSpPr>
         <p:spPr>
           <a:xfrm>
-            <a:off x="6172200" y="2505075"/>
-            <a:ext cx="5183188" cy="3684588"/>
+            <a:off x="3471863" y="1955945"/>
+            <a:ext cx="2915543" cy="2876901"/>
           </a:xfrm>
         </p:spPr>
         <p:txBody>
@@ -1555,6 +1542,7 @@
               <a:rPr lang="de-DE" smtClean="0"/>
               <a:t>Textmasterformat bearbeiten</a:t>
             </a:r>
+            <a:endParaRPr lang="de-DE" smtClean="0"/>
           </a:p>
           <a:p>
             <a:pPr lvl="1"/>
@@ -1562,6 +1550,7 @@
               <a:rPr lang="de-DE" smtClean="0"/>
               <a:t>Zweite Ebene</a:t>
             </a:r>
+            <a:endParaRPr lang="de-DE" smtClean="0"/>
           </a:p>
           <a:p>
             <a:pPr lvl="2"/>
@@ -1569,6 +1558,7 @@
               <a:rPr lang="de-DE" smtClean="0"/>
               <a:t>Dritte Ebene</a:t>
             </a:r>
+            <a:endParaRPr lang="de-DE" smtClean="0"/>
           </a:p>
           <a:p>
             <a:pPr lvl="3"/>
@@ -1576,6 +1566,7 @@
               <a:rPr lang="de-DE" smtClean="0"/>
               <a:t>Vierte Ebene</a:t>
             </a:r>
+            <a:endParaRPr lang="de-DE" smtClean="0"/>
           </a:p>
           <a:p>
             <a:pPr lvl="4"/>
@@ -1604,7 +1595,6 @@
           <a:p>
             <a:fld id="{C62AAFF6-1C34-4B30-9DDA-7C033BF90EB8}" type="datetimeFigureOut">
               <a:rPr lang="de-DE" smtClean="0"/>
-              <a:t>25.10.2016</a:t>
             </a:fld>
             <a:endParaRPr lang="de-DE"/>
           </a:p>
@@ -1646,18 +1636,12 @@
           <a:p>
             <a:fld id="{5D6AA63B-4968-4386-BAB4-0E698A8B9738}" type="slidenum">
               <a:rPr lang="de-DE" smtClean="0"/>
-              <a:t>‹Nr.›</a:t>
             </a:fld>
             <a:endParaRPr lang="de-DE"/>
           </a:p>
         </p:txBody>
       </p:sp>
     </p:spTree>
-    <p:extLst>
-      <p:ext uri="{BB962C8B-B14F-4D97-AF65-F5344CB8AC3E}">
-        <p14:creationId xmlns:p14="http://schemas.microsoft.com/office/powerpoint/2010/main" val="1166985095"/>
-      </p:ext>
-    </p:extLst>
   </p:cSld>
   <p:clrMapOvr>
     <a:masterClrMapping/>
@@ -1689,7 +1673,7 @@
             <a:spLocks noGrp="1"/>
           </p:cNvSpPr>
           <p:nvPr>
-            <p:ph type="title"/>
+            <p:ph type="title" hasCustomPrompt="1"/>
           </p:nvPr>
         </p:nvSpPr>
         <p:spPr/>
@@ -1722,7 +1706,6 @@
           <a:p>
             <a:fld id="{C62AAFF6-1C34-4B30-9DDA-7C033BF90EB8}" type="datetimeFigureOut">
               <a:rPr lang="de-DE" smtClean="0"/>
-              <a:t>25.10.2016</a:t>
             </a:fld>
             <a:endParaRPr lang="de-DE"/>
           </a:p>
@@ -1764,18 +1747,12 @@
           <a:p>
             <a:fld id="{5D6AA63B-4968-4386-BAB4-0E698A8B9738}" type="slidenum">
               <a:rPr lang="de-DE" smtClean="0"/>
-              <a:t>‹Nr.›</a:t>
             </a:fld>
             <a:endParaRPr lang="de-DE"/>
           </a:p>
         </p:txBody>
       </p:sp>
     </p:spTree>
-    <p:extLst>
-      <p:ext uri="{BB962C8B-B14F-4D97-AF65-F5344CB8AC3E}">
-        <p14:creationId xmlns:p14="http://schemas.microsoft.com/office/powerpoint/2010/main" val="3287451209"/>
-      </p:ext>
-    </p:extLst>
   </p:cSld>
   <p:clrMapOvr>
     <a:masterClrMapping/>
@@ -1817,7 +1794,6 @@
           <a:p>
             <a:fld id="{C62AAFF6-1C34-4B30-9DDA-7C033BF90EB8}" type="datetimeFigureOut">
               <a:rPr lang="de-DE" smtClean="0"/>
-              <a:t>25.10.2016</a:t>
             </a:fld>
             <a:endParaRPr lang="de-DE"/>
           </a:p>
@@ -1859,18 +1835,12 @@
           <a:p>
             <a:fld id="{5D6AA63B-4968-4386-BAB4-0E698A8B9738}" type="slidenum">
               <a:rPr lang="de-DE" smtClean="0"/>
-              <a:t>‹Nr.›</a:t>
             </a:fld>
             <a:endParaRPr lang="de-DE"/>
           </a:p>
         </p:txBody>
       </p:sp>
     </p:spTree>
-    <p:extLst>
-      <p:ext uri="{BB962C8B-B14F-4D97-AF65-F5344CB8AC3E}">
-        <p14:creationId xmlns:p14="http://schemas.microsoft.com/office/powerpoint/2010/main" val="2103519532"/>
-      </p:ext>
-    </p:extLst>
   </p:cSld>
   <p:clrMapOvr>
     <a:masterClrMapping/>
@@ -1902,20 +1872,20 @@
             <a:spLocks noGrp="1"/>
           </p:cNvSpPr>
           <p:nvPr>
-            <p:ph type="title"/>
+            <p:ph type="title" hasCustomPrompt="1"/>
           </p:nvPr>
         </p:nvSpPr>
         <p:spPr>
           <a:xfrm>
-            <a:off x="839788" y="457200"/>
-            <a:ext cx="3932237" cy="1600200"/>
+            <a:off x="472381" y="356979"/>
+            <a:ext cx="2211883" cy="1249425"/>
           </a:xfrm>
         </p:spPr>
         <p:txBody>
           <a:bodyPr anchor="b"/>
           <a:lstStyle>
             <a:lvl1pPr>
-              <a:defRPr sz="3200"/>
+              <a:defRPr sz="2400"/>
             </a:lvl1pPr>
           </a:lstStyle>
           <a:p>
@@ -1934,44 +1904,44 @@
             <a:spLocks noGrp="1"/>
           </p:cNvSpPr>
           <p:nvPr>
-            <p:ph idx="1"/>
+            <p:ph idx="1" hasCustomPrompt="1"/>
           </p:nvPr>
         </p:nvSpPr>
         <p:spPr>
           <a:xfrm>
-            <a:off x="5183188" y="987425"/>
-            <a:ext cx="6172200" cy="4873625"/>
+            <a:off x="2915543" y="770975"/>
+            <a:ext cx="3471863" cy="3805293"/>
           </a:xfrm>
         </p:spPr>
         <p:txBody>
           <a:bodyPr/>
           <a:lstStyle>
             <a:lvl1pPr>
-              <a:defRPr sz="3200"/>
+              <a:defRPr sz="2400"/>
             </a:lvl1pPr>
             <a:lvl2pPr>
-              <a:defRPr sz="2800"/>
+              <a:defRPr sz="2105"/>
             </a:lvl2pPr>
             <a:lvl3pPr>
-              <a:defRPr sz="2400"/>
+              <a:defRPr sz="1800"/>
             </a:lvl3pPr>
             <a:lvl4pPr>
-              <a:defRPr sz="2000"/>
+              <a:defRPr sz="1500"/>
             </a:lvl4pPr>
             <a:lvl5pPr>
-              <a:defRPr sz="2000"/>
+              <a:defRPr sz="1500"/>
             </a:lvl5pPr>
             <a:lvl6pPr>
-              <a:defRPr sz="2000"/>
+              <a:defRPr sz="1500"/>
             </a:lvl6pPr>
             <a:lvl7pPr>
-              <a:defRPr sz="2000"/>
+              <a:defRPr sz="1500"/>
             </a:lvl7pPr>
             <a:lvl8pPr>
-              <a:defRPr sz="2000"/>
+              <a:defRPr sz="1500"/>
             </a:lvl8pPr>
             <a:lvl9pPr>
-              <a:defRPr sz="2000"/>
+              <a:defRPr sz="1500"/>
             </a:lvl9pPr>
           </a:lstStyle>
           <a:p>
@@ -1980,6 +1950,7 @@
               <a:rPr lang="de-DE" smtClean="0"/>
               <a:t>Textmasterformat bearbeiten</a:t>
             </a:r>
+            <a:endParaRPr lang="de-DE" smtClean="0"/>
           </a:p>
           <a:p>
             <a:pPr lvl="1"/>
@@ -1987,6 +1958,7 @@
               <a:rPr lang="de-DE" smtClean="0"/>
               <a:t>Zweite Ebene</a:t>
             </a:r>
+            <a:endParaRPr lang="de-DE" smtClean="0"/>
           </a:p>
           <a:p>
             <a:pPr lvl="2"/>
@@ -1994,6 +1966,7 @@
               <a:rPr lang="de-DE" smtClean="0"/>
               <a:t>Dritte Ebene</a:t>
             </a:r>
+            <a:endParaRPr lang="de-DE" smtClean="0"/>
           </a:p>
           <a:p>
             <a:pPr lvl="3"/>
@@ -2001,6 +1974,7 @@
               <a:rPr lang="de-DE" smtClean="0"/>
               <a:t>Vierte Ebene</a:t>
             </a:r>
+            <a:endParaRPr lang="de-DE" smtClean="0"/>
           </a:p>
           <a:p>
             <a:pPr lvl="4"/>
@@ -2019,13 +1993,13 @@
             <a:spLocks noGrp="1"/>
           </p:cNvSpPr>
           <p:nvPr>
-            <p:ph type="body" sz="half" idx="2"/>
+            <p:ph type="body" sz="half" idx="2" hasCustomPrompt="1"/>
           </p:nvPr>
         </p:nvSpPr>
         <p:spPr>
           <a:xfrm>
-            <a:off x="839788" y="2057400"/>
-            <a:ext cx="3932237" cy="3811588"/>
+            <a:off x="472381" y="1606404"/>
+            <a:ext cx="2211883" cy="2976062"/>
           </a:xfrm>
         </p:spPr>
         <p:txBody>
@@ -2033,39 +2007,39 @@
           <a:lstStyle>
             <a:lvl1pPr marL="0" indent="0">
               <a:buNone/>
-              <a:defRPr sz="1600"/>
+              <a:defRPr sz="1205"/>
             </a:lvl1pPr>
-            <a:lvl2pPr marL="457200" indent="0">
-              <a:buNone/>
-              <a:defRPr sz="1400"/>
+            <a:lvl2pPr marL="342900" indent="0">
+              <a:buNone/>
+              <a:defRPr sz="1050"/>
             </a:lvl2pPr>
-            <a:lvl3pPr marL="914400" indent="0">
-              <a:buNone/>
-              <a:defRPr sz="1200"/>
+            <a:lvl3pPr marL="685165" indent="0">
+              <a:buNone/>
+              <a:defRPr sz="900"/>
             </a:lvl3pPr>
-            <a:lvl4pPr marL="1371600" indent="0">
-              <a:buNone/>
-              <a:defRPr sz="1000"/>
+            <a:lvl4pPr marL="1029335" indent="0">
+              <a:buNone/>
+              <a:defRPr sz="750"/>
             </a:lvl4pPr>
-            <a:lvl5pPr marL="1828800" indent="0">
-              <a:buNone/>
-              <a:defRPr sz="1000"/>
+            <a:lvl5pPr marL="1371600" indent="0">
+              <a:buNone/>
+              <a:defRPr sz="750"/>
             </a:lvl5pPr>
-            <a:lvl6pPr marL="2286000" indent="0">
-              <a:buNone/>
-              <a:defRPr sz="1000"/>
+            <a:lvl6pPr marL="1714500" indent="0">
+              <a:buNone/>
+              <a:defRPr sz="750"/>
             </a:lvl6pPr>
-            <a:lvl7pPr marL="2743200" indent="0">
-              <a:buNone/>
-              <a:defRPr sz="1000"/>
+            <a:lvl7pPr marL="2057400" indent="0">
+              <a:buNone/>
+              <a:defRPr sz="750"/>
             </a:lvl7pPr>
-            <a:lvl8pPr marL="3200400" indent="0">
-              <a:buNone/>
-              <a:defRPr sz="1000"/>
+            <a:lvl8pPr marL="2400935" indent="0">
+              <a:buNone/>
+              <a:defRPr sz="750"/>
             </a:lvl8pPr>
-            <a:lvl9pPr marL="3657600" indent="0">
-              <a:buNone/>
-              <a:defRPr sz="1000"/>
+            <a:lvl9pPr marL="2743835" indent="0">
+              <a:buNone/>
+              <a:defRPr sz="750"/>
             </a:lvl9pPr>
           </a:lstStyle>
           <a:p>
@@ -2074,6 +2048,7 @@
               <a:rPr lang="de-DE" smtClean="0"/>
               <a:t>Textmasterformat bearbeiten</a:t>
             </a:r>
+            <a:endParaRPr lang="de-DE" smtClean="0"/>
           </a:p>
         </p:txBody>
       </p:sp>
@@ -2094,7 +2069,6 @@
           <a:p>
             <a:fld id="{C62AAFF6-1C34-4B30-9DDA-7C033BF90EB8}" type="datetimeFigureOut">
               <a:rPr lang="de-DE" smtClean="0"/>
-              <a:t>25.10.2016</a:t>
             </a:fld>
             <a:endParaRPr lang="de-DE"/>
           </a:p>
@@ -2136,18 +2110,12 @@
           <a:p>
             <a:fld id="{5D6AA63B-4968-4386-BAB4-0E698A8B9738}" type="slidenum">
               <a:rPr lang="de-DE" smtClean="0"/>
-              <a:t>‹Nr.›</a:t>
             </a:fld>
             <a:endParaRPr lang="de-DE"/>
           </a:p>
         </p:txBody>
       </p:sp>
     </p:spTree>
-    <p:extLst>
-      <p:ext uri="{BB962C8B-B14F-4D97-AF65-F5344CB8AC3E}">
-        <p14:creationId xmlns:p14="http://schemas.microsoft.com/office/powerpoint/2010/main" val="2312746555"/>
-      </p:ext>
-    </p:extLst>
   </p:cSld>
   <p:clrMapOvr>
     <a:masterClrMapping/>
@@ -2179,20 +2147,20 @@
             <a:spLocks noGrp="1"/>
           </p:cNvSpPr>
           <p:nvPr>
-            <p:ph type="title"/>
+            <p:ph type="title" hasCustomPrompt="1"/>
           </p:nvPr>
         </p:nvSpPr>
         <p:spPr>
           <a:xfrm>
-            <a:off x="839788" y="457200"/>
-            <a:ext cx="3932237" cy="1600200"/>
+            <a:off x="472381" y="356979"/>
+            <a:ext cx="2211883" cy="1249425"/>
           </a:xfrm>
         </p:spPr>
         <p:txBody>
           <a:bodyPr anchor="b"/>
           <a:lstStyle>
             <a:lvl1pPr>
-              <a:defRPr sz="3200"/>
+              <a:defRPr sz="2400"/>
             </a:lvl1pPr>
           </a:lstStyle>
           <a:p>
@@ -2216,8 +2184,8 @@
         </p:nvSpPr>
         <p:spPr>
           <a:xfrm>
-            <a:off x="5183188" y="987425"/>
-            <a:ext cx="6172200" cy="4873625"/>
+            <a:off x="2915543" y="770975"/>
+            <a:ext cx="3471863" cy="3805293"/>
           </a:xfrm>
         </p:spPr>
         <p:txBody>
@@ -2225,39 +2193,39 @@
           <a:lstStyle>
             <a:lvl1pPr marL="0" indent="0">
               <a:buNone/>
-              <a:defRPr sz="3200"/>
+              <a:defRPr sz="2400"/>
             </a:lvl1pPr>
-            <a:lvl2pPr marL="457200" indent="0">
-              <a:buNone/>
-              <a:defRPr sz="2800"/>
+            <a:lvl2pPr marL="342900" indent="0">
+              <a:buNone/>
+              <a:defRPr sz="2105"/>
             </a:lvl2pPr>
-            <a:lvl3pPr marL="914400" indent="0">
-              <a:buNone/>
-              <a:defRPr sz="2400"/>
+            <a:lvl3pPr marL="685165" indent="0">
+              <a:buNone/>
+              <a:defRPr sz="1800"/>
             </a:lvl3pPr>
-            <a:lvl4pPr marL="1371600" indent="0">
-              <a:buNone/>
-              <a:defRPr sz="2000"/>
+            <a:lvl4pPr marL="1029335" indent="0">
+              <a:buNone/>
+              <a:defRPr sz="1500"/>
             </a:lvl4pPr>
-            <a:lvl5pPr marL="1828800" indent="0">
-              <a:buNone/>
-              <a:defRPr sz="2000"/>
+            <a:lvl5pPr marL="1371600" indent="0">
+              <a:buNone/>
+              <a:defRPr sz="1500"/>
             </a:lvl5pPr>
-            <a:lvl6pPr marL="2286000" indent="0">
-              <a:buNone/>
-              <a:defRPr sz="2000"/>
+            <a:lvl6pPr marL="1714500" indent="0">
+              <a:buNone/>
+              <a:defRPr sz="1500"/>
             </a:lvl6pPr>
-            <a:lvl7pPr marL="2743200" indent="0">
-              <a:buNone/>
-              <a:defRPr sz="2000"/>
+            <a:lvl7pPr marL="2057400" indent="0">
+              <a:buNone/>
+              <a:defRPr sz="1500"/>
             </a:lvl7pPr>
-            <a:lvl8pPr marL="3200400" indent="0">
-              <a:buNone/>
-              <a:defRPr sz="2000"/>
+            <a:lvl8pPr marL="2400935" indent="0">
+              <a:buNone/>
+              <a:defRPr sz="1500"/>
             </a:lvl8pPr>
-            <a:lvl9pPr marL="3657600" indent="0">
-              <a:buNone/>
-              <a:defRPr sz="2000"/>
+            <a:lvl9pPr marL="2743835" indent="0">
+              <a:buNone/>
+              <a:defRPr sz="1500"/>
             </a:lvl9pPr>
           </a:lstStyle>
           <a:p>
@@ -2272,13 +2240,13 @@
             <a:spLocks noGrp="1"/>
           </p:cNvSpPr>
           <p:nvPr>
-            <p:ph type="body" sz="half" idx="2"/>
+            <p:ph type="body" sz="half" idx="2" hasCustomPrompt="1"/>
           </p:nvPr>
         </p:nvSpPr>
         <p:spPr>
           <a:xfrm>
-            <a:off x="839788" y="2057400"/>
-            <a:ext cx="3932237" cy="3811588"/>
+            <a:off x="472381" y="1606404"/>
+            <a:ext cx="2211883" cy="2976062"/>
           </a:xfrm>
         </p:spPr>
         <p:txBody>
@@ -2286,39 +2254,39 @@
           <a:lstStyle>
             <a:lvl1pPr marL="0" indent="0">
               <a:buNone/>
-              <a:defRPr sz="1600"/>
+              <a:defRPr sz="1205"/>
             </a:lvl1pPr>
-            <a:lvl2pPr marL="457200" indent="0">
-              <a:buNone/>
-              <a:defRPr sz="1400"/>
+            <a:lvl2pPr marL="342900" indent="0">
+              <a:buNone/>
+              <a:defRPr sz="1050"/>
             </a:lvl2pPr>
-            <a:lvl3pPr marL="914400" indent="0">
-              <a:buNone/>
-              <a:defRPr sz="1200"/>
+            <a:lvl3pPr marL="685165" indent="0">
+              <a:buNone/>
+              <a:defRPr sz="900"/>
             </a:lvl3pPr>
-            <a:lvl4pPr marL="1371600" indent="0">
-              <a:buNone/>
-              <a:defRPr sz="1000"/>
+            <a:lvl4pPr marL="1029335" indent="0">
+              <a:buNone/>
+              <a:defRPr sz="750"/>
             </a:lvl4pPr>
-            <a:lvl5pPr marL="1828800" indent="0">
-              <a:buNone/>
-              <a:defRPr sz="1000"/>
+            <a:lvl5pPr marL="1371600" indent="0">
+              <a:buNone/>
+              <a:defRPr sz="750"/>
             </a:lvl5pPr>
-            <a:lvl6pPr marL="2286000" indent="0">
-              <a:buNone/>
-              <a:defRPr sz="1000"/>
+            <a:lvl6pPr marL="1714500" indent="0">
+              <a:buNone/>
+              <a:defRPr sz="750"/>
             </a:lvl6pPr>
-            <a:lvl7pPr marL="2743200" indent="0">
-              <a:buNone/>
-              <a:defRPr sz="1000"/>
+            <a:lvl7pPr marL="2057400" indent="0">
+              <a:buNone/>
+              <a:defRPr sz="750"/>
             </a:lvl7pPr>
-            <a:lvl8pPr marL="3200400" indent="0">
-              <a:buNone/>
-              <a:defRPr sz="1000"/>
+            <a:lvl8pPr marL="2400935" indent="0">
+              <a:buNone/>
+              <a:defRPr sz="750"/>
             </a:lvl8pPr>
-            <a:lvl9pPr marL="3657600" indent="0">
-              <a:buNone/>
-              <a:defRPr sz="1000"/>
+            <a:lvl9pPr marL="2743835" indent="0">
+              <a:buNone/>
+              <a:defRPr sz="750"/>
             </a:lvl9pPr>
           </a:lstStyle>
           <a:p>
@@ -2327,6 +2295,7 @@
               <a:rPr lang="de-DE" smtClean="0"/>
               <a:t>Textmasterformat bearbeiten</a:t>
             </a:r>
+            <a:endParaRPr lang="de-DE" smtClean="0"/>
           </a:p>
         </p:txBody>
       </p:sp>
@@ -2347,7 +2316,6 @@
           <a:p>
             <a:fld id="{C62AAFF6-1C34-4B30-9DDA-7C033BF90EB8}" type="datetimeFigureOut">
               <a:rPr lang="de-DE" smtClean="0"/>
-              <a:t>25.10.2016</a:t>
             </a:fld>
             <a:endParaRPr lang="de-DE"/>
           </a:p>
@@ -2389,18 +2357,12 @@
           <a:p>
             <a:fld id="{5D6AA63B-4968-4386-BAB4-0E698A8B9738}" type="slidenum">
               <a:rPr lang="de-DE" smtClean="0"/>
-              <a:t>‹Nr.›</a:t>
             </a:fld>
             <a:endParaRPr lang="de-DE"/>
           </a:p>
         </p:txBody>
       </p:sp>
     </p:spTree>
-    <p:extLst>
-      <p:ext uri="{BB962C8B-B14F-4D97-AF65-F5344CB8AC3E}">
-        <p14:creationId xmlns:p14="http://schemas.microsoft.com/office/powerpoint/2010/main" val="3370049412"/>
-      </p:ext>
-    </p:extLst>
   </p:cSld>
   <p:clrMapOvr>
     <a:masterClrMapping/>
@@ -2445,8 +2407,8 @@
         </p:nvSpPr>
         <p:spPr>
           <a:xfrm>
-            <a:off x="838200" y="365125"/>
-            <a:ext cx="10515600" cy="1325563"/>
+            <a:off x="471488" y="285087"/>
+            <a:ext cx="5915025" cy="1034991"/>
           </a:xfrm>
           <a:prstGeom prst="rect">
             <a:avLst/>
@@ -2478,8 +2440,8 @@
         </p:nvSpPr>
         <p:spPr>
           <a:xfrm>
-            <a:off x="838200" y="1825625"/>
-            <a:ext cx="10515600" cy="4351338"/>
+            <a:off x="471488" y="1425436"/>
+            <a:ext cx="5915025" cy="3397495"/>
           </a:xfrm>
           <a:prstGeom prst="rect">
             <a:avLst/>
@@ -2496,6 +2458,7 @@
               <a:rPr lang="de-DE" smtClean="0"/>
               <a:t>Textmasterformat bearbeiten</a:t>
             </a:r>
+            <a:endParaRPr lang="de-DE" smtClean="0"/>
           </a:p>
           <a:p>
             <a:pPr lvl="1"/>
@@ -2503,6 +2466,7 @@
               <a:rPr lang="de-DE" smtClean="0"/>
               <a:t>Zweite Ebene</a:t>
             </a:r>
+            <a:endParaRPr lang="de-DE" smtClean="0"/>
           </a:p>
           <a:p>
             <a:pPr lvl="2"/>
@@ -2510,6 +2474,7 @@
               <a:rPr lang="de-DE" smtClean="0"/>
               <a:t>Dritte Ebene</a:t>
             </a:r>
+            <a:endParaRPr lang="de-DE" smtClean="0"/>
           </a:p>
           <a:p>
             <a:pPr lvl="3"/>
@@ -2517,6 +2482,7 @@
               <a:rPr lang="de-DE" smtClean="0"/>
               <a:t>Vierte Ebene</a:t>
             </a:r>
+            <a:endParaRPr lang="de-DE" smtClean="0"/>
           </a:p>
           <a:p>
             <a:pPr lvl="4"/>
@@ -2540,8 +2506,8 @@
         </p:nvSpPr>
         <p:spPr>
           <a:xfrm>
-            <a:off x="838200" y="6356350"/>
-            <a:ext cx="2743200" cy="365125"/>
+            <a:off x="471488" y="4962995"/>
+            <a:ext cx="1543050" cy="285087"/>
           </a:xfrm>
           <a:prstGeom prst="rect">
             <a:avLst/>
@@ -2551,7 +2517,7 @@
           <a:bodyPr vert="horz" lIns="91440" tIns="45720" rIns="91440" bIns="45720" rtlCol="0" anchor="ctr"/>
           <a:lstStyle>
             <a:lvl1pPr algn="l">
-              <a:defRPr sz="1200">
+              <a:defRPr sz="900">
                 <a:solidFill>
                   <a:schemeClr val="tx1">
                     <a:tint val="75000"/>
@@ -2563,7 +2529,6 @@
           <a:p>
             <a:fld id="{C62AAFF6-1C34-4B30-9DDA-7C033BF90EB8}" type="datetimeFigureOut">
               <a:rPr lang="de-DE" smtClean="0"/>
-              <a:t>25.10.2016</a:t>
             </a:fld>
             <a:endParaRPr lang="de-DE"/>
           </a:p>
@@ -2581,8 +2546,8 @@
         </p:nvSpPr>
         <p:spPr>
           <a:xfrm>
-            <a:off x="4038600" y="6356350"/>
-            <a:ext cx="4114800" cy="365125"/>
+            <a:off x="2271713" y="4962995"/>
+            <a:ext cx="2314575" cy="285087"/>
           </a:xfrm>
           <a:prstGeom prst="rect">
             <a:avLst/>
@@ -2592,7 +2557,7 @@
           <a:bodyPr vert="horz" lIns="91440" tIns="45720" rIns="91440" bIns="45720" rtlCol="0" anchor="ctr"/>
           <a:lstStyle>
             <a:lvl1pPr algn="ctr">
-              <a:defRPr sz="1200">
+              <a:defRPr sz="900">
                 <a:solidFill>
                   <a:schemeClr val="tx1">
                     <a:tint val="75000"/>
@@ -2618,8 +2583,8 @@
         </p:nvSpPr>
         <p:spPr>
           <a:xfrm>
-            <a:off x="8610600" y="6356350"/>
-            <a:ext cx="2743200" cy="365125"/>
+            <a:off x="4843463" y="4962995"/>
+            <a:ext cx="1543050" cy="285087"/>
           </a:xfrm>
           <a:prstGeom prst="rect">
             <a:avLst/>
@@ -2629,7 +2594,7 @@
           <a:bodyPr vert="horz" lIns="91440" tIns="45720" rIns="91440" bIns="45720" rtlCol="0" anchor="ctr"/>
           <a:lstStyle>
             <a:lvl1pPr algn="r">
-              <a:defRPr sz="1200">
+              <a:defRPr sz="900">
                 <a:solidFill>
                   <a:schemeClr val="tx1">
                     <a:tint val="75000"/>
@@ -2641,18 +2606,12 @@
           <a:p>
             <a:fld id="{5D6AA63B-4968-4386-BAB4-0E698A8B9738}" type="slidenum">
               <a:rPr lang="de-DE" smtClean="0"/>
-              <a:t>‹Nr.›</a:t>
             </a:fld>
             <a:endParaRPr lang="de-DE"/>
           </a:p>
         </p:txBody>
       </p:sp>
     </p:spTree>
-    <p:extLst>
-      <p:ext uri="{BB962C8B-B14F-4D97-AF65-F5344CB8AC3E}">
-        <p14:creationId xmlns:p14="http://schemas.microsoft.com/office/powerpoint/2010/main" val="3871207232"/>
-      </p:ext>
-    </p:extLst>
   </p:cSld>
   <p:clrMap bg1="lt1" tx1="dk1" bg2="lt2" tx2="dk2" accent1="accent1" accent2="accent2" accent3="accent3" accent4="accent4" accent5="accent5" accent6="accent6" hlink="hlink" folHlink="folHlink"/>
   <p:sldLayoutIdLst>
@@ -2670,7 +2629,7 @@
   </p:sldLayoutIdLst>
   <p:txStyles>
     <p:titleStyle>
-      <a:lvl1pPr algn="l" defTabSz="914400" rtl="0" eaLnBrk="1" latinLnBrk="0" hangingPunct="1">
+      <a:lvl1pPr algn="l" defTabSz="685165" rtl="0" eaLnBrk="1" latinLnBrk="0" hangingPunct="1">
         <a:lnSpc>
           <a:spcPct val="90000"/>
         </a:lnSpc>
@@ -2678,7 +2637,7 @@
           <a:spcPct val="0"/>
         </a:spcBef>
         <a:buNone/>
-        <a:defRPr sz="4400" kern="1200">
+        <a:defRPr sz="3300" kern="1200">
           <a:solidFill>
             <a:schemeClr val="tx1"/>
           </a:solidFill>
@@ -2689,16 +2648,16 @@
       </a:lvl1pPr>
     </p:titleStyle>
     <p:bodyStyle>
-      <a:lvl1pPr marL="228600" indent="-228600" algn="l" defTabSz="914400" rtl="0" eaLnBrk="1" latinLnBrk="0" hangingPunct="1">
+      <a:lvl1pPr marL="170815" indent="-168275" algn="l" defTabSz="685165" rtl="0" eaLnBrk="1" latinLnBrk="0" hangingPunct="1">
         <a:lnSpc>
           <a:spcPct val="90000"/>
         </a:lnSpc>
         <a:spcBef>
-          <a:spcPts val="1000"/>
+          <a:spcPts val="750"/>
         </a:spcBef>
         <a:buFont typeface="Arial" panose="020B0604020202020204" pitchFamily="34" charset="0"/>
         <a:buChar char="•"/>
-        <a:defRPr sz="2800" kern="1200">
+        <a:defRPr sz="2105" kern="1200">
           <a:solidFill>
             <a:schemeClr val="tx1"/>
           </a:solidFill>
@@ -2707,48 +2666,12 @@
           <a:cs typeface="+mn-cs"/>
         </a:defRPr>
       </a:lvl1pPr>
-      <a:lvl2pPr marL="685800" indent="-228600" algn="l" defTabSz="914400" rtl="0" eaLnBrk="1" latinLnBrk="0" hangingPunct="1">
+      <a:lvl2pPr marL="514350" indent="-168275" algn="l" defTabSz="685165" rtl="0" eaLnBrk="1" latinLnBrk="0" hangingPunct="1">
         <a:lnSpc>
           <a:spcPct val="90000"/>
         </a:lnSpc>
         <a:spcBef>
-          <a:spcPts val="500"/>
-        </a:spcBef>
-        <a:buFont typeface="Arial" panose="020B0604020202020204" pitchFamily="34" charset="0"/>
-        <a:buChar char="•"/>
-        <a:defRPr sz="2400" kern="1200">
-          <a:solidFill>
-            <a:schemeClr val="tx1"/>
-          </a:solidFill>
-          <a:latin typeface="+mn-lt"/>
-          <a:ea typeface="+mn-ea"/>
-          <a:cs typeface="+mn-cs"/>
-        </a:defRPr>
-      </a:lvl2pPr>
-      <a:lvl3pPr marL="1143000" indent="-228600" algn="l" defTabSz="914400" rtl="0" eaLnBrk="1" latinLnBrk="0" hangingPunct="1">
-        <a:lnSpc>
-          <a:spcPct val="90000"/>
-        </a:lnSpc>
-        <a:spcBef>
-          <a:spcPts val="500"/>
-        </a:spcBef>
-        <a:buFont typeface="Arial" panose="020B0604020202020204" pitchFamily="34" charset="0"/>
-        <a:buChar char="•"/>
-        <a:defRPr sz="2000" kern="1200">
-          <a:solidFill>
-            <a:schemeClr val="tx1"/>
-          </a:solidFill>
-          <a:latin typeface="+mn-lt"/>
-          <a:ea typeface="+mn-ea"/>
-          <a:cs typeface="+mn-cs"/>
-        </a:defRPr>
-      </a:lvl3pPr>
-      <a:lvl4pPr marL="1600200" indent="-228600" algn="l" defTabSz="914400" rtl="0" eaLnBrk="1" latinLnBrk="0" hangingPunct="1">
-        <a:lnSpc>
-          <a:spcPct val="90000"/>
-        </a:lnSpc>
-        <a:spcBef>
-          <a:spcPts val="500"/>
+          <a:spcPts val="375"/>
         </a:spcBef>
         <a:buFont typeface="Arial" panose="020B0604020202020204" pitchFamily="34" charset="0"/>
         <a:buChar char="•"/>
@@ -2760,17 +2683,53 @@
           <a:ea typeface="+mn-ea"/>
           <a:cs typeface="+mn-cs"/>
         </a:defRPr>
-      </a:lvl4pPr>
-      <a:lvl5pPr marL="2057400" indent="-228600" algn="l" defTabSz="914400" rtl="0" eaLnBrk="1" latinLnBrk="0" hangingPunct="1">
+      </a:lvl2pPr>
+      <a:lvl3pPr marL="857250" indent="-168275" algn="l" defTabSz="685165" rtl="0" eaLnBrk="1" latinLnBrk="0" hangingPunct="1">
         <a:lnSpc>
           <a:spcPct val="90000"/>
         </a:lnSpc>
         <a:spcBef>
-          <a:spcPts val="500"/>
+          <a:spcPts val="375"/>
         </a:spcBef>
         <a:buFont typeface="Arial" panose="020B0604020202020204" pitchFamily="34" charset="0"/>
         <a:buChar char="•"/>
-        <a:defRPr sz="1800" kern="1200">
+        <a:defRPr sz="1500" kern="1200">
+          <a:solidFill>
+            <a:schemeClr val="tx1"/>
+          </a:solidFill>
+          <a:latin typeface="+mn-lt"/>
+          <a:ea typeface="+mn-ea"/>
+          <a:cs typeface="+mn-cs"/>
+        </a:defRPr>
+      </a:lvl3pPr>
+      <a:lvl4pPr marL="1200150" indent="-168275" algn="l" defTabSz="685165" rtl="0" eaLnBrk="1" latinLnBrk="0" hangingPunct="1">
+        <a:lnSpc>
+          <a:spcPct val="90000"/>
+        </a:lnSpc>
+        <a:spcBef>
+          <a:spcPts val="375"/>
+        </a:spcBef>
+        <a:buFont typeface="Arial" panose="020B0604020202020204" pitchFamily="34" charset="0"/>
+        <a:buChar char="•"/>
+        <a:defRPr sz="1345" kern="1200">
+          <a:solidFill>
+            <a:schemeClr val="tx1"/>
+          </a:solidFill>
+          <a:latin typeface="+mn-lt"/>
+          <a:ea typeface="+mn-ea"/>
+          <a:cs typeface="+mn-cs"/>
+        </a:defRPr>
+      </a:lvl4pPr>
+      <a:lvl5pPr marL="1543685" indent="-168275" algn="l" defTabSz="685165" rtl="0" eaLnBrk="1" latinLnBrk="0" hangingPunct="1">
+        <a:lnSpc>
+          <a:spcPct val="90000"/>
+        </a:lnSpc>
+        <a:spcBef>
+          <a:spcPts val="375"/>
+        </a:spcBef>
+        <a:buFont typeface="Arial" panose="020B0604020202020204" pitchFamily="34" charset="0"/>
+        <a:buChar char="•"/>
+        <a:defRPr sz="1345" kern="1200">
           <a:solidFill>
             <a:schemeClr val="tx1"/>
           </a:solidFill>
@@ -2779,16 +2738,16 @@
           <a:cs typeface="+mn-cs"/>
         </a:defRPr>
       </a:lvl5pPr>
-      <a:lvl6pPr marL="2514600" indent="-228600" algn="l" defTabSz="914400" rtl="0" eaLnBrk="1" latinLnBrk="0" hangingPunct="1">
+      <a:lvl6pPr marL="1886585" indent="-168275" algn="l" defTabSz="685165" rtl="0" eaLnBrk="1" latinLnBrk="0" hangingPunct="1">
         <a:lnSpc>
           <a:spcPct val="90000"/>
         </a:lnSpc>
         <a:spcBef>
-          <a:spcPts val="500"/>
+          <a:spcPts val="375"/>
         </a:spcBef>
         <a:buFont typeface="Arial" panose="020B0604020202020204" pitchFamily="34" charset="0"/>
         <a:buChar char="•"/>
-        <a:defRPr sz="1800" kern="1200">
+        <a:defRPr sz="1345" kern="1200">
           <a:solidFill>
             <a:schemeClr val="tx1"/>
           </a:solidFill>
@@ -2797,16 +2756,16 @@
           <a:cs typeface="+mn-cs"/>
         </a:defRPr>
       </a:lvl6pPr>
-      <a:lvl7pPr marL="2971800" indent="-228600" algn="l" defTabSz="914400" rtl="0" eaLnBrk="1" latinLnBrk="0" hangingPunct="1">
+      <a:lvl7pPr marL="2228850" indent="-168275" algn="l" defTabSz="685165" rtl="0" eaLnBrk="1" latinLnBrk="0" hangingPunct="1">
         <a:lnSpc>
           <a:spcPct val="90000"/>
         </a:lnSpc>
         <a:spcBef>
-          <a:spcPts val="500"/>
+          <a:spcPts val="375"/>
         </a:spcBef>
         <a:buFont typeface="Arial" panose="020B0604020202020204" pitchFamily="34" charset="0"/>
         <a:buChar char="•"/>
-        <a:defRPr sz="1800" kern="1200">
+        <a:defRPr sz="1345" kern="1200">
           <a:solidFill>
             <a:schemeClr val="tx1"/>
           </a:solidFill>
@@ -2815,16 +2774,16 @@
           <a:cs typeface="+mn-cs"/>
         </a:defRPr>
       </a:lvl7pPr>
-      <a:lvl8pPr marL="3429000" indent="-228600" algn="l" defTabSz="914400" rtl="0" eaLnBrk="1" latinLnBrk="0" hangingPunct="1">
+      <a:lvl8pPr marL="2572385" indent="-168275" algn="l" defTabSz="685165" rtl="0" eaLnBrk="1" latinLnBrk="0" hangingPunct="1">
         <a:lnSpc>
           <a:spcPct val="90000"/>
         </a:lnSpc>
         <a:spcBef>
-          <a:spcPts val="500"/>
+          <a:spcPts val="375"/>
         </a:spcBef>
         <a:buFont typeface="Arial" panose="020B0604020202020204" pitchFamily="34" charset="0"/>
         <a:buChar char="•"/>
-        <a:defRPr sz="1800" kern="1200">
+        <a:defRPr sz="1345" kern="1200">
           <a:solidFill>
             <a:schemeClr val="tx1"/>
           </a:solidFill>
@@ -2833,16 +2792,16 @@
           <a:cs typeface="+mn-cs"/>
         </a:defRPr>
       </a:lvl8pPr>
-      <a:lvl9pPr marL="3886200" indent="-228600" algn="l" defTabSz="914400" rtl="0" eaLnBrk="1" latinLnBrk="0" hangingPunct="1">
+      <a:lvl9pPr marL="2914650" indent="-168275" algn="l" defTabSz="685165" rtl="0" eaLnBrk="1" latinLnBrk="0" hangingPunct="1">
         <a:lnSpc>
           <a:spcPct val="90000"/>
         </a:lnSpc>
         <a:spcBef>
-          <a:spcPts val="500"/>
+          <a:spcPts val="375"/>
         </a:spcBef>
         <a:buFont typeface="Arial" panose="020B0604020202020204" pitchFamily="34" charset="0"/>
         <a:buChar char="•"/>
-        <a:defRPr sz="1800" kern="1200">
+        <a:defRPr sz="1345" kern="1200">
           <a:solidFill>
             <a:schemeClr val="tx1"/>
           </a:solidFill>
@@ -2856,8 +2815,8 @@
       <a:defPPr>
         <a:defRPr lang="de-DE"/>
       </a:defPPr>
-      <a:lvl1pPr marL="0" algn="l" defTabSz="914400" rtl="0" eaLnBrk="1" latinLnBrk="0" hangingPunct="1">
-        <a:defRPr sz="1800" kern="1200">
+      <a:lvl1pPr marL="0" algn="l" defTabSz="685165" rtl="0" eaLnBrk="1" latinLnBrk="0" hangingPunct="1">
+        <a:defRPr sz="1345" kern="1200">
           <a:solidFill>
             <a:schemeClr val="tx1"/>
           </a:solidFill>
@@ -2866,8 +2825,8 @@
           <a:cs typeface="+mn-cs"/>
         </a:defRPr>
       </a:lvl1pPr>
-      <a:lvl2pPr marL="457200" algn="l" defTabSz="914400" rtl="0" eaLnBrk="1" latinLnBrk="0" hangingPunct="1">
-        <a:defRPr sz="1800" kern="1200">
+      <a:lvl2pPr marL="342900" algn="l" defTabSz="685165" rtl="0" eaLnBrk="1" latinLnBrk="0" hangingPunct="1">
+        <a:defRPr sz="1345" kern="1200">
           <a:solidFill>
             <a:schemeClr val="tx1"/>
           </a:solidFill>
@@ -2876,8 +2835,8 @@
           <a:cs typeface="+mn-cs"/>
         </a:defRPr>
       </a:lvl2pPr>
-      <a:lvl3pPr marL="914400" algn="l" defTabSz="914400" rtl="0" eaLnBrk="1" latinLnBrk="0" hangingPunct="1">
-        <a:defRPr sz="1800" kern="1200">
+      <a:lvl3pPr marL="685165" algn="l" defTabSz="685165" rtl="0" eaLnBrk="1" latinLnBrk="0" hangingPunct="1">
+        <a:defRPr sz="1345" kern="1200">
           <a:solidFill>
             <a:schemeClr val="tx1"/>
           </a:solidFill>
@@ -2886,8 +2845,8 @@
           <a:cs typeface="+mn-cs"/>
         </a:defRPr>
       </a:lvl3pPr>
-      <a:lvl4pPr marL="1371600" algn="l" defTabSz="914400" rtl="0" eaLnBrk="1" latinLnBrk="0" hangingPunct="1">
-        <a:defRPr sz="1800" kern="1200">
+      <a:lvl4pPr marL="1029335" algn="l" defTabSz="685165" rtl="0" eaLnBrk="1" latinLnBrk="0" hangingPunct="1">
+        <a:defRPr sz="1345" kern="1200">
           <a:solidFill>
             <a:schemeClr val="tx1"/>
           </a:solidFill>
@@ -2896,8 +2855,8 @@
           <a:cs typeface="+mn-cs"/>
         </a:defRPr>
       </a:lvl4pPr>
-      <a:lvl5pPr marL="1828800" algn="l" defTabSz="914400" rtl="0" eaLnBrk="1" latinLnBrk="0" hangingPunct="1">
-        <a:defRPr sz="1800" kern="1200">
+      <a:lvl5pPr marL="1371600" algn="l" defTabSz="685165" rtl="0" eaLnBrk="1" latinLnBrk="0" hangingPunct="1">
+        <a:defRPr sz="1345" kern="1200">
           <a:solidFill>
             <a:schemeClr val="tx1"/>
           </a:solidFill>
@@ -2906,8 +2865,8 @@
           <a:cs typeface="+mn-cs"/>
         </a:defRPr>
       </a:lvl5pPr>
-      <a:lvl6pPr marL="2286000" algn="l" defTabSz="914400" rtl="0" eaLnBrk="1" latinLnBrk="0" hangingPunct="1">
-        <a:defRPr sz="1800" kern="1200">
+      <a:lvl6pPr marL="1714500" algn="l" defTabSz="685165" rtl="0" eaLnBrk="1" latinLnBrk="0" hangingPunct="1">
+        <a:defRPr sz="1345" kern="1200">
           <a:solidFill>
             <a:schemeClr val="tx1"/>
           </a:solidFill>
@@ -2916,8 +2875,8 @@
           <a:cs typeface="+mn-cs"/>
         </a:defRPr>
       </a:lvl6pPr>
-      <a:lvl7pPr marL="2743200" algn="l" defTabSz="914400" rtl="0" eaLnBrk="1" latinLnBrk="0" hangingPunct="1">
-        <a:defRPr sz="1800" kern="1200">
+      <a:lvl7pPr marL="2057400" algn="l" defTabSz="685165" rtl="0" eaLnBrk="1" latinLnBrk="0" hangingPunct="1">
+        <a:defRPr sz="1345" kern="1200">
           <a:solidFill>
             <a:schemeClr val="tx1"/>
           </a:solidFill>
@@ -2926,8 +2885,8 @@
           <a:cs typeface="+mn-cs"/>
         </a:defRPr>
       </a:lvl7pPr>
-      <a:lvl8pPr marL="3200400" algn="l" defTabSz="914400" rtl="0" eaLnBrk="1" latinLnBrk="0" hangingPunct="1">
-        <a:defRPr sz="1800" kern="1200">
+      <a:lvl8pPr marL="2400935" algn="l" defTabSz="685165" rtl="0" eaLnBrk="1" latinLnBrk="0" hangingPunct="1">
+        <a:defRPr sz="1345" kern="1200">
           <a:solidFill>
             <a:schemeClr val="tx1"/>
           </a:solidFill>
@@ -2936,8 +2895,8 @@
           <a:cs typeface="+mn-cs"/>
         </a:defRPr>
       </a:lvl8pPr>
-      <a:lvl9pPr marL="3657600" algn="l" defTabSz="914400" rtl="0" eaLnBrk="1" latinLnBrk="0" hangingPunct="1">
-        <a:defRPr sz="1800" kern="1200">
+      <a:lvl9pPr marL="2743835" algn="l" defTabSz="685165" rtl="0" eaLnBrk="1" latinLnBrk="0" hangingPunct="1">
+        <a:defRPr sz="1345" kern="1200">
           <a:solidFill>
             <a:schemeClr val="tx1"/>
           </a:solidFill>
@@ -2976,8 +2935,8 @@
         </p:nvSpPr>
         <p:spPr>
           <a:xfrm>
-            <a:off x="148472" y="1548381"/>
-            <a:ext cx="5640946" cy="1326524"/>
+            <a:off x="281296" y="2045745"/>
+            <a:ext cx="6179871" cy="1453258"/>
           </a:xfrm>
           <a:prstGeom prst="rect">
             <a:avLst/>
@@ -3026,7 +2985,7 @@
           <a:lstStyle/>
           <a:p>
             <a:pPr algn="ctr"/>
-            <a:endParaRPr lang="de-DE"/>
+            <a:endParaRPr lang="de-DE" sz="1970"/>
           </a:p>
         </p:txBody>
       </p:sp>
@@ -3038,8 +2997,8 @@
         </p:nvSpPr>
         <p:spPr>
           <a:xfrm>
-            <a:off x="148472" y="1548381"/>
-            <a:ext cx="1182706" cy="1326524"/>
+            <a:off x="281296" y="2045745"/>
+            <a:ext cx="1295699" cy="1453258"/>
           </a:xfrm>
           <a:prstGeom prst="rect">
             <a:avLst/>
@@ -3067,21 +3026,22 @@
           <a:p>
             <a:pPr algn="ctr"/>
             <a:r>
-              <a:rPr lang="de-DE" sz="2800" dirty="0" smtClean="0"/>
+              <a:rPr lang="de-DE" sz="3070" dirty="0" smtClean="0"/>
               <a:t>B2B</a:t>
             </a:r>
+            <a:endParaRPr lang="de-DE" sz="3070" dirty="0" smtClean="0"/>
           </a:p>
           <a:p>
             <a:pPr algn="ctr"/>
             <a:r>
-              <a:rPr lang="de-DE" sz="2800" dirty="0" err="1" smtClean="0"/>
+              <a:rPr lang="de-DE" sz="3070" dirty="0" err="1" smtClean="0"/>
               <a:t>source</a:t>
             </a:r>
             <a:r>
-              <a:rPr lang="de-DE" sz="2800" dirty="0" smtClean="0"/>
+              <a:rPr lang="de-DE" sz="3070" dirty="0" smtClean="0"/>
               <a:t> SCU</a:t>
             </a:r>
-            <a:endParaRPr lang="de-DE" sz="2800" dirty="0"/>
+            <a:endParaRPr lang="de-DE" sz="3070" dirty="0"/>
           </a:p>
         </p:txBody>
       </p:sp>
@@ -3093,8 +3053,8 @@
         </p:nvSpPr>
         <p:spPr>
           <a:xfrm>
-            <a:off x="1331178" y="1528980"/>
-            <a:ext cx="980945" cy="1328672"/>
+            <a:off x="1576996" y="2024491"/>
+            <a:ext cx="1074663" cy="1455611"/>
           </a:xfrm>
           <a:prstGeom prst="rect">
             <a:avLst/>
@@ -3125,14 +3085,14 @@
           <a:p>
             <a:pPr algn="ctr"/>
             <a:r>
-              <a:rPr lang="de-DE" sz="2800" i="1" dirty="0" smtClean="0">
+              <a:rPr lang="de-DE" sz="3070" i="1" dirty="0" smtClean="0">
                 <a:solidFill>
                   <a:schemeClr val="tx1"/>
                 </a:solidFill>
               </a:rPr>
               <a:t>PAP</a:t>
             </a:r>
-            <a:endParaRPr lang="de-DE" sz="2800" i="1" dirty="0">
+            <a:endParaRPr lang="de-DE" sz="3070" i="1" dirty="0">
               <a:solidFill>
                 <a:schemeClr val="tx1"/>
               </a:solidFill>
@@ -3148,8 +3108,8 @@
         </p:nvSpPr>
         <p:spPr>
           <a:xfrm>
-            <a:off x="1331177" y="427984"/>
-            <a:ext cx="980946" cy="526675"/>
+            <a:off x="1576995" y="818308"/>
+            <a:ext cx="1074664" cy="576993"/>
           </a:xfrm>
           <a:prstGeom prst="rect">
             <a:avLst/>
@@ -3180,14 +3140,14 @@
           <a:p>
             <a:pPr algn="ctr"/>
             <a:r>
-              <a:rPr lang="de-DE" sz="2800" i="1" dirty="0" smtClean="0">
+              <a:rPr lang="de-DE" sz="3070" i="1" dirty="0" smtClean="0">
                 <a:solidFill>
                   <a:schemeClr val="tx1"/>
                 </a:solidFill>
               </a:rPr>
               <a:t>PAM</a:t>
             </a:r>
-            <a:endParaRPr lang="de-DE" sz="2800" i="1" dirty="0">
+            <a:endParaRPr lang="de-DE" sz="3070" i="1" dirty="0">
               <a:solidFill>
                 <a:schemeClr val="tx1"/>
               </a:solidFill>
@@ -3203,8 +3163,8 @@
         </p:nvCxnSpPr>
         <p:spPr>
           <a:xfrm flipV="1">
-            <a:off x="1565148" y="2874905"/>
-            <a:ext cx="0" cy="468000"/>
+            <a:off x="1833319" y="3499003"/>
+            <a:ext cx="0" cy="512712"/>
           </a:xfrm>
           <a:prstGeom prst="straightConnector1">
             <a:avLst/>
@@ -3239,8 +3199,8 @@
         </p:nvCxnSpPr>
         <p:spPr>
           <a:xfrm flipV="1">
-            <a:off x="1734801" y="2889281"/>
-            <a:ext cx="0" cy="468000"/>
+            <a:off x="2019180" y="3514753"/>
+            <a:ext cx="0" cy="512712"/>
           </a:xfrm>
           <a:prstGeom prst="straightConnector1">
             <a:avLst/>
@@ -3275,8 +3235,8 @@
         </p:nvSpPr>
         <p:spPr>
           <a:xfrm>
-            <a:off x="431321" y="3371657"/>
-            <a:ext cx="3329796" cy="461665"/>
+            <a:off x="591168" y="4043214"/>
+            <a:ext cx="3647918" cy="495300"/>
           </a:xfrm>
           <a:prstGeom prst="rect">
             <a:avLst/>
@@ -3290,7 +3250,7 @@
           <a:lstStyle/>
           <a:p>
             <a:r>
-              <a:rPr lang="de-DE" sz="2400" i="1" dirty="0" err="1" smtClean="0">
+              <a:rPr lang="de-DE" sz="2630" i="1" dirty="0" err="1" smtClean="0">
                 <a:effectLst>
                   <a:outerShdw blurRad="38100" dist="38100" dir="2700000" algn="tl">
                     <a:srgbClr val="000000">
@@ -3302,7 +3262,7 @@
               <a:t>BuTiS</a:t>
             </a:r>
             <a:r>
-              <a:rPr lang="de-DE" sz="2400" i="1" dirty="0" smtClean="0">
+              <a:rPr lang="de-DE" sz="2630" i="1" dirty="0" smtClean="0">
                 <a:effectLst>
                   <a:outerShdw blurRad="38100" dist="38100" dir="2700000" algn="tl">
                     <a:srgbClr val="000000">
@@ -3313,7 +3273,7 @@
               </a:rPr>
               <a:t> C2 T0</a:t>
             </a:r>
-            <a:endParaRPr lang="de-DE" sz="2400" i="1" dirty="0">
+            <a:endParaRPr lang="de-DE" sz="2630" i="1" dirty="0">
               <a:effectLst>
                 <a:outerShdw blurRad="38100" dist="38100" dir="2700000" algn="tl">
                   <a:srgbClr val="000000">
@@ -3333,8 +3293,8 @@
         </p:nvCxnSpPr>
         <p:spPr>
           <a:xfrm>
-            <a:off x="1821650" y="983411"/>
-            <a:ext cx="0" cy="562822"/>
+            <a:off x="2114327" y="1426799"/>
+            <a:ext cx="0" cy="616593"/>
           </a:xfrm>
           <a:prstGeom prst="straightConnector1">
             <a:avLst/>
@@ -3363,14 +3323,134 @@
       </p:cxnSp>
       <p:sp>
         <p:nvSpPr>
-          <p:cNvPr id="20" name="Rechteck 19"/>
+          <p:cNvPr id="65" name="Textfeld 64"/>
+          <p:cNvSpPr txBox="1"/>
+          <p:nvPr/>
+        </p:nvSpPr>
+        <p:spPr>
+          <a:xfrm>
+            <a:off x="2114325" y="1467637"/>
+            <a:ext cx="3086635" cy="495300"/>
+          </a:xfrm>
+          <a:prstGeom prst="rect">
+            <a:avLst/>
+          </a:prstGeom>
+          <a:noFill/>
+        </p:spPr>
+        <p:txBody>
+          <a:bodyPr wrap="square" rtlCol="0">
+            <a:spAutoFit/>
+          </a:bodyPr>
+          <a:lstStyle/>
+          <a:p>
+            <a:r>
+              <a:rPr lang="de-DE" sz="2630" i="1" dirty="0">
+                <a:effectLst>
+                  <a:outerShdw blurRad="38100" dist="38100" dir="2700000" algn="tl">
+                    <a:srgbClr val="000000">
+                      <a:alpha val="43137"/>
+                    </a:srgbClr>
+                  </a:outerShdw>
+                </a:effectLst>
+              </a:rPr>
+              <a:t>Phase </a:t>
+            </a:r>
+            <a:r>
+              <a:rPr lang="de-DE" sz="2630" i="1" dirty="0" err="1" smtClean="0">
+                <a:effectLst>
+                  <a:outerShdw blurRad="38100" dist="38100" dir="2700000" algn="tl">
+                    <a:srgbClr val="000000">
+                      <a:alpha val="43137"/>
+                    </a:srgbClr>
+                  </a:outerShdw>
+                </a:effectLst>
+              </a:rPr>
+              <a:t>advance</a:t>
+            </a:r>
+            <a:r>
+              <a:rPr lang="de-DE" sz="2630" i="1" dirty="0" smtClean="0">
+                <a:effectLst>
+                  <a:outerShdw blurRad="38100" dist="38100" dir="2700000" algn="tl">
+                    <a:srgbClr val="000000">
+                      <a:alpha val="43137"/>
+                    </a:srgbClr>
+                  </a:outerShdw>
+                </a:effectLst>
+              </a:rPr>
+              <a:t> ∆</a:t>
+            </a:r>
+            <a:r>
+              <a:rPr lang="el-GR" sz="2630" i="1" dirty="0">
+                <a:effectLst>
+                  <a:outerShdw blurRad="38100" dist="38100" dir="2700000" algn="tl">
+                    <a:srgbClr val="000000">
+                      <a:alpha val="43137"/>
+                    </a:srgbClr>
+                  </a:outerShdw>
+                </a:effectLst>
+                <a:cs typeface="Arial" panose="020B0604020202020204" pitchFamily="34" charset="0"/>
+              </a:rPr>
+              <a:t>φ</a:t>
+            </a:r>
+            <a:r>
+              <a:rPr lang="de-DE" sz="2630" i="1" dirty="0" smtClean="0">
+                <a:effectLst>
+                  <a:outerShdw blurRad="38100" dist="38100" dir="2700000" algn="tl">
+                    <a:srgbClr val="000000">
+                      <a:alpha val="43137"/>
+                    </a:srgbClr>
+                  </a:outerShdw>
+                </a:effectLst>
+              </a:rPr>
+              <a:t>1</a:t>
+            </a:r>
+            <a:endParaRPr lang="de-DE" sz="2630" i="1" dirty="0">
+              <a:effectLst>
+                <a:outerShdw blurRad="38100" dist="38100" dir="2700000" algn="tl">
+                  <a:srgbClr val="000000">
+                    <a:alpha val="43137"/>
+                  </a:srgbClr>
+                </a:outerShdw>
+              </a:effectLst>
+            </a:endParaRPr>
+          </a:p>
+        </p:txBody>
+      </p:sp>
+    </p:spTree>
+  </p:cSld>
+  <p:clrMapOvr>
+    <a:masterClrMapping/>
+  </p:clrMapOvr>
+  <p:timing>
+    <p:tnLst>
+      <p:par>
+        <p:cTn id="1" dur="indefinite" restart="never" nodeType="tmRoot"/>
+      </p:par>
+    </p:tnLst>
+  </p:timing>
+</p:sld>
+</file>
+
+<file path=ppt/slides/slide2.xml><?xml version="1.0" encoding="utf-8"?>
+<p:sld xmlns:a="http://schemas.openxmlformats.org/drawingml/2006/main" xmlns:r="http://schemas.openxmlformats.org/officeDocument/2006/relationships" xmlns:p="http://schemas.openxmlformats.org/presentationml/2006/main">
+  <p:cSld>
+    <p:spTree>
+      <p:nvGrpSpPr>
+        <p:cNvPr id="1" name=""/>
+        <p:cNvGrpSpPr/>
+        <p:nvPr/>
+      </p:nvGrpSpPr>
+      <p:grpSpPr/>
+      <p:sp>
+        <p:nvSpPr>
+          <p:cNvPr id="39" name="Rechteck 38"/>
           <p:cNvSpPr/>
           <p:nvPr/>
         </p:nvSpPr>
         <p:spPr>
           <a:xfrm>
-            <a:off x="3052779" y="4573059"/>
-            <a:ext cx="5640946" cy="1326524"/>
+            <a:off x="275648" y="1928448"/>
+            <a:ext cx="6179871" cy="1453258"/>
           </a:xfrm>
           <a:prstGeom prst="rect">
             <a:avLst/>
@@ -3416,23 +3496,22 @@
         </p:style>
         <p:txBody>
           <a:bodyPr rtlCol="0" anchor="ctr"/>
-          <a:lstStyle/>
           <a:p>
             <a:pPr algn="ctr"/>
-            <a:endParaRPr lang="de-DE"/>
-          </a:p>
-        </p:txBody>
-      </p:sp>
-      <p:sp>
-        <p:nvSpPr>
-          <p:cNvPr id="21" name="Rechteck 20"/>
+            <a:endParaRPr lang="de-DE" sz="1970"/>
+          </a:p>
+        </p:txBody>
+      </p:sp>
+      <p:sp>
+        <p:nvSpPr>
+          <p:cNvPr id="40" name="Rechteck 39"/>
           <p:cNvSpPr/>
           <p:nvPr/>
         </p:nvSpPr>
         <p:spPr>
           <a:xfrm>
-            <a:off x="3052779" y="4573059"/>
-            <a:ext cx="1182706" cy="1326524"/>
+            <a:off x="275648" y="1928448"/>
+            <a:ext cx="1295699" cy="1453258"/>
           </a:xfrm>
           <a:prstGeom prst="rect">
             <a:avLst/>
@@ -3456,95 +3535,26 @@
         </p:style>
         <p:txBody>
           <a:bodyPr rtlCol="0" anchor="ctr"/>
-          <a:lstStyle/>
           <a:p>
             <a:pPr algn="ctr"/>
             <a:r>
-              <a:rPr lang="de-DE" sz="2800" dirty="0" smtClean="0"/>
-              <a:t>B2B</a:t>
-            </a:r>
-          </a:p>
-          <a:p>
-            <a:pPr algn="ctr"/>
-            <a:r>
-              <a:rPr lang="de-DE" sz="2800" dirty="0" err="1" smtClean="0"/>
-              <a:t>source</a:t>
-            </a:r>
-            <a:r>
-              <a:rPr lang="de-DE" sz="2800" dirty="0" smtClean="0"/>
-              <a:t> SCU</a:t>
-            </a:r>
-            <a:endParaRPr lang="de-DE" sz="2800" dirty="0"/>
-          </a:p>
-        </p:txBody>
-      </p:sp>
-      <p:sp>
-        <p:nvSpPr>
-          <p:cNvPr id="22" name="Rechteck 21"/>
-          <p:cNvSpPr/>
-          <p:nvPr/>
-        </p:nvSpPr>
-        <p:spPr>
-          <a:xfrm>
-            <a:off x="4235485" y="4570911"/>
-            <a:ext cx="980945" cy="1328672"/>
-          </a:xfrm>
-          <a:prstGeom prst="rect">
-            <a:avLst/>
-          </a:prstGeom>
-          <a:solidFill>
-            <a:schemeClr val="bg2">
-              <a:lumMod val="90000"/>
-            </a:schemeClr>
-          </a:solidFill>
-        </p:spPr>
-        <p:style>
-          <a:lnRef idx="2">
-            <a:schemeClr val="accent1">
-              <a:shade val="50000"/>
-            </a:schemeClr>
-          </a:lnRef>
-          <a:fillRef idx="1">
-            <a:schemeClr val="accent1"/>
-          </a:fillRef>
-          <a:effectRef idx="0">
-            <a:schemeClr val="accent1"/>
-          </a:effectRef>
-          <a:fontRef idx="minor">
-            <a:schemeClr val="lt1"/>
-          </a:fontRef>
-        </p:style>
-        <p:txBody>
-          <a:bodyPr rtlCol="0" anchor="ctr"/>
-          <a:lstStyle/>
-          <a:p>
-            <a:pPr algn="ctr"/>
-            <a:r>
-              <a:rPr lang="de-DE" sz="2800" i="1" dirty="0" smtClean="0">
-                <a:solidFill>
-                  <a:schemeClr val="tx1"/>
-                </a:solidFill>
-              </a:rPr>
-              <a:t>PAP</a:t>
-            </a:r>
-            <a:endParaRPr lang="de-DE" sz="2800" i="1" dirty="0">
-              <a:solidFill>
-                <a:schemeClr val="tx1"/>
-              </a:solidFill>
-            </a:endParaRPr>
+              <a:rPr lang="de-DE" sz="3070" dirty="0" err="1" smtClean="0"/>
+              <a:t>TriggerSCU</a:t>
+            </a:r>
+            <a:endParaRPr lang="de-DE" sz="3070" dirty="0"/>
           </a:p>
         </p:txBody>
       </p:sp>
       <p:cxnSp>
         <p:nvCxnSpPr>
-          <p:cNvPr id="24" name="Gerade Verbindung mit Pfeil 23"/>
+          <p:cNvPr id="42" name="Gerade Verbindung mit Pfeil 41"/>
           <p:cNvCxnSpPr/>
           <p:nvPr/>
         </p:nvCxnSpPr>
         <p:spPr>
           <a:xfrm flipV="1">
-            <a:off x="4469455" y="5899583"/>
-            <a:ext cx="0" cy="468000"/>
+            <a:off x="1827670" y="3381706"/>
+            <a:ext cx="0" cy="512712"/>
           </a:xfrm>
           <a:prstGeom prst="straightConnector1">
             <a:avLst/>
@@ -3573,14 +3583,14 @@
       </p:cxnSp>
       <p:cxnSp>
         <p:nvCxnSpPr>
-          <p:cNvPr id="25" name="Gerade Verbindung mit Pfeil 24"/>
+          <p:cNvPr id="43" name="Gerade Verbindung mit Pfeil 42"/>
           <p:cNvCxnSpPr/>
           <p:nvPr/>
         </p:nvCxnSpPr>
         <p:spPr>
           <a:xfrm flipV="1">
-            <a:off x="4639108" y="5913959"/>
-            <a:ext cx="0" cy="468000"/>
+            <a:off x="2013532" y="3397455"/>
+            <a:ext cx="0" cy="512712"/>
           </a:xfrm>
           <a:prstGeom prst="straightConnector1">
             <a:avLst/>
@@ -3607,146 +3617,19 @@
           </a:fontRef>
         </p:style>
       </p:cxnSp>
-      <p:sp>
-        <p:nvSpPr>
-          <p:cNvPr id="28" name="Rechteck 27"/>
-          <p:cNvSpPr/>
-          <p:nvPr/>
-        </p:nvSpPr>
-        <p:spPr>
-          <a:xfrm>
-            <a:off x="5216430" y="4568994"/>
-            <a:ext cx="980945" cy="1328672"/>
-          </a:xfrm>
-          <a:prstGeom prst="rect">
-            <a:avLst/>
-          </a:prstGeom>
-          <a:solidFill>
-            <a:schemeClr val="bg1"/>
-          </a:solidFill>
-        </p:spPr>
-        <p:style>
-          <a:lnRef idx="2">
-            <a:schemeClr val="accent1">
-              <a:shade val="50000"/>
-            </a:schemeClr>
-          </a:lnRef>
-          <a:fillRef idx="1">
-            <a:schemeClr val="accent1"/>
-          </a:fillRef>
-          <a:effectRef idx="0">
-            <a:schemeClr val="accent1"/>
-          </a:effectRef>
-          <a:fontRef idx="minor">
-            <a:schemeClr val="lt1"/>
-          </a:fontRef>
-        </p:style>
-        <p:txBody>
-          <a:bodyPr rtlCol="0" anchor="ctr"/>
-          <a:lstStyle/>
-          <a:p>
-            <a:pPr algn="ctr"/>
-            <a:r>
-              <a:rPr lang="de-DE" sz="2800" i="1" dirty="0" smtClean="0">
-                <a:solidFill>
-                  <a:schemeClr val="tx1"/>
-                </a:solidFill>
-              </a:rPr>
-              <a:t>PSM</a:t>
-            </a:r>
-            <a:endParaRPr lang="de-DE" sz="2800" i="1" dirty="0">
-              <a:solidFill>
-                <a:schemeClr val="tx1"/>
-              </a:solidFill>
-            </a:endParaRPr>
-          </a:p>
-        </p:txBody>
-      </p:sp>
       <p:cxnSp>
         <p:nvCxnSpPr>
-          <p:cNvPr id="29" name="Gerade Verbindung mit Pfeil 28"/>
-          <p:cNvCxnSpPr/>
-          <p:nvPr/>
-        </p:nvCxnSpPr>
-        <p:spPr>
-          <a:xfrm flipV="1">
-            <a:off x="5697327" y="5928335"/>
-            <a:ext cx="0" cy="468000"/>
-          </a:xfrm>
-          <a:prstGeom prst="straightConnector1">
-            <a:avLst/>
-          </a:prstGeom>
-          <a:ln w="60325" cmpd="sng">
-            <a:solidFill>
-              <a:srgbClr val="00B050"/>
-            </a:solidFill>
-            <a:tailEnd type="triangle"/>
-          </a:ln>
-        </p:spPr>
-        <p:style>
-          <a:lnRef idx="1">
-            <a:schemeClr val="accent1"/>
-          </a:lnRef>
-          <a:fillRef idx="0">
-            <a:schemeClr val="accent1"/>
-          </a:fillRef>
-          <a:effectRef idx="0">
-            <a:schemeClr val="accent1"/>
-          </a:effectRef>
-          <a:fontRef idx="minor">
-            <a:schemeClr val="tx1"/>
-          </a:fontRef>
-        </p:style>
-      </p:cxnSp>
-      <p:cxnSp>
-        <p:nvCxnSpPr>
-          <p:cNvPr id="30" name="Gerade Verbindung mit Pfeil 29"/>
-          <p:cNvCxnSpPr/>
-          <p:nvPr/>
-        </p:nvCxnSpPr>
-        <p:spPr>
-          <a:xfrm flipV="1">
-            <a:off x="5866980" y="5942711"/>
-            <a:ext cx="0" cy="468000"/>
-          </a:xfrm>
-          <a:prstGeom prst="straightConnector1">
-            <a:avLst/>
-          </a:prstGeom>
-          <a:ln w="60325" cmpd="sng">
-            <a:solidFill>
-              <a:srgbClr val="FF0000"/>
-            </a:solidFill>
-            <a:tailEnd type="triangle"/>
-          </a:ln>
-        </p:spPr>
-        <p:style>
-          <a:lnRef idx="1">
-            <a:schemeClr val="accent1"/>
-          </a:lnRef>
-          <a:fillRef idx="0">
-            <a:schemeClr val="accent1"/>
-          </a:fillRef>
-          <a:effectRef idx="0">
-            <a:schemeClr val="accent1"/>
-          </a:effectRef>
-          <a:fontRef idx="minor">
-            <a:schemeClr val="tx1"/>
-          </a:fontRef>
-        </p:style>
-      </p:cxnSp>
-      <p:cxnSp>
-        <p:nvCxnSpPr>
-          <p:cNvPr id="32" name="Gerade Verbindung mit Pfeil 31"/>
+          <p:cNvPr id="48" name="Gerade Verbindung mit Pfeil 47"/>
           <p:cNvCxnSpPr>
-            <a:stCxn id="28" idx="0"/>
-            <a:endCxn id="34" idx="2"/>
+            <a:stCxn id="50" idx="0"/>
+            <a:endCxn id="49" idx="2"/>
           </p:cNvCxnSpPr>
           <p:nvPr/>
         </p:nvCxnSpPr>
         <p:spPr>
-          <a:xfrm flipH="1" flipV="1">
-            <a:off x="5706902" y="3993713"/>
-            <a:ext cx="1" cy="575281"/>
+          <a:xfrm flipV="1">
+            <a:off x="2118204" y="1378029"/>
+            <a:ext cx="0" cy="548005"/>
           </a:xfrm>
           <a:prstGeom prst="straightConnector1">
             <a:avLst/>
@@ -3775,14 +3658,14 @@
       </p:cxnSp>
       <p:sp>
         <p:nvSpPr>
-          <p:cNvPr id="34" name="Rechteck 33"/>
+          <p:cNvPr id="49" name="Rechteck 48"/>
           <p:cNvSpPr/>
           <p:nvPr/>
         </p:nvSpPr>
         <p:spPr>
           <a:xfrm>
-            <a:off x="5102277" y="3242444"/>
-            <a:ext cx="1209250" cy="751269"/>
+            <a:off x="1580872" y="844607"/>
+            <a:ext cx="1074663" cy="533224"/>
           </a:xfrm>
           <a:prstGeom prst="rect">
             <a:avLst/>
@@ -3809,18 +3692,17 @@
         </p:style>
         <p:txBody>
           <a:bodyPr rtlCol="0" anchor="ctr"/>
-          <a:lstStyle/>
           <a:p>
             <a:pPr algn="ctr"/>
             <a:r>
-              <a:rPr lang="de-DE" sz="2800" i="1" dirty="0" smtClean="0">
+              <a:rPr lang="de-DE" sz="3070" i="1" dirty="0" smtClean="0">
                 <a:solidFill>
                   <a:schemeClr val="tx1"/>
                 </a:solidFill>
               </a:rPr>
-              <a:t>Group DDS</a:t>
-            </a:r>
-            <a:endParaRPr lang="de-DE" sz="2800" i="1" dirty="0">
+              <a:t>SR</a:t>
+            </a:r>
+            <a:endParaRPr lang="de-DE" sz="3070" i="1" dirty="0">
               <a:solidFill>
                 <a:schemeClr val="tx1"/>
               </a:solidFill>
@@ -3830,14 +3712,200 @@
       </p:sp>
       <p:sp>
         <p:nvSpPr>
-          <p:cNvPr id="39" name="Rechteck 38"/>
+          <p:cNvPr id="50" name="Rechteck 49"/>
           <p:cNvSpPr/>
           <p:nvPr/>
         </p:nvSpPr>
         <p:spPr>
           <a:xfrm>
-            <a:off x="6279890" y="1419168"/>
-            <a:ext cx="5640946" cy="1326524"/>
+            <a:off x="1580872" y="1926034"/>
+            <a:ext cx="1074663" cy="1455611"/>
+          </a:xfrm>
+          <a:prstGeom prst="rect">
+            <a:avLst/>
+          </a:prstGeom>
+          <a:solidFill>
+            <a:schemeClr val="bg1"/>
+          </a:solidFill>
+        </p:spPr>
+        <p:style>
+          <a:lnRef idx="2">
+            <a:schemeClr val="accent1">
+              <a:shade val="50000"/>
+            </a:schemeClr>
+          </a:lnRef>
+          <a:fillRef idx="1">
+            <a:schemeClr val="accent1"/>
+          </a:fillRef>
+          <a:effectRef idx="0">
+            <a:schemeClr val="accent1"/>
+          </a:effectRef>
+          <a:fontRef idx="minor">
+            <a:schemeClr val="lt1"/>
+          </a:fontRef>
+        </p:style>
+        <p:txBody>
+          <a:bodyPr rtlCol="0" anchor="ctr"/>
+          <a:p>
+            <a:pPr algn="ctr"/>
+            <a:r>
+              <a:rPr lang="de-DE" sz="3070" i="1" dirty="0" smtClean="0">
+                <a:solidFill>
+                  <a:schemeClr val="tx1"/>
+                </a:solidFill>
+              </a:rPr>
+              <a:t>PCM</a:t>
+            </a:r>
+            <a:endParaRPr lang="de-DE" sz="3070" i="1" dirty="0">
+              <a:solidFill>
+                <a:schemeClr val="tx1"/>
+              </a:solidFill>
+            </a:endParaRPr>
+          </a:p>
+        </p:txBody>
+      </p:sp>
+      <p:sp>
+        <p:nvSpPr>
+          <p:cNvPr id="60" name="Textfeld 59"/>
+          <p:cNvSpPr txBox="1"/>
+          <p:nvPr/>
+        </p:nvSpPr>
+        <p:spPr>
+          <a:xfrm>
+            <a:off x="923498" y="3947096"/>
+            <a:ext cx="3647918" cy="495300"/>
+          </a:xfrm>
+          <a:prstGeom prst="rect">
+            <a:avLst/>
+          </a:prstGeom>
+          <a:noFill/>
+        </p:spPr>
+        <p:txBody>
+          <a:bodyPr wrap="square" rtlCol="0">
+            <a:spAutoFit/>
+          </a:bodyPr>
+          <a:p>
+            <a:r>
+              <a:rPr lang="de-DE" sz="2630" i="1" dirty="0" err="1" smtClean="0">
+                <a:effectLst>
+                  <a:outerShdw blurRad="38100" dist="38100" dir="2700000" algn="tl">
+                    <a:srgbClr val="000000">
+                      <a:alpha val="43137"/>
+                    </a:srgbClr>
+                  </a:outerShdw>
+                </a:effectLst>
+              </a:rPr>
+              <a:t>BuTiS</a:t>
+            </a:r>
+            <a:r>
+              <a:rPr lang="de-DE" sz="2630" i="1" dirty="0" smtClean="0">
+                <a:effectLst>
+                  <a:outerShdw blurRad="38100" dist="38100" dir="2700000" algn="tl">
+                    <a:srgbClr val="000000">
+                      <a:alpha val="43137"/>
+                    </a:srgbClr>
+                  </a:outerShdw>
+                </a:effectLst>
+              </a:rPr>
+              <a:t> C2 T0</a:t>
+            </a:r>
+            <a:endParaRPr lang="de-DE" sz="2630" i="1" dirty="0">
+              <a:effectLst>
+                <a:outerShdw blurRad="38100" dist="38100" dir="2700000" algn="tl">
+                  <a:srgbClr val="000000">
+                    <a:alpha val="43137"/>
+                  </a:srgbClr>
+                </a:outerShdw>
+              </a:effectLst>
+            </a:endParaRPr>
+          </a:p>
+        </p:txBody>
+      </p:sp>
+      <p:sp>
+        <p:nvSpPr>
+          <p:cNvPr id="66" name="Textfeld 65"/>
+          <p:cNvSpPr txBox="1"/>
+          <p:nvPr/>
+        </p:nvSpPr>
+        <p:spPr>
+          <a:xfrm>
+            <a:off x="2118202" y="1432896"/>
+            <a:ext cx="3809509" cy="495300"/>
+          </a:xfrm>
+          <a:prstGeom prst="rect">
+            <a:avLst/>
+          </a:prstGeom>
+          <a:noFill/>
+        </p:spPr>
+        <p:txBody>
+          <a:bodyPr wrap="square" rtlCol="0">
+            <a:spAutoFit/>
+          </a:bodyPr>
+          <a:p>
+            <a:r>
+              <a:rPr lang="de-DE" sz="2630" i="1" dirty="0">
+                <a:effectLst>
+                  <a:outerShdw blurRad="38100" dist="38100" dir="2700000" algn="tl">
+                    <a:srgbClr val="000000">
+                      <a:alpha val="43137"/>
+                    </a:srgbClr>
+                  </a:outerShdw>
+                </a:effectLst>
+              </a:rPr>
+              <a:t>Phase </a:t>
+            </a:r>
+            <a:r>
+              <a:rPr lang="de-DE" sz="2630" i="1" dirty="0" err="1" smtClean="0">
+                <a:effectLst>
+                  <a:outerShdw blurRad="38100" dist="38100" dir="2700000" algn="tl">
+                    <a:srgbClr val="000000">
+                      <a:alpha val="43137"/>
+                    </a:srgbClr>
+                  </a:outerShdw>
+                </a:effectLst>
+              </a:rPr>
+              <a:t>correction</a:t>
+            </a:r>
+            <a:endParaRPr lang="de-DE" sz="2630" i="1" dirty="0">
+              <a:effectLst>
+                <a:outerShdw blurRad="38100" dist="38100" dir="2700000" algn="tl">
+                  <a:srgbClr val="000000">
+                    <a:alpha val="43137"/>
+                  </a:srgbClr>
+                </a:outerShdw>
+              </a:effectLst>
+            </a:endParaRPr>
+          </a:p>
+        </p:txBody>
+      </p:sp>
+    </p:spTree>
+  </p:cSld>
+  <p:clrMapOvr>
+    <a:masterClrMapping/>
+  </p:clrMapOvr>
+</p:sld>
+</file>
+
+<file path=ppt/slides/slide3.xml><?xml version="1.0" encoding="utf-8"?>
+<p:sld xmlns:a="http://schemas.openxmlformats.org/drawingml/2006/main" xmlns:r="http://schemas.openxmlformats.org/officeDocument/2006/relationships" xmlns:p="http://schemas.openxmlformats.org/presentationml/2006/main">
+  <p:cSld>
+    <p:spTree>
+      <p:nvGrpSpPr>
+        <p:cNvPr id="1" name=""/>
+        <p:cNvGrpSpPr/>
+        <p:nvPr/>
+      </p:nvGrpSpPr>
+      <p:grpSpPr/>
+      <p:sp>
+        <p:nvSpPr>
+          <p:cNvPr id="20" name="Rechteck 19"/>
+          <p:cNvSpPr/>
+          <p:nvPr/>
+        </p:nvSpPr>
+        <p:spPr>
+          <a:xfrm>
+            <a:off x="115588" y="2171014"/>
+            <a:ext cx="6179871" cy="1453258"/>
           </a:xfrm>
           <a:prstGeom prst="rect">
             <a:avLst/>
@@ -3883,23 +3951,22 @@
         </p:style>
         <p:txBody>
           <a:bodyPr rtlCol="0" anchor="ctr"/>
-          <a:lstStyle/>
           <a:p>
             <a:pPr algn="ctr"/>
-            <a:endParaRPr lang="de-DE"/>
-          </a:p>
-        </p:txBody>
-      </p:sp>
-      <p:sp>
-        <p:nvSpPr>
-          <p:cNvPr id="40" name="Rechteck 39"/>
+            <a:endParaRPr lang="de-DE" sz="1970"/>
+          </a:p>
+        </p:txBody>
+      </p:sp>
+      <p:sp>
+        <p:nvSpPr>
+          <p:cNvPr id="21" name="Rechteck 20"/>
           <p:cNvSpPr/>
           <p:nvPr/>
         </p:nvSpPr>
         <p:spPr>
           <a:xfrm>
-            <a:off x="6279890" y="1419168"/>
-            <a:ext cx="1182706" cy="1326524"/>
+            <a:off x="115588" y="2171014"/>
+            <a:ext cx="1295699" cy="1453258"/>
           </a:xfrm>
           <a:prstGeom prst="rect">
             <a:avLst/>
@@ -3923,27 +3990,94 @@
         </p:style>
         <p:txBody>
           <a:bodyPr rtlCol="0" anchor="ctr"/>
-          <a:lstStyle/>
           <a:p>
             <a:pPr algn="ctr"/>
             <a:r>
-              <a:rPr lang="de-DE" sz="2800" dirty="0" err="1" smtClean="0"/>
-              <a:t>TriggerSCU</a:t>
-            </a:r>
-            <a:endParaRPr lang="de-DE" sz="2800" dirty="0"/>
+              <a:rPr lang="de-DE" sz="3070" dirty="0" smtClean="0"/>
+              <a:t>B2B</a:t>
+            </a:r>
+            <a:endParaRPr lang="de-DE" sz="3070" dirty="0" smtClean="0"/>
+          </a:p>
+          <a:p>
+            <a:pPr algn="ctr"/>
+            <a:r>
+              <a:rPr lang="de-DE" sz="3070" dirty="0" err="1" smtClean="0"/>
+              <a:t>source</a:t>
+            </a:r>
+            <a:r>
+              <a:rPr lang="de-DE" sz="3070" dirty="0" smtClean="0"/>
+              <a:t> SCU</a:t>
+            </a:r>
+            <a:endParaRPr lang="de-DE" sz="3070" dirty="0"/>
+          </a:p>
+        </p:txBody>
+      </p:sp>
+      <p:sp>
+        <p:nvSpPr>
+          <p:cNvPr id="22" name="Rechteck 21"/>
+          <p:cNvSpPr/>
+          <p:nvPr/>
+        </p:nvSpPr>
+        <p:spPr>
+          <a:xfrm>
+            <a:off x="1411287" y="2168661"/>
+            <a:ext cx="1074663" cy="1455611"/>
+          </a:xfrm>
+          <a:prstGeom prst="rect">
+            <a:avLst/>
+          </a:prstGeom>
+          <a:solidFill>
+            <a:schemeClr val="bg2">
+              <a:lumMod val="90000"/>
+            </a:schemeClr>
+          </a:solidFill>
+        </p:spPr>
+        <p:style>
+          <a:lnRef idx="2">
+            <a:schemeClr val="accent1">
+              <a:shade val="50000"/>
+            </a:schemeClr>
+          </a:lnRef>
+          <a:fillRef idx="1">
+            <a:schemeClr val="accent1"/>
+          </a:fillRef>
+          <a:effectRef idx="0">
+            <a:schemeClr val="accent1"/>
+          </a:effectRef>
+          <a:fontRef idx="minor">
+            <a:schemeClr val="lt1"/>
+          </a:fontRef>
+        </p:style>
+        <p:txBody>
+          <a:bodyPr rtlCol="0" anchor="ctr"/>
+          <a:p>
+            <a:pPr algn="ctr"/>
+            <a:r>
+              <a:rPr lang="de-DE" sz="3070" i="1" dirty="0" smtClean="0">
+                <a:solidFill>
+                  <a:schemeClr val="tx1"/>
+                </a:solidFill>
+              </a:rPr>
+              <a:t>PAP</a:t>
+            </a:r>
+            <a:endParaRPr lang="de-DE" sz="3070" i="1" dirty="0">
+              <a:solidFill>
+                <a:schemeClr val="tx1"/>
+              </a:solidFill>
+            </a:endParaRPr>
           </a:p>
         </p:txBody>
       </p:sp>
       <p:cxnSp>
         <p:nvCxnSpPr>
-          <p:cNvPr id="42" name="Gerade Verbindung mit Pfeil 41"/>
+          <p:cNvPr id="24" name="Gerade Verbindung mit Pfeil 23"/>
           <p:cNvCxnSpPr/>
           <p:nvPr/>
         </p:nvCxnSpPr>
         <p:spPr>
           <a:xfrm flipV="1">
-            <a:off x="7696566" y="2745692"/>
-            <a:ext cx="0" cy="468000"/>
+            <a:off x="1667610" y="3624272"/>
+            <a:ext cx="0" cy="512712"/>
           </a:xfrm>
           <a:prstGeom prst="straightConnector1">
             <a:avLst/>
@@ -3972,14 +4106,14 @@
       </p:cxnSp>
       <p:cxnSp>
         <p:nvCxnSpPr>
-          <p:cNvPr id="43" name="Gerade Verbindung mit Pfeil 42"/>
+          <p:cNvPr id="25" name="Gerade Verbindung mit Pfeil 24"/>
           <p:cNvCxnSpPr/>
           <p:nvPr/>
         </p:nvCxnSpPr>
         <p:spPr>
           <a:xfrm flipV="1">
-            <a:off x="7866219" y="2760068"/>
-            <a:ext cx="0" cy="468000"/>
+            <a:off x="1853471" y="3640021"/>
+            <a:ext cx="0" cy="512712"/>
           </a:xfrm>
           <a:prstGeom prst="straightConnector1">
             <a:avLst/>
@@ -4006,19 +4140,144 @@
           </a:fontRef>
         </p:style>
       </p:cxnSp>
+      <p:sp>
+        <p:nvSpPr>
+          <p:cNvPr id="28" name="Rechteck 27"/>
+          <p:cNvSpPr/>
+          <p:nvPr/>
+        </p:nvSpPr>
+        <p:spPr>
+          <a:xfrm>
+            <a:off x="2485950" y="2166561"/>
+            <a:ext cx="1074663" cy="1455611"/>
+          </a:xfrm>
+          <a:prstGeom prst="rect">
+            <a:avLst/>
+          </a:prstGeom>
+          <a:solidFill>
+            <a:schemeClr val="bg1"/>
+          </a:solidFill>
+        </p:spPr>
+        <p:style>
+          <a:lnRef idx="2">
+            <a:schemeClr val="accent1">
+              <a:shade val="50000"/>
+            </a:schemeClr>
+          </a:lnRef>
+          <a:fillRef idx="1">
+            <a:schemeClr val="accent1"/>
+          </a:fillRef>
+          <a:effectRef idx="0">
+            <a:schemeClr val="accent1"/>
+          </a:effectRef>
+          <a:fontRef idx="minor">
+            <a:schemeClr val="lt1"/>
+          </a:fontRef>
+        </p:style>
+        <p:txBody>
+          <a:bodyPr rtlCol="0" anchor="ctr"/>
+          <a:p>
+            <a:pPr algn="ctr"/>
+            <a:r>
+              <a:rPr lang="de-DE" sz="3070" i="1" dirty="0" smtClean="0">
+                <a:solidFill>
+                  <a:schemeClr val="tx1"/>
+                </a:solidFill>
+              </a:rPr>
+              <a:t>PSM</a:t>
+            </a:r>
+            <a:endParaRPr lang="de-DE" sz="3070" i="1" dirty="0">
+              <a:solidFill>
+                <a:schemeClr val="tx1"/>
+              </a:solidFill>
+            </a:endParaRPr>
+          </a:p>
+        </p:txBody>
+      </p:sp>
       <p:cxnSp>
         <p:nvCxnSpPr>
-          <p:cNvPr id="48" name="Gerade Verbindung mit Pfeil 47"/>
+          <p:cNvPr id="29" name="Gerade Verbindung mit Pfeil 28"/>
+          <p:cNvCxnSpPr/>
+          <p:nvPr/>
+        </p:nvCxnSpPr>
+        <p:spPr>
+          <a:xfrm flipV="1">
+            <a:off x="3012791" y="3655771"/>
+            <a:ext cx="0" cy="512712"/>
+          </a:xfrm>
+          <a:prstGeom prst="straightConnector1">
+            <a:avLst/>
+          </a:prstGeom>
+          <a:ln w="60325" cmpd="sng">
+            <a:solidFill>
+              <a:srgbClr val="00B050"/>
+            </a:solidFill>
+            <a:tailEnd type="triangle"/>
+          </a:ln>
+        </p:spPr>
+        <p:style>
+          <a:lnRef idx="1">
+            <a:schemeClr val="accent1"/>
+          </a:lnRef>
+          <a:fillRef idx="0">
+            <a:schemeClr val="accent1"/>
+          </a:fillRef>
+          <a:effectRef idx="0">
+            <a:schemeClr val="accent1"/>
+          </a:effectRef>
+          <a:fontRef idx="minor">
+            <a:schemeClr val="tx1"/>
+          </a:fontRef>
+        </p:style>
+      </p:cxnSp>
+      <p:cxnSp>
+        <p:nvCxnSpPr>
+          <p:cNvPr id="30" name="Gerade Verbindung mit Pfeil 29"/>
+          <p:cNvCxnSpPr/>
+          <p:nvPr/>
+        </p:nvCxnSpPr>
+        <p:spPr>
+          <a:xfrm flipV="1">
+            <a:off x="3198652" y="3671520"/>
+            <a:ext cx="0" cy="512712"/>
+          </a:xfrm>
+          <a:prstGeom prst="straightConnector1">
+            <a:avLst/>
+          </a:prstGeom>
+          <a:ln w="60325" cmpd="sng">
+            <a:solidFill>
+              <a:srgbClr val="FF0000"/>
+            </a:solidFill>
+            <a:tailEnd type="triangle"/>
+          </a:ln>
+        </p:spPr>
+        <p:style>
+          <a:lnRef idx="1">
+            <a:schemeClr val="accent1"/>
+          </a:lnRef>
+          <a:fillRef idx="0">
+            <a:schemeClr val="accent1"/>
+          </a:fillRef>
+          <a:effectRef idx="0">
+            <a:schemeClr val="accent1"/>
+          </a:effectRef>
+          <a:fontRef idx="minor">
+            <a:schemeClr val="tx1"/>
+          </a:fontRef>
+        </p:style>
+      </p:cxnSp>
+      <p:cxnSp>
+        <p:nvCxnSpPr>
+          <p:cNvPr id="32" name="Gerade Verbindung mit Pfeil 31"/>
           <p:cNvCxnSpPr>
-            <a:stCxn id="50" idx="0"/>
-            <a:endCxn id="49" idx="2"/>
+            <a:endCxn id="34" idx="2"/>
           </p:cNvCxnSpPr>
           <p:nvPr/>
         </p:nvCxnSpPr>
         <p:spPr>
-          <a:xfrm flipV="1">
-            <a:off x="7953069" y="904396"/>
-            <a:ext cx="0" cy="500396"/>
+          <a:xfrm flipH="1" flipV="1">
+            <a:off x="3010535" y="1632190"/>
+            <a:ext cx="2540" cy="534670"/>
           </a:xfrm>
           <a:prstGeom prst="straightConnector1">
             <a:avLst/>
@@ -4047,14 +4306,14 @@
       </p:cxnSp>
       <p:sp>
         <p:nvSpPr>
-          <p:cNvPr id="49" name="Rechteck 48"/>
+          <p:cNvPr id="34" name="Rechteck 33"/>
           <p:cNvSpPr/>
           <p:nvPr/>
         </p:nvSpPr>
         <p:spPr>
           <a:xfrm>
-            <a:off x="7462596" y="417673"/>
-            <a:ext cx="980945" cy="486723"/>
+            <a:off x="2348191" y="809160"/>
+            <a:ext cx="1324779" cy="823044"/>
           </a:xfrm>
           <a:prstGeom prst="rect">
             <a:avLst/>
@@ -4081,18 +4340,17 @@
         </p:style>
         <p:txBody>
           <a:bodyPr rtlCol="0" anchor="ctr"/>
-          <a:lstStyle/>
           <a:p>
             <a:pPr algn="ctr"/>
             <a:r>
-              <a:rPr lang="de-DE" sz="2800" i="1" dirty="0" smtClean="0">
+              <a:rPr lang="de-DE" sz="3070" i="1" dirty="0" smtClean="0">
                 <a:solidFill>
                   <a:schemeClr val="tx1"/>
                 </a:solidFill>
               </a:rPr>
-              <a:t>SR</a:t>
-            </a:r>
-            <a:endParaRPr lang="de-DE" sz="2800" i="1" dirty="0">
+              <a:t>Group DDS</a:t>
+            </a:r>
+            <a:endParaRPr lang="de-DE" sz="3070" i="1" dirty="0">
               <a:solidFill>
                 <a:schemeClr val="tx1"/>
               </a:solidFill>
@@ -4102,69 +4360,14 @@
       </p:sp>
       <p:sp>
         <p:nvSpPr>
-          <p:cNvPr id="50" name="Rechteck 49"/>
-          <p:cNvSpPr/>
-          <p:nvPr/>
-        </p:nvSpPr>
-        <p:spPr>
-          <a:xfrm>
-            <a:off x="7462596" y="1404792"/>
-            <a:ext cx="980945" cy="1328672"/>
-          </a:xfrm>
-          <a:prstGeom prst="rect">
-            <a:avLst/>
-          </a:prstGeom>
-          <a:solidFill>
-            <a:schemeClr val="bg1"/>
-          </a:solidFill>
-        </p:spPr>
-        <p:style>
-          <a:lnRef idx="2">
-            <a:schemeClr val="accent1">
-              <a:shade val="50000"/>
-            </a:schemeClr>
-          </a:lnRef>
-          <a:fillRef idx="1">
-            <a:schemeClr val="accent1"/>
-          </a:fillRef>
-          <a:effectRef idx="0">
-            <a:schemeClr val="accent1"/>
-          </a:effectRef>
-          <a:fontRef idx="minor">
-            <a:schemeClr val="lt1"/>
-          </a:fontRef>
-        </p:style>
-        <p:txBody>
-          <a:bodyPr rtlCol="0" anchor="ctr"/>
-          <a:lstStyle/>
-          <a:p>
-            <a:pPr algn="ctr"/>
-            <a:r>
-              <a:rPr lang="de-DE" sz="2800" i="1" dirty="0" smtClean="0">
-                <a:solidFill>
-                  <a:schemeClr val="tx1"/>
-                </a:solidFill>
-              </a:rPr>
-              <a:t>PCM</a:t>
-            </a:r>
-            <a:endParaRPr lang="de-DE" sz="2800" i="1" dirty="0">
-              <a:solidFill>
-                <a:schemeClr val="tx1"/>
-              </a:solidFill>
-            </a:endParaRPr>
-          </a:p>
-        </p:txBody>
-      </p:sp>
-      <p:sp>
-        <p:nvSpPr>
           <p:cNvPr id="59" name="Textfeld 58"/>
           <p:cNvSpPr txBox="1"/>
           <p:nvPr/>
         </p:nvSpPr>
         <p:spPr>
           <a:xfrm>
-            <a:off x="3644132" y="6367583"/>
-            <a:ext cx="3329796" cy="461665"/>
+            <a:off x="763437" y="4136983"/>
+            <a:ext cx="3647918" cy="495300"/>
           </a:xfrm>
           <a:prstGeom prst="rect">
             <a:avLst/>
@@ -4175,10 +4378,9 @@
           <a:bodyPr wrap="square" rtlCol="0">
             <a:spAutoFit/>
           </a:bodyPr>
-          <a:lstStyle/>
-          <a:p>
-            <a:r>
-              <a:rPr lang="de-DE" sz="2400" i="1" dirty="0" err="1" smtClean="0">
+          <a:p>
+            <a:r>
+              <a:rPr lang="de-DE" sz="2630" i="1" dirty="0" err="1" smtClean="0">
                 <a:effectLst>
                   <a:outerShdw blurRad="38100" dist="38100" dir="2700000" algn="tl">
                     <a:srgbClr val="000000">
@@ -4190,7 +4392,7 @@
               <a:t>BuTiS</a:t>
             </a:r>
             <a:r>
-              <a:rPr lang="de-DE" sz="2400" i="1" dirty="0" smtClean="0">
+              <a:rPr lang="de-DE" sz="2630" i="1" dirty="0" smtClean="0">
                 <a:effectLst>
                   <a:outerShdw blurRad="38100" dist="38100" dir="2700000" algn="tl">
                     <a:srgbClr val="000000">
@@ -4201,7 +4403,7 @@
               </a:rPr>
               <a:t> C2 T0</a:t>
             </a:r>
-            <a:endParaRPr lang="de-DE" sz="2400" i="1" dirty="0">
+            <a:endParaRPr lang="de-DE" sz="2630" i="1" dirty="0">
               <a:effectLst>
                 <a:outerShdw blurRad="38100" dist="38100" dir="2700000" algn="tl">
                   <a:srgbClr val="000000">
@@ -4215,14 +4417,14 @@
       </p:sp>
       <p:sp>
         <p:nvSpPr>
-          <p:cNvPr id="60" name="Textfeld 59"/>
+          <p:cNvPr id="63" name="Textfeld 62"/>
           <p:cNvSpPr txBox="1"/>
           <p:nvPr/>
         </p:nvSpPr>
         <p:spPr>
           <a:xfrm>
-            <a:off x="6871243" y="3261777"/>
-            <a:ext cx="3329796" cy="461665"/>
+            <a:off x="3013231" y="1632298"/>
+            <a:ext cx="4434715" cy="495300"/>
           </a:xfrm>
           <a:prstGeom prst="rect">
             <a:avLst/>
@@ -4233,68 +4435,9 @@
           <a:bodyPr wrap="square" rtlCol="0">
             <a:spAutoFit/>
           </a:bodyPr>
-          <a:lstStyle/>
-          <a:p>
-            <a:r>
-              <a:rPr lang="de-DE" sz="2400" i="1" dirty="0" err="1" smtClean="0">
-                <a:effectLst>
-                  <a:outerShdw blurRad="38100" dist="38100" dir="2700000" algn="tl">
-                    <a:srgbClr val="000000">
-                      <a:alpha val="43137"/>
-                    </a:srgbClr>
-                  </a:outerShdw>
-                </a:effectLst>
-              </a:rPr>
-              <a:t>BuTiS</a:t>
-            </a:r>
-            <a:r>
-              <a:rPr lang="de-DE" sz="2400" i="1" dirty="0" smtClean="0">
-                <a:effectLst>
-                  <a:outerShdw blurRad="38100" dist="38100" dir="2700000" algn="tl">
-                    <a:srgbClr val="000000">
-                      <a:alpha val="43137"/>
-                    </a:srgbClr>
-                  </a:outerShdw>
-                </a:effectLst>
-              </a:rPr>
-              <a:t> C2 T0</a:t>
-            </a:r>
-            <a:endParaRPr lang="de-DE" sz="2400" i="1" dirty="0">
-              <a:effectLst>
-                <a:outerShdw blurRad="38100" dist="38100" dir="2700000" algn="tl">
-                  <a:srgbClr val="000000">
-                    <a:alpha val="43137"/>
-                  </a:srgbClr>
-                </a:outerShdw>
-              </a:effectLst>
-            </a:endParaRPr>
-          </a:p>
-        </p:txBody>
-      </p:sp>
-      <p:sp>
-        <p:nvSpPr>
-          <p:cNvPr id="63" name="Textfeld 62"/>
-          <p:cNvSpPr txBox="1"/>
-          <p:nvPr/>
-        </p:nvSpPr>
-        <p:spPr>
-          <a:xfrm>
-            <a:off x="5866979" y="4117839"/>
-            <a:ext cx="4047979" cy="461665"/>
-          </a:xfrm>
-          <a:prstGeom prst="rect">
-            <a:avLst/>
-          </a:prstGeom>
-          <a:noFill/>
-        </p:spPr>
-        <p:txBody>
-          <a:bodyPr wrap="square" rtlCol="0">
-            <a:spAutoFit/>
-          </a:bodyPr>
-          <a:lstStyle/>
-          <a:p>
-            <a:r>
-              <a:rPr lang="de-DE" sz="2400" i="1" dirty="0" err="1">
+          <a:p>
+            <a:r>
+              <a:rPr lang="de-DE" sz="2630" i="1" dirty="0" err="1">
                 <a:effectLst>
                   <a:outerShdw blurRad="38100" dist="38100" dir="2700000" algn="tl">
                     <a:srgbClr val="000000">
@@ -4306,7 +4449,7 @@
               <a:t>Required</a:t>
             </a:r>
             <a:r>
-              <a:rPr lang="de-DE" sz="2400" i="1" dirty="0">
+              <a:rPr lang="de-DE" sz="2630" i="1" dirty="0">
                 <a:effectLst>
                   <a:outerShdw blurRad="38100" dist="38100" dir="2700000" algn="tl">
                     <a:srgbClr val="000000">
@@ -4318,7 +4461,7 @@
               <a:t> </a:t>
             </a:r>
             <a:r>
-              <a:rPr lang="de-DE" sz="2400" i="1" dirty="0" err="1">
+              <a:rPr lang="de-DE" sz="2630" i="1" dirty="0" err="1">
                 <a:effectLst>
                   <a:outerShdw blurRad="38100" dist="38100" dir="2700000" algn="tl">
                     <a:srgbClr val="000000">
@@ -4330,7 +4473,7 @@
               <a:t>phase</a:t>
             </a:r>
             <a:r>
-              <a:rPr lang="de-DE" sz="2400" i="1" dirty="0">
+              <a:rPr lang="de-DE" sz="2630" i="1" dirty="0">
                 <a:effectLst>
                   <a:outerShdw blurRad="38100" dist="38100" dir="2700000" algn="tl">
                     <a:srgbClr val="000000">
@@ -4342,7 +4485,7 @@
               <a:t> </a:t>
             </a:r>
             <a:r>
-              <a:rPr lang="de-DE" sz="2400" i="1" dirty="0" err="1">
+              <a:rPr lang="de-DE" sz="2630" i="1" dirty="0" err="1">
                 <a:effectLst>
                   <a:outerShdw blurRad="38100" dist="38100" dir="2700000" algn="tl">
                     <a:srgbClr val="000000">
@@ -4354,7 +4497,7 @@
               <a:t>shift</a:t>
             </a:r>
             <a:r>
-              <a:rPr lang="de-DE" sz="2400" i="1" dirty="0">
+              <a:rPr lang="de-DE" sz="2630" i="1" dirty="0">
                 <a:effectLst>
                   <a:outerShdw blurRad="38100" dist="38100" dir="2700000" algn="tl">
                     <a:srgbClr val="000000">
@@ -4366,7 +4509,7 @@
               <a:t> ∆</a:t>
             </a:r>
             <a:r>
-              <a:rPr lang="el-GR" sz="2400" i="1" dirty="0">
+              <a:rPr lang="el-GR" sz="2630" i="1" dirty="0">
                 <a:effectLst>
                   <a:outerShdw blurRad="38100" dist="38100" dir="2700000" algn="tl">
                     <a:srgbClr val="000000">
@@ -4378,7 +4521,7 @@
               <a:t>Φ</a:t>
             </a:r>
             <a:r>
-              <a:rPr lang="de-DE" sz="2400" i="1" dirty="0" err="1">
+              <a:rPr lang="de-DE" sz="2630" i="1" baseline="-25000" dirty="0" err="1">
                 <a:effectLst>
                   <a:outerShdw blurRad="38100" dist="38100" dir="2700000" algn="tl">
                     <a:srgbClr val="000000">
@@ -4389,7 +4532,7 @@
               </a:rPr>
               <a:t>shift</a:t>
             </a:r>
-            <a:endParaRPr lang="de-DE" sz="2400" i="1" dirty="0">
+            <a:endParaRPr lang="de-DE" sz="2630" i="1" baseline="-25000" dirty="0">
               <a:effectLst>
                 <a:outerShdw blurRad="38100" dist="38100" dir="2700000" algn="tl">
                   <a:srgbClr val="000000">
@@ -4401,191 +4544,15 @@
           </a:p>
         </p:txBody>
       </p:sp>
-      <p:sp>
-        <p:nvSpPr>
-          <p:cNvPr id="65" name="Textfeld 64"/>
-          <p:cNvSpPr txBox="1"/>
-          <p:nvPr/>
-        </p:nvSpPr>
-        <p:spPr>
-          <a:xfrm>
-            <a:off x="1821648" y="1020687"/>
-            <a:ext cx="2817460" cy="461665"/>
-          </a:xfrm>
-          <a:prstGeom prst="rect">
-            <a:avLst/>
-          </a:prstGeom>
-          <a:noFill/>
-        </p:spPr>
-        <p:txBody>
-          <a:bodyPr wrap="square" rtlCol="0">
-            <a:spAutoFit/>
-          </a:bodyPr>
-          <a:lstStyle/>
-          <a:p>
-            <a:r>
-              <a:rPr lang="de-DE" sz="2400" i="1" dirty="0">
-                <a:effectLst>
-                  <a:outerShdw blurRad="38100" dist="38100" dir="2700000" algn="tl">
-                    <a:srgbClr val="000000">
-                      <a:alpha val="43137"/>
-                    </a:srgbClr>
-                  </a:outerShdw>
-                </a:effectLst>
-              </a:rPr>
-              <a:t>Phase </a:t>
-            </a:r>
-            <a:r>
-              <a:rPr lang="de-DE" sz="2400" i="1" dirty="0" err="1" smtClean="0">
-                <a:effectLst>
-                  <a:outerShdw blurRad="38100" dist="38100" dir="2700000" algn="tl">
-                    <a:srgbClr val="000000">
-                      <a:alpha val="43137"/>
-                    </a:srgbClr>
-                  </a:outerShdw>
-                </a:effectLst>
-              </a:rPr>
-              <a:t>advance</a:t>
-            </a:r>
-            <a:r>
-              <a:rPr lang="de-DE" sz="2400" i="1" dirty="0" smtClean="0">
-                <a:effectLst>
-                  <a:outerShdw blurRad="38100" dist="38100" dir="2700000" algn="tl">
-                    <a:srgbClr val="000000">
-                      <a:alpha val="43137"/>
-                    </a:srgbClr>
-                  </a:outerShdw>
-                </a:effectLst>
-              </a:rPr>
-              <a:t> </a:t>
-            </a:r>
-            <a:r>
-              <a:rPr lang="de-DE" sz="2400" i="1" dirty="0" smtClean="0">
-                <a:effectLst>
-                  <a:outerShdw blurRad="38100" dist="38100" dir="2700000" algn="tl">
-                    <a:srgbClr val="000000">
-                      <a:alpha val="43137"/>
-                    </a:srgbClr>
-                  </a:outerShdw>
-                </a:effectLst>
-              </a:rPr>
-              <a:t>∆</a:t>
-            </a:r>
-            <a:r>
-              <a:rPr lang="el-GR" sz="2400" i="1" dirty="0">
-                <a:effectLst>
-                  <a:outerShdw blurRad="38100" dist="38100" dir="2700000" algn="tl">
-                    <a:srgbClr val="000000">
-                      <a:alpha val="43137"/>
-                    </a:srgbClr>
-                  </a:outerShdw>
-                </a:effectLst>
-              </a:rPr>
-              <a:t>ϕ</a:t>
-            </a:r>
-            <a:r>
-              <a:rPr lang="de-DE" sz="2400" i="1" dirty="0" smtClean="0">
-                <a:effectLst>
-                  <a:outerShdw blurRad="38100" dist="38100" dir="2700000" algn="tl">
-                    <a:srgbClr val="000000">
-                      <a:alpha val="43137"/>
-                    </a:srgbClr>
-                  </a:outerShdw>
-                </a:effectLst>
-              </a:rPr>
-              <a:t>1</a:t>
-            </a:r>
-            <a:endParaRPr lang="de-DE" sz="2400" i="1" dirty="0">
-              <a:effectLst>
-                <a:outerShdw blurRad="38100" dist="38100" dir="2700000" algn="tl">
-                  <a:srgbClr val="000000">
-                    <a:alpha val="43137"/>
-                  </a:srgbClr>
-                </a:outerShdw>
-              </a:effectLst>
-            </a:endParaRPr>
-          </a:p>
-        </p:txBody>
-      </p:sp>
-      <p:sp>
-        <p:nvSpPr>
-          <p:cNvPr id="66" name="Textfeld 65"/>
-          <p:cNvSpPr txBox="1"/>
-          <p:nvPr/>
-        </p:nvSpPr>
-        <p:spPr>
-          <a:xfrm>
-            <a:off x="7953067" y="954659"/>
-            <a:ext cx="3477295" cy="461665"/>
-          </a:xfrm>
-          <a:prstGeom prst="rect">
-            <a:avLst/>
-          </a:prstGeom>
-          <a:noFill/>
-        </p:spPr>
-        <p:txBody>
-          <a:bodyPr wrap="square" rtlCol="0">
-            <a:spAutoFit/>
-          </a:bodyPr>
-          <a:lstStyle/>
-          <a:p>
-            <a:r>
-              <a:rPr lang="de-DE" sz="2400" i="1" dirty="0">
-                <a:effectLst>
-                  <a:outerShdw blurRad="38100" dist="38100" dir="2700000" algn="tl">
-                    <a:srgbClr val="000000">
-                      <a:alpha val="43137"/>
-                    </a:srgbClr>
-                  </a:outerShdw>
-                </a:effectLst>
-              </a:rPr>
-              <a:t>Phase </a:t>
-            </a:r>
-            <a:r>
-              <a:rPr lang="de-DE" sz="2400" i="1" dirty="0" err="1" smtClean="0">
-                <a:effectLst>
-                  <a:outerShdw blurRad="38100" dist="38100" dir="2700000" algn="tl">
-                    <a:srgbClr val="000000">
-                      <a:alpha val="43137"/>
-                    </a:srgbClr>
-                  </a:outerShdw>
-                </a:effectLst>
-              </a:rPr>
-              <a:t>correction</a:t>
-            </a:r>
-            <a:endParaRPr lang="de-DE" sz="2400" i="1" dirty="0">
-              <a:effectLst>
-                <a:outerShdw blurRad="38100" dist="38100" dir="2700000" algn="tl">
-                  <a:srgbClr val="000000">
-                    <a:alpha val="43137"/>
-                  </a:srgbClr>
-                </a:outerShdw>
-              </a:effectLst>
-            </a:endParaRPr>
-          </a:p>
-        </p:txBody>
-      </p:sp>
     </p:spTree>
-    <p:extLst>
-      <p:ext uri="{BB962C8B-B14F-4D97-AF65-F5344CB8AC3E}">
-        <p14:creationId xmlns:p14="http://schemas.microsoft.com/office/powerpoint/2010/main" val="664664722"/>
-      </p:ext>
-    </p:extLst>
   </p:cSld>
   <p:clrMapOvr>
     <a:masterClrMapping/>
   </p:clrMapOvr>
-  <p:timing>
-    <p:tnLst>
-      <p:par>
-        <p:cTn id="1" dur="indefinite" restart="never" nodeType="tmRoot"/>
-      </p:par>
-    </p:tnLst>
-  </p:timing>
 </p:sld>
 </file>
 
-<file path=ppt/slides/slide2.xml><?xml version="1.0" encoding="utf-8"?>
+<file path=ppt/slides/slide4.xml><?xml version="1.0" encoding="utf-8"?>
 <p:sld xmlns:a="http://schemas.openxmlformats.org/drawingml/2006/main" xmlns:r="http://schemas.openxmlformats.org/officeDocument/2006/relationships" xmlns:p="http://schemas.openxmlformats.org/presentationml/2006/main">
   <p:cSld>
     <p:spTree>
@@ -4610,8 +4577,8 @@
         </p:nvSpPr>
         <p:spPr>
           <a:xfrm>
-            <a:off x="1867663" y="3722609"/>
-            <a:ext cx="5650710" cy="1362611"/>
+            <a:off x="61192" y="2908948"/>
+            <a:ext cx="6190568" cy="1492792"/>
           </a:xfrm>
           <a:prstGeom prst="rect">
             <a:avLst/>
@@ -4660,7 +4627,7 @@
           <a:lstStyle/>
           <a:p>
             <a:pPr algn="ctr"/>
-            <a:endParaRPr lang="de-DE"/>
+            <a:endParaRPr lang="de-DE" sz="1970"/>
           </a:p>
         </p:txBody>
       </p:sp>
@@ -4672,8 +4639,8 @@
         </p:nvSpPr>
         <p:spPr>
           <a:xfrm>
-            <a:off x="1867662" y="3722609"/>
-            <a:ext cx="1184753" cy="1362611"/>
+            <a:off x="61191" y="2908948"/>
+            <a:ext cx="1297942" cy="1492792"/>
           </a:xfrm>
           <a:prstGeom prst="rect">
             <a:avLst/>
@@ -4701,23 +4668,475 @@
           <a:p>
             <a:pPr algn="ctr"/>
             <a:r>
-              <a:rPr lang="de-DE" sz="2800" dirty="0" err="1" smtClean="0"/>
+              <a:rPr lang="de-DE" sz="3070" dirty="0" err="1" smtClean="0"/>
               <a:t>TriggerSCU</a:t>
             </a:r>
-            <a:endParaRPr lang="de-DE" sz="2800" dirty="0"/>
+            <a:endParaRPr lang="de-DE" sz="3070" dirty="0"/>
+          </a:p>
+        </p:txBody>
+      </p:sp>
+      <p:sp>
+        <p:nvSpPr>
+          <p:cNvPr id="10" name="Rechteck 9"/>
+          <p:cNvSpPr/>
+          <p:nvPr/>
+        </p:nvSpPr>
+        <p:spPr>
+          <a:xfrm>
+            <a:off x="1356892" y="2893199"/>
+            <a:ext cx="1076523" cy="1495209"/>
+          </a:xfrm>
+          <a:prstGeom prst="rect">
+            <a:avLst/>
+          </a:prstGeom>
+          <a:solidFill>
+            <a:schemeClr val="bg2">
+              <a:lumMod val="90000"/>
+            </a:schemeClr>
+          </a:solidFill>
+        </p:spPr>
+        <p:style>
+          <a:lnRef idx="2">
+            <a:schemeClr val="accent1">
+              <a:shade val="50000"/>
+            </a:schemeClr>
+          </a:lnRef>
+          <a:fillRef idx="1">
+            <a:schemeClr val="accent1"/>
+          </a:fillRef>
+          <a:effectRef idx="0">
+            <a:schemeClr val="accent1"/>
+          </a:effectRef>
+          <a:fontRef idx="minor">
+            <a:schemeClr val="lt1"/>
+          </a:fontRef>
+        </p:style>
+        <p:txBody>
+          <a:bodyPr rtlCol="0" anchor="ctr"/>
+          <a:lstStyle/>
+          <a:p>
+            <a:pPr algn="ctr"/>
+            <a:r>
+              <a:rPr lang="de-DE" sz="3070" i="1" dirty="0" smtClean="0">
+                <a:solidFill>
+                  <a:schemeClr val="tx1"/>
+                </a:solidFill>
+              </a:rPr>
+              <a:t>PCM</a:t>
+            </a:r>
+            <a:endParaRPr lang="de-DE" sz="3070" i="1" dirty="0">
+              <a:solidFill>
+                <a:schemeClr val="tx1"/>
+              </a:solidFill>
+            </a:endParaRPr>
+          </a:p>
+        </p:txBody>
+      </p:sp>
+      <p:sp>
+        <p:nvSpPr>
+          <p:cNvPr id="11" name="Textfeld 10"/>
+          <p:cNvSpPr txBox="1"/>
+          <p:nvPr/>
+        </p:nvSpPr>
+        <p:spPr>
+          <a:xfrm>
+            <a:off x="747142" y="4910848"/>
+            <a:ext cx="3654233" cy="495300"/>
+          </a:xfrm>
+          <a:prstGeom prst="rect">
+            <a:avLst/>
+          </a:prstGeom>
+          <a:noFill/>
+        </p:spPr>
+        <p:txBody>
+          <a:bodyPr wrap="square" rtlCol="0">
+            <a:spAutoFit/>
+          </a:bodyPr>
+          <a:lstStyle/>
+          <a:p>
+            <a:r>
+              <a:rPr lang="de-DE" sz="2630" i="1" dirty="0" err="1" smtClean="0">
+                <a:effectLst>
+                  <a:outerShdw blurRad="38100" dist="38100" dir="2700000" algn="tl">
+                    <a:srgbClr val="000000">
+                      <a:alpha val="43137"/>
+                    </a:srgbClr>
+                  </a:outerShdw>
+                </a:effectLst>
+              </a:rPr>
+              <a:t>BuTiS</a:t>
+            </a:r>
+            <a:r>
+              <a:rPr lang="de-DE" sz="2630" i="1" dirty="0" smtClean="0">
+                <a:effectLst>
+                  <a:outerShdw blurRad="38100" dist="38100" dir="2700000" algn="tl">
+                    <a:srgbClr val="000000">
+                      <a:alpha val="43137"/>
+                    </a:srgbClr>
+                  </a:outerShdw>
+                </a:effectLst>
+              </a:rPr>
+              <a:t> C2 T0</a:t>
+            </a:r>
+            <a:endParaRPr lang="de-DE" sz="2630" i="1" dirty="0">
+              <a:effectLst>
+                <a:outerShdw blurRad="38100" dist="38100" dir="2700000" algn="tl">
+                  <a:srgbClr val="000000">
+                    <a:alpha val="43137"/>
+                  </a:srgbClr>
+                </a:outerShdw>
+              </a:effectLst>
+            </a:endParaRPr>
+          </a:p>
+        </p:txBody>
+      </p:sp>
+      <p:sp>
+        <p:nvSpPr>
+          <p:cNvPr id="13" name="Rechteck 12"/>
+          <p:cNvSpPr/>
+          <p:nvPr/>
+        </p:nvSpPr>
+        <p:spPr>
+          <a:xfrm>
+            <a:off x="2442431" y="2893199"/>
+            <a:ext cx="1076523" cy="1495209"/>
+          </a:xfrm>
+          <a:prstGeom prst="rect">
+            <a:avLst/>
+          </a:prstGeom>
+          <a:solidFill>
+            <a:schemeClr val="bg1"/>
+          </a:solidFill>
+        </p:spPr>
+        <p:style>
+          <a:lnRef idx="2">
+            <a:schemeClr val="accent1">
+              <a:shade val="50000"/>
+            </a:schemeClr>
+          </a:lnRef>
+          <a:fillRef idx="1">
+            <a:schemeClr val="accent1"/>
+          </a:fillRef>
+          <a:effectRef idx="0">
+            <a:schemeClr val="accent1"/>
+          </a:effectRef>
+          <a:fontRef idx="minor">
+            <a:schemeClr val="lt1"/>
+          </a:fontRef>
+        </p:style>
+        <p:txBody>
+          <a:bodyPr rtlCol="0" anchor="ctr"/>
+          <a:lstStyle/>
+          <a:p>
+            <a:pPr algn="ctr"/>
+            <a:r>
+              <a:rPr lang="de-DE" sz="3070" i="1" dirty="0" smtClean="0">
+                <a:solidFill>
+                  <a:schemeClr val="tx1"/>
+                </a:solidFill>
+              </a:rPr>
+              <a:t>TD</a:t>
+            </a:r>
+            <a:endParaRPr lang="de-DE" sz="3070" i="1" dirty="0">
+              <a:solidFill>
+                <a:schemeClr val="tx1"/>
+              </a:solidFill>
+            </a:endParaRPr>
+          </a:p>
+        </p:txBody>
+      </p:sp>
+      <p:sp>
+        <p:nvSpPr>
+          <p:cNvPr id="15" name="Rechteck 14"/>
+          <p:cNvSpPr/>
+          <p:nvPr/>
+        </p:nvSpPr>
+        <p:spPr>
+          <a:xfrm>
+            <a:off x="2003167" y="164358"/>
+            <a:ext cx="1954128" cy="1604207"/>
+          </a:xfrm>
+          <a:prstGeom prst="rect">
+            <a:avLst/>
+          </a:prstGeom>
+          <a:solidFill>
+            <a:schemeClr val="bg1"/>
+          </a:solidFill>
+        </p:spPr>
+        <p:style>
+          <a:lnRef idx="2">
+            <a:schemeClr val="accent1">
+              <a:shade val="50000"/>
+            </a:schemeClr>
+          </a:lnRef>
+          <a:fillRef idx="1">
+            <a:schemeClr val="accent1"/>
+          </a:fillRef>
+          <a:effectRef idx="0">
+            <a:schemeClr val="accent1"/>
+          </a:effectRef>
+          <a:fontRef idx="minor">
+            <a:schemeClr val="lt1"/>
+          </a:fontRef>
+        </p:style>
+        <p:txBody>
+          <a:bodyPr rtlCol="0" anchor="ctr"/>
+          <a:lstStyle/>
+          <a:p>
+            <a:pPr algn="ctr"/>
+            <a:r>
+              <a:rPr lang="de-DE" sz="3070" i="1" dirty="0" err="1" smtClean="0">
+                <a:solidFill>
+                  <a:schemeClr val="tx1"/>
+                </a:solidFill>
+              </a:rPr>
+              <a:t>Extraction</a:t>
+            </a:r>
+            <a:r>
+              <a:rPr lang="de-DE" sz="3070" i="1" dirty="0" smtClean="0">
+                <a:solidFill>
+                  <a:schemeClr val="tx1"/>
+                </a:solidFill>
+              </a:rPr>
+              <a:t> /</a:t>
+            </a:r>
+            <a:r>
+              <a:rPr lang="de-DE" sz="3070" i="1" dirty="0" err="1" smtClean="0">
+                <a:solidFill>
+                  <a:schemeClr val="tx1"/>
+                </a:solidFill>
+              </a:rPr>
+              <a:t>injection</a:t>
+            </a:r>
+            <a:r>
+              <a:rPr lang="de-DE" sz="3070" i="1" dirty="0" smtClean="0">
+                <a:solidFill>
+                  <a:schemeClr val="tx1"/>
+                </a:solidFill>
+              </a:rPr>
+              <a:t> </a:t>
+            </a:r>
+            <a:r>
+              <a:rPr lang="de-DE" sz="3070" i="1" dirty="0" err="1" smtClean="0">
+                <a:solidFill>
+                  <a:schemeClr val="tx1"/>
+                </a:solidFill>
+              </a:rPr>
+              <a:t>kicker</a:t>
+            </a:r>
+            <a:endParaRPr lang="de-DE" sz="3070" i="1" dirty="0">
+              <a:solidFill>
+                <a:schemeClr val="tx1"/>
+              </a:solidFill>
+            </a:endParaRPr>
           </a:p>
         </p:txBody>
       </p:sp>
       <p:cxnSp>
         <p:nvCxnSpPr>
-          <p:cNvPr id="6" name="Gerade Verbindung mit Pfeil 5"/>
+          <p:cNvPr id="16" name="Gerade Verbindung mit Pfeil 15"/>
+          <p:cNvCxnSpPr>
+            <a:endCxn id="15" idx="2"/>
+          </p:cNvCxnSpPr>
+          <p:nvPr/>
+        </p:nvCxnSpPr>
+        <p:spPr>
+          <a:xfrm flipV="1">
+            <a:off x="2971800" y="1768475"/>
+            <a:ext cx="8890" cy="394335"/>
+          </a:xfrm>
+          <a:prstGeom prst="straightConnector1">
+            <a:avLst/>
+          </a:prstGeom>
+          <a:ln w="44450">
+            <a:solidFill>
+              <a:schemeClr val="tx1"/>
+            </a:solidFill>
+            <a:prstDash val="sysDash"/>
+            <a:tailEnd type="triangle"/>
+          </a:ln>
+        </p:spPr>
+        <p:style>
+          <a:lnRef idx="1">
+            <a:schemeClr val="accent1"/>
+          </a:lnRef>
+          <a:fillRef idx="0">
+            <a:schemeClr val="accent1"/>
+          </a:fillRef>
+          <a:effectRef idx="0">
+            <a:schemeClr val="accent1"/>
+          </a:effectRef>
+          <a:fontRef idx="minor">
+            <a:schemeClr val="tx1"/>
+          </a:fontRef>
+        </p:style>
+      </p:cxnSp>
+      <p:sp>
+        <p:nvSpPr>
+          <p:cNvPr id="17" name="Rechteck 16"/>
+          <p:cNvSpPr/>
+          <p:nvPr/>
+        </p:nvSpPr>
+        <p:spPr>
+          <a:xfrm>
+            <a:off x="3543188" y="1446628"/>
+            <a:ext cx="1952041" cy="1077588"/>
+          </a:xfrm>
+          <a:prstGeom prst="rect">
+            <a:avLst/>
+          </a:prstGeom>
+          <a:solidFill>
+            <a:schemeClr val="bg1"/>
+          </a:solidFill>
+        </p:spPr>
+        <p:style>
+          <a:lnRef idx="2">
+            <a:schemeClr val="accent1">
+              <a:shade val="50000"/>
+            </a:schemeClr>
+          </a:lnRef>
+          <a:fillRef idx="1">
+            <a:schemeClr val="accent1"/>
+          </a:fillRef>
+          <a:effectRef idx="0">
+            <a:schemeClr val="accent1"/>
+          </a:effectRef>
+          <a:fontRef idx="minor">
+            <a:schemeClr val="lt1"/>
+          </a:fontRef>
+        </p:style>
+        <p:txBody>
+          <a:bodyPr rtlCol="0" anchor="ctr"/>
+          <a:lstStyle/>
+          <a:p>
+            <a:pPr algn="ctr"/>
+            <a:r>
+              <a:rPr lang="de-DE" sz="3070" i="1" dirty="0" smtClean="0">
+                <a:solidFill>
+                  <a:schemeClr val="tx1"/>
+                </a:solidFill>
+              </a:rPr>
+              <a:t>Emergency </a:t>
+            </a:r>
+            <a:r>
+              <a:rPr lang="de-DE" sz="3070" i="1" dirty="0" err="1" smtClean="0">
+                <a:solidFill>
+                  <a:schemeClr val="tx1"/>
+                </a:solidFill>
+              </a:rPr>
+              <a:t>kicker</a:t>
+            </a:r>
+            <a:endParaRPr lang="de-DE" sz="3070" i="1" dirty="0">
+              <a:solidFill>
+                <a:schemeClr val="tx1"/>
+              </a:solidFill>
+            </a:endParaRPr>
+          </a:p>
+        </p:txBody>
+      </p:sp>
+      <p:sp>
+        <p:nvSpPr>
+          <p:cNvPr id="19" name="Rechteck 18"/>
+          <p:cNvSpPr/>
+          <p:nvPr/>
+        </p:nvSpPr>
+        <p:spPr>
+          <a:xfrm>
+            <a:off x="1356892" y="1990777"/>
+            <a:ext cx="1074663" cy="533224"/>
+          </a:xfrm>
+          <a:prstGeom prst="rect">
+            <a:avLst/>
+          </a:prstGeom>
+          <a:solidFill>
+            <a:schemeClr val="bg1"/>
+          </a:solidFill>
+        </p:spPr>
+        <p:style>
+          <a:lnRef idx="2">
+            <a:schemeClr val="accent1">
+              <a:shade val="50000"/>
+            </a:schemeClr>
+          </a:lnRef>
+          <a:fillRef idx="1">
+            <a:schemeClr val="accent1"/>
+          </a:fillRef>
+          <a:effectRef idx="0">
+            <a:schemeClr val="accent1"/>
+          </a:effectRef>
+          <a:fontRef idx="minor">
+            <a:schemeClr val="lt1"/>
+          </a:fontRef>
+        </p:style>
+        <p:txBody>
+          <a:bodyPr rtlCol="0" anchor="ctr"/>
+          <a:lstStyle/>
+          <a:p>
+            <a:pPr algn="ctr"/>
+            <a:r>
+              <a:rPr lang="de-DE" sz="3070" i="1" dirty="0" smtClean="0">
+                <a:solidFill>
+                  <a:schemeClr val="tx1"/>
+                </a:solidFill>
+              </a:rPr>
+              <a:t>SR</a:t>
+            </a:r>
+            <a:endParaRPr lang="de-DE" sz="3070" i="1" dirty="0">
+              <a:solidFill>
+                <a:schemeClr val="tx1"/>
+              </a:solidFill>
+            </a:endParaRPr>
+          </a:p>
+        </p:txBody>
+      </p:sp>
+      <p:cxnSp>
+        <p:nvCxnSpPr>
+          <p:cNvPr id="30" name="Gerade Verbindung mit Pfeil 29"/>
+          <p:cNvCxnSpPr>
+            <a:endCxn id="19" idx="2"/>
+          </p:cNvCxnSpPr>
+          <p:nvPr/>
+        </p:nvCxnSpPr>
+        <p:spPr>
+          <a:xfrm flipV="1">
+            <a:off x="1883410" y="2524125"/>
+            <a:ext cx="10795" cy="382270"/>
+          </a:xfrm>
+          <a:prstGeom prst="straightConnector1">
+            <a:avLst/>
+          </a:prstGeom>
+          <a:ln w="44450">
+            <a:solidFill>
+              <a:schemeClr val="tx1"/>
+            </a:solidFill>
+            <a:tailEnd type="triangle"/>
+          </a:ln>
+        </p:spPr>
+        <p:style>
+          <a:lnRef idx="1">
+            <a:schemeClr val="accent1"/>
+          </a:lnRef>
+          <a:fillRef idx="0">
+            <a:schemeClr val="accent1"/>
+          </a:fillRef>
+          <a:effectRef idx="0">
+            <a:schemeClr val="accent1"/>
+          </a:effectRef>
+          <a:fontRef idx="minor">
+            <a:schemeClr val="tx1"/>
+          </a:fontRef>
+        </p:style>
+      </p:cxnSp>
+      <p:cxnSp>
+        <p:nvCxnSpPr>
+          <p:cNvPr id="2" name="Gerade Verbindung mit Pfeil 28"/>
           <p:cNvCxnSpPr/>
           <p:nvPr/>
         </p:nvCxnSpPr>
         <p:spPr>
-          <a:xfrm>
-            <a:off x="3284339" y="5517134"/>
-            <a:ext cx="0" cy="12731"/>
+          <a:xfrm flipV="1">
+            <a:off x="1801032" y="4398777"/>
+            <a:ext cx="0" cy="512712"/>
           </a:xfrm>
           <a:prstGeom prst="straightConnector1">
             <a:avLst/>
@@ -4746,14 +5165,14 @@
       </p:cxnSp>
       <p:cxnSp>
         <p:nvCxnSpPr>
-          <p:cNvPr id="7" name="Gerade Verbindung mit Pfeil 6"/>
+          <p:cNvPr id="3" name="Gerade Verbindung mit Pfeil 29"/>
           <p:cNvCxnSpPr/>
           <p:nvPr/>
         </p:nvCxnSpPr>
         <p:spPr>
-          <a:xfrm>
-            <a:off x="3453992" y="5531510"/>
-            <a:ext cx="0" cy="12731"/>
+          <a:xfrm flipV="1">
+            <a:off x="1986893" y="4414526"/>
+            <a:ext cx="0" cy="512712"/>
           </a:xfrm>
           <a:prstGeom prst="straightConnector1">
             <a:avLst/>
@@ -4780,73 +5199,84 @@
           </a:fontRef>
         </p:style>
       </p:cxnSp>
-      <p:sp>
-        <p:nvSpPr>
-          <p:cNvPr id="10" name="Rechteck 9"/>
-          <p:cNvSpPr/>
+      <p:cxnSp>
+        <p:nvCxnSpPr>
+          <p:cNvPr id="20" name="Gerade Verbindung mit Pfeil 15"/>
+          <p:cNvCxnSpPr/>
           <p:nvPr/>
-        </p:nvSpPr>
+        </p:nvCxnSpPr>
         <p:spPr>
           <a:xfrm>
-            <a:off x="3050369" y="3708233"/>
-            <a:ext cx="982643" cy="1364817"/>
-          </a:xfrm>
-          <a:prstGeom prst="rect">
+            <a:off x="2971800" y="2137410"/>
+            <a:ext cx="571500" cy="635"/>
+          </a:xfrm>
+          <a:prstGeom prst="straightConnector1">
             <a:avLst/>
           </a:prstGeom>
-          <a:solidFill>
-            <a:schemeClr val="bg2">
-              <a:lumMod val="90000"/>
-            </a:schemeClr>
-          </a:solidFill>
+          <a:ln w="44450">
+            <a:solidFill>
+              <a:schemeClr val="tx1"/>
+            </a:solidFill>
+            <a:prstDash val="sysDash"/>
+            <a:tailEnd type="triangle"/>
+          </a:ln>
         </p:spPr>
         <p:style>
-          <a:lnRef idx="2">
-            <a:schemeClr val="accent1">
-              <a:shade val="50000"/>
-            </a:schemeClr>
+          <a:lnRef idx="1">
+            <a:schemeClr val="accent1"/>
           </a:lnRef>
-          <a:fillRef idx="1">
+          <a:fillRef idx="0">
             <a:schemeClr val="accent1"/>
           </a:fillRef>
           <a:effectRef idx="0">
             <a:schemeClr val="accent1"/>
           </a:effectRef>
           <a:fontRef idx="minor">
-            <a:schemeClr val="lt1"/>
+            <a:schemeClr val="tx1"/>
           </a:fontRef>
         </p:style>
-        <p:txBody>
-          <a:bodyPr rtlCol="0" anchor="ctr"/>
-          <a:lstStyle/>
-          <a:p>
-            <a:pPr algn="ctr"/>
-            <a:r>
-              <a:rPr lang="de-DE" sz="2800" i="1" dirty="0" smtClean="0">
-                <a:solidFill>
-                  <a:schemeClr val="tx1"/>
-                </a:solidFill>
-              </a:rPr>
-              <a:t>PCM</a:t>
-            </a:r>
-            <a:endParaRPr lang="de-DE" sz="2800" i="1" dirty="0">
-              <a:solidFill>
-                <a:schemeClr val="tx1"/>
-              </a:solidFill>
-            </a:endParaRPr>
-          </a:p>
-        </p:txBody>
-      </p:sp>
-      <p:sp>
-        <p:nvSpPr>
-          <p:cNvPr id="11" name="Textfeld 10"/>
+      </p:cxnSp>
+      <p:cxnSp>
+        <p:nvCxnSpPr>
+          <p:cNvPr id="21" name="直接连接符 20"/>
+          <p:cNvCxnSpPr/>
+          <p:nvPr/>
+        </p:nvCxnSpPr>
+        <p:spPr>
+          <a:xfrm flipH="1">
+            <a:off x="2967990" y="2200910"/>
+            <a:ext cx="3810" cy="692150"/>
+          </a:xfrm>
+          <a:prstGeom prst="line">
+            <a:avLst/>
+          </a:prstGeom>
+          <a:ln w="38100"/>
+        </p:spPr>
+        <p:style>
+          <a:lnRef idx="3">
+            <a:schemeClr val="dk1"/>
+          </a:lnRef>
+          <a:fillRef idx="0">
+            <a:schemeClr val="dk1"/>
+          </a:fillRef>
+          <a:effectRef idx="2">
+            <a:schemeClr val="dk1"/>
+          </a:effectRef>
+          <a:fontRef idx="minor">
+            <a:schemeClr val="tx1"/>
+          </a:fontRef>
+        </p:style>
+      </p:cxnSp>
+      <p:sp>
+        <p:nvSpPr>
+          <p:cNvPr id="22" name="Textfeld 10"/>
           <p:cNvSpPr txBox="1"/>
           <p:nvPr/>
         </p:nvSpPr>
         <p:spPr>
           <a:xfrm>
-            <a:off x="2459016" y="5565219"/>
-            <a:ext cx="3335560" cy="474224"/>
+            <a:off x="2997200" y="1667510"/>
+            <a:ext cx="551815" cy="495300"/>
           </a:xfrm>
           <a:prstGeom prst="rect">
             <a:avLst/>
@@ -4857,10 +5287,9 @@
           <a:bodyPr wrap="square" rtlCol="0">
             <a:spAutoFit/>
           </a:bodyPr>
-          <a:lstStyle/>
-          <a:p>
-            <a:r>
-              <a:rPr lang="de-DE" sz="2400" i="1" dirty="0" err="1" smtClean="0">
+          <a:p>
+            <a:r>
+              <a:rPr lang="en-US" altLang="de-DE" sz="2630" i="1" dirty="0" err="1" smtClean="0">
                 <a:effectLst>
                   <a:outerShdw blurRad="38100" dist="38100" dir="2700000" algn="tl">
                     <a:srgbClr val="000000">
@@ -4869,21 +5298,9 @@
                   </a:outerShdw>
                 </a:effectLst>
               </a:rPr>
-              <a:t>BuTiS</a:t>
-            </a:r>
-            <a:r>
-              <a:rPr lang="de-DE" sz="2400" i="1" dirty="0" smtClean="0">
-                <a:effectLst>
-                  <a:outerShdw blurRad="38100" dist="38100" dir="2700000" algn="tl">
-                    <a:srgbClr val="000000">
-                      <a:alpha val="43137"/>
-                    </a:srgbClr>
-                  </a:outerShdw>
-                </a:effectLst>
-              </a:rPr>
-              <a:t> C2 T0</a:t>
-            </a:r>
-            <a:endParaRPr lang="de-DE" sz="2400" i="1" dirty="0">
+              <a:t>or</a:t>
+            </a:r>
+            <a:endParaRPr lang="en-US" altLang="de-DE" sz="2630" i="1" dirty="0">
               <a:effectLst>
                 <a:outerShdw blurRad="38100" dist="38100" dir="2700000" algn="tl">
                   <a:srgbClr val="000000">
@@ -4895,495 +5312,7 @@
           </a:p>
         </p:txBody>
       </p:sp>
-      <p:sp>
-        <p:nvSpPr>
-          <p:cNvPr id="13" name="Rechteck 12"/>
-          <p:cNvSpPr/>
-          <p:nvPr/>
-        </p:nvSpPr>
-        <p:spPr>
-          <a:xfrm>
-            <a:off x="4053307" y="3708233"/>
-            <a:ext cx="982643" cy="1364817"/>
-          </a:xfrm>
-          <a:prstGeom prst="rect">
-            <a:avLst/>
-          </a:prstGeom>
-          <a:solidFill>
-            <a:schemeClr val="bg1"/>
-          </a:solidFill>
-        </p:spPr>
-        <p:style>
-          <a:lnRef idx="2">
-            <a:schemeClr val="accent1">
-              <a:shade val="50000"/>
-            </a:schemeClr>
-          </a:lnRef>
-          <a:fillRef idx="1">
-            <a:schemeClr val="accent1"/>
-          </a:fillRef>
-          <a:effectRef idx="0">
-            <a:schemeClr val="accent1"/>
-          </a:effectRef>
-          <a:fontRef idx="minor">
-            <a:schemeClr val="lt1"/>
-          </a:fontRef>
-        </p:style>
-        <p:txBody>
-          <a:bodyPr rtlCol="0" anchor="ctr"/>
-          <a:lstStyle/>
-          <a:p>
-            <a:pPr algn="ctr"/>
-            <a:r>
-              <a:rPr lang="de-DE" sz="2800" i="1" dirty="0" smtClean="0">
-                <a:solidFill>
-                  <a:schemeClr val="tx1"/>
-                </a:solidFill>
-              </a:rPr>
-              <a:t>TD</a:t>
-            </a:r>
-            <a:endParaRPr lang="de-DE" sz="2800" i="1" dirty="0">
-              <a:solidFill>
-                <a:schemeClr val="tx1"/>
-              </a:solidFill>
-            </a:endParaRPr>
-          </a:p>
-        </p:txBody>
-      </p:sp>
-      <p:sp>
-        <p:nvSpPr>
-          <p:cNvPr id="14" name="Rechteck 13"/>
-          <p:cNvSpPr/>
-          <p:nvPr/>
-        </p:nvSpPr>
-        <p:spPr>
-          <a:xfrm>
-            <a:off x="6527664" y="3720461"/>
-            <a:ext cx="982643" cy="1364817"/>
-          </a:xfrm>
-          <a:prstGeom prst="rect">
-            <a:avLst/>
-          </a:prstGeom>
-          <a:solidFill>
-            <a:schemeClr val="bg1"/>
-          </a:solidFill>
-        </p:spPr>
-        <p:style>
-          <a:lnRef idx="2">
-            <a:schemeClr val="accent1">
-              <a:shade val="50000"/>
-            </a:schemeClr>
-          </a:lnRef>
-          <a:fillRef idx="1">
-            <a:schemeClr val="accent1"/>
-          </a:fillRef>
-          <a:effectRef idx="0">
-            <a:schemeClr val="accent1"/>
-          </a:effectRef>
-          <a:fontRef idx="minor">
-            <a:schemeClr val="lt1"/>
-          </a:fontRef>
-        </p:style>
-        <p:txBody>
-          <a:bodyPr rtlCol="0" anchor="ctr"/>
-          <a:lstStyle/>
-          <a:p>
-            <a:pPr algn="ctr"/>
-            <a:r>
-              <a:rPr lang="de-DE" sz="2800" i="1" dirty="0" smtClean="0">
-                <a:solidFill>
-                  <a:schemeClr val="tx1"/>
-                </a:solidFill>
-              </a:rPr>
-              <a:t>TD</a:t>
-            </a:r>
-            <a:endParaRPr lang="de-DE" sz="2800" i="1" dirty="0">
-              <a:solidFill>
-                <a:schemeClr val="tx1"/>
-              </a:solidFill>
-            </a:endParaRPr>
-          </a:p>
-        </p:txBody>
-      </p:sp>
-      <p:sp>
-        <p:nvSpPr>
-          <p:cNvPr id="15" name="Rechteck 14"/>
-          <p:cNvSpPr/>
-          <p:nvPr/>
-        </p:nvSpPr>
-        <p:spPr>
-          <a:xfrm>
-            <a:off x="3601323" y="839077"/>
-            <a:ext cx="1648602" cy="1697474"/>
-          </a:xfrm>
-          <a:prstGeom prst="rect">
-            <a:avLst/>
-          </a:prstGeom>
-          <a:solidFill>
-            <a:schemeClr val="bg1"/>
-          </a:solidFill>
-        </p:spPr>
-        <p:style>
-          <a:lnRef idx="2">
-            <a:schemeClr val="accent1">
-              <a:shade val="50000"/>
-            </a:schemeClr>
-          </a:lnRef>
-          <a:fillRef idx="1">
-            <a:schemeClr val="accent1"/>
-          </a:fillRef>
-          <a:effectRef idx="0">
-            <a:schemeClr val="accent1"/>
-          </a:effectRef>
-          <a:fontRef idx="minor">
-            <a:schemeClr val="lt1"/>
-          </a:fontRef>
-        </p:style>
-        <p:txBody>
-          <a:bodyPr rtlCol="0" anchor="ctr"/>
-          <a:lstStyle/>
-          <a:p>
-            <a:pPr algn="ctr"/>
-            <a:r>
-              <a:rPr lang="de-DE" sz="2800" i="1" dirty="0" err="1" smtClean="0">
-                <a:solidFill>
-                  <a:schemeClr val="tx1"/>
-                </a:solidFill>
-              </a:rPr>
-              <a:t>Extraction</a:t>
-            </a:r>
-            <a:r>
-              <a:rPr lang="de-DE" sz="2800" i="1" dirty="0" smtClean="0">
-                <a:solidFill>
-                  <a:schemeClr val="tx1"/>
-                </a:solidFill>
-              </a:rPr>
-              <a:t> /</a:t>
-            </a:r>
-            <a:r>
-              <a:rPr lang="de-DE" sz="2800" i="1" dirty="0" err="1" smtClean="0">
-                <a:solidFill>
-                  <a:schemeClr val="tx1"/>
-                </a:solidFill>
-              </a:rPr>
-              <a:t>injection</a:t>
-            </a:r>
-            <a:r>
-              <a:rPr lang="de-DE" sz="2800" i="1" dirty="0" smtClean="0">
-                <a:solidFill>
-                  <a:schemeClr val="tx1"/>
-                </a:solidFill>
-              </a:rPr>
-              <a:t> </a:t>
-            </a:r>
-            <a:r>
-              <a:rPr lang="de-DE" sz="2800" i="1" dirty="0" err="1" smtClean="0">
-                <a:solidFill>
-                  <a:schemeClr val="tx1"/>
-                </a:solidFill>
-              </a:rPr>
-              <a:t>kicker</a:t>
-            </a:r>
-            <a:endParaRPr lang="de-DE" sz="2800" i="1" dirty="0">
-              <a:solidFill>
-                <a:schemeClr val="tx1"/>
-              </a:solidFill>
-            </a:endParaRPr>
-          </a:p>
-        </p:txBody>
-      </p:sp>
-      <p:cxnSp>
-        <p:nvCxnSpPr>
-          <p:cNvPr id="16" name="Gerade Verbindung mit Pfeil 15"/>
-          <p:cNvCxnSpPr>
-            <a:stCxn id="13" idx="0"/>
-          </p:cNvCxnSpPr>
-          <p:nvPr/>
-        </p:nvCxnSpPr>
-        <p:spPr>
-          <a:xfrm flipV="1">
-            <a:off x="4544629" y="2536551"/>
-            <a:ext cx="24588" cy="1171682"/>
-          </a:xfrm>
-          <a:prstGeom prst="straightConnector1">
-            <a:avLst/>
-          </a:prstGeom>
-          <a:ln w="44450">
-            <a:solidFill>
-              <a:schemeClr val="tx1"/>
-            </a:solidFill>
-            <a:tailEnd type="triangle"/>
-          </a:ln>
-        </p:spPr>
-        <p:style>
-          <a:lnRef idx="1">
-            <a:schemeClr val="accent1"/>
-          </a:lnRef>
-          <a:fillRef idx="0">
-            <a:schemeClr val="accent1"/>
-          </a:fillRef>
-          <a:effectRef idx="0">
-            <a:schemeClr val="accent1"/>
-          </a:effectRef>
-          <a:fontRef idx="minor">
-            <a:schemeClr val="tx1"/>
-          </a:fontRef>
-        </p:style>
-      </p:cxnSp>
-      <p:sp>
-        <p:nvSpPr>
-          <p:cNvPr id="17" name="Rechteck 16"/>
-          <p:cNvSpPr/>
-          <p:nvPr/>
-        </p:nvSpPr>
-        <p:spPr>
-          <a:xfrm>
-            <a:off x="6125741" y="839077"/>
-            <a:ext cx="1781887" cy="1697474"/>
-          </a:xfrm>
-          <a:prstGeom prst="rect">
-            <a:avLst/>
-          </a:prstGeom>
-          <a:solidFill>
-            <a:schemeClr val="bg1"/>
-          </a:solidFill>
-        </p:spPr>
-        <p:style>
-          <a:lnRef idx="2">
-            <a:schemeClr val="accent1">
-              <a:shade val="50000"/>
-            </a:schemeClr>
-          </a:lnRef>
-          <a:fillRef idx="1">
-            <a:schemeClr val="accent1"/>
-          </a:fillRef>
-          <a:effectRef idx="0">
-            <a:schemeClr val="accent1"/>
-          </a:effectRef>
-          <a:fontRef idx="minor">
-            <a:schemeClr val="lt1"/>
-          </a:fontRef>
-        </p:style>
-        <p:txBody>
-          <a:bodyPr rtlCol="0" anchor="ctr"/>
-          <a:lstStyle/>
-          <a:p>
-            <a:pPr algn="ctr"/>
-            <a:r>
-              <a:rPr lang="de-DE" sz="2800" i="1" dirty="0" smtClean="0">
-                <a:solidFill>
-                  <a:schemeClr val="tx1"/>
-                </a:solidFill>
-              </a:rPr>
-              <a:t>Emergency </a:t>
-            </a:r>
-            <a:r>
-              <a:rPr lang="de-DE" sz="2800" i="1" dirty="0" err="1" smtClean="0">
-                <a:solidFill>
-                  <a:schemeClr val="tx1"/>
-                </a:solidFill>
-              </a:rPr>
-              <a:t>kicker</a:t>
-            </a:r>
-            <a:endParaRPr lang="de-DE" sz="2800" i="1" dirty="0">
-              <a:solidFill>
-                <a:schemeClr val="tx1"/>
-              </a:solidFill>
-            </a:endParaRPr>
-          </a:p>
-        </p:txBody>
-      </p:sp>
-      <p:cxnSp>
-        <p:nvCxnSpPr>
-          <p:cNvPr id="18" name="Gerade Verbindung mit Pfeil 17"/>
-          <p:cNvCxnSpPr>
-            <a:stCxn id="14" idx="0"/>
-            <a:endCxn id="17" idx="2"/>
-          </p:cNvCxnSpPr>
-          <p:nvPr/>
-        </p:nvCxnSpPr>
-        <p:spPr>
-          <a:xfrm flipH="1" flipV="1">
-            <a:off x="7016685" y="2536551"/>
-            <a:ext cx="2301" cy="1183910"/>
-          </a:xfrm>
-          <a:prstGeom prst="straightConnector1">
-            <a:avLst/>
-          </a:prstGeom>
-          <a:ln w="44450">
-            <a:solidFill>
-              <a:schemeClr val="tx1"/>
-            </a:solidFill>
-            <a:tailEnd type="triangle"/>
-          </a:ln>
-        </p:spPr>
-        <p:style>
-          <a:lnRef idx="1">
-            <a:schemeClr val="accent1"/>
-          </a:lnRef>
-          <a:fillRef idx="0">
-            <a:schemeClr val="accent1"/>
-          </a:fillRef>
-          <a:effectRef idx="0">
-            <a:schemeClr val="accent1"/>
-          </a:effectRef>
-          <a:fontRef idx="minor">
-            <a:schemeClr val="tx1"/>
-          </a:fontRef>
-        </p:style>
-      </p:cxnSp>
-      <p:sp>
-        <p:nvSpPr>
-          <p:cNvPr id="19" name="Rechteck 18"/>
-          <p:cNvSpPr/>
-          <p:nvPr/>
-        </p:nvSpPr>
-        <p:spPr>
-          <a:xfrm>
-            <a:off x="3050369" y="2736704"/>
-            <a:ext cx="980945" cy="486723"/>
-          </a:xfrm>
-          <a:prstGeom prst="rect">
-            <a:avLst/>
-          </a:prstGeom>
-          <a:solidFill>
-            <a:schemeClr val="bg1"/>
-          </a:solidFill>
-        </p:spPr>
-        <p:style>
-          <a:lnRef idx="2">
-            <a:schemeClr val="accent1">
-              <a:shade val="50000"/>
-            </a:schemeClr>
-          </a:lnRef>
-          <a:fillRef idx="1">
-            <a:schemeClr val="accent1"/>
-          </a:fillRef>
-          <a:effectRef idx="0">
-            <a:schemeClr val="accent1"/>
-          </a:effectRef>
-          <a:fontRef idx="minor">
-            <a:schemeClr val="lt1"/>
-          </a:fontRef>
-        </p:style>
-        <p:txBody>
-          <a:bodyPr rtlCol="0" anchor="ctr"/>
-          <a:lstStyle/>
-          <a:p>
-            <a:pPr algn="ctr"/>
-            <a:r>
-              <a:rPr lang="de-DE" sz="2800" i="1" dirty="0" smtClean="0">
-                <a:solidFill>
-                  <a:schemeClr val="tx1"/>
-                </a:solidFill>
-              </a:rPr>
-              <a:t>SR</a:t>
-            </a:r>
-            <a:endParaRPr lang="de-DE" sz="2800" i="1" dirty="0">
-              <a:solidFill>
-                <a:schemeClr val="tx1"/>
-              </a:solidFill>
-            </a:endParaRPr>
-          </a:p>
-        </p:txBody>
-      </p:sp>
-      <p:sp>
-        <p:nvSpPr>
-          <p:cNvPr id="29" name="Rechteck 28"/>
-          <p:cNvSpPr/>
-          <p:nvPr/>
-        </p:nvSpPr>
-        <p:spPr>
-          <a:xfrm>
-            <a:off x="5460161" y="2736704"/>
-            <a:ext cx="980945" cy="486723"/>
-          </a:xfrm>
-          <a:prstGeom prst="rect">
-            <a:avLst/>
-          </a:prstGeom>
-          <a:solidFill>
-            <a:schemeClr val="bg1"/>
-          </a:solidFill>
-        </p:spPr>
-        <p:style>
-          <a:lnRef idx="2">
-            <a:schemeClr val="accent1">
-              <a:shade val="50000"/>
-            </a:schemeClr>
-          </a:lnRef>
-          <a:fillRef idx="1">
-            <a:schemeClr val="accent1"/>
-          </a:fillRef>
-          <a:effectRef idx="0">
-            <a:schemeClr val="accent1"/>
-          </a:effectRef>
-          <a:fontRef idx="minor">
-            <a:schemeClr val="lt1"/>
-          </a:fontRef>
-        </p:style>
-        <p:txBody>
-          <a:bodyPr rtlCol="0" anchor="ctr"/>
-          <a:lstStyle/>
-          <a:p>
-            <a:pPr algn="ctr"/>
-            <a:r>
-              <a:rPr lang="de-DE" sz="2800" i="1" dirty="0" smtClean="0">
-                <a:solidFill>
-                  <a:schemeClr val="tx1"/>
-                </a:solidFill>
-              </a:rPr>
-              <a:t>SR</a:t>
-            </a:r>
-            <a:endParaRPr lang="de-DE" sz="2800" i="1" dirty="0">
-              <a:solidFill>
-                <a:schemeClr val="tx1"/>
-              </a:solidFill>
-            </a:endParaRPr>
-          </a:p>
-        </p:txBody>
-      </p:sp>
-      <p:cxnSp>
-        <p:nvCxnSpPr>
-          <p:cNvPr id="30" name="Gerade Verbindung mit Pfeil 29"/>
-          <p:cNvCxnSpPr/>
-          <p:nvPr/>
-        </p:nvCxnSpPr>
-        <p:spPr>
-          <a:xfrm flipV="1">
-            <a:off x="3530854" y="3220065"/>
-            <a:ext cx="0" cy="500396"/>
-          </a:xfrm>
-          <a:prstGeom prst="straightConnector1">
-            <a:avLst/>
-          </a:prstGeom>
-          <a:ln w="44450">
-            <a:solidFill>
-              <a:schemeClr val="tx1"/>
-            </a:solidFill>
-            <a:tailEnd type="triangle"/>
-          </a:ln>
-        </p:spPr>
-        <p:style>
-          <a:lnRef idx="1">
-            <a:schemeClr val="accent1"/>
-          </a:lnRef>
-          <a:fillRef idx="0">
-            <a:schemeClr val="accent1"/>
-          </a:fillRef>
-          <a:effectRef idx="0">
-            <a:schemeClr val="accent1"/>
-          </a:effectRef>
-          <a:fontRef idx="minor">
-            <a:schemeClr val="tx1"/>
-          </a:fontRef>
-        </p:style>
-      </p:cxnSp>
     </p:spTree>
-    <p:extLst>
-      <p:ext uri="{BB962C8B-B14F-4D97-AF65-F5344CB8AC3E}">
-        <p14:creationId xmlns:p14="http://schemas.microsoft.com/office/powerpoint/2010/main" val="3771297183"/>
-      </p:ext>
-    </p:extLst>
   </p:cSld>
   <p:clrMapOvr>
     <a:masterClrMapping/>
@@ -5441,7 +5370,7 @@
     </a:clrScheme>
     <a:fontScheme name="Office">
       <a:majorFont>
-        <a:latin typeface="Calibri Light" panose="020F0302020204030204"/>
+        <a:latin typeface="Calibri Light"/>
         <a:ea typeface=""/>
         <a:cs typeface=""/>
         <a:font script="Jpan" typeface="ＭＳ Ｐゴシック"/>
@@ -5476,7 +5405,7 @@
         <a:font script="Geor" typeface="Sylfaen"/>
       </a:majorFont>
       <a:minorFont>
-        <a:latin typeface="Calibri" panose="020F0502020204030204"/>
+        <a:latin typeface="Calibri"/>
         <a:ea typeface=""/>
         <a:cs typeface=""/>
         <a:font script="Jpan" typeface="ＭＳ Ｐゴシック"/>

--- a/images/functonality.pptx
+++ b/images/functonality.pptx
@@ -10,7 +10,7 @@
     <p:sldId id="259" r:id="rId5"/>
     <p:sldId id="257" r:id="rId6"/>
   </p:sldIdLst>
-  <p:sldSz cx="6858000" cy="5353050"/>
+  <p:sldSz cx="7937500" cy="4632960"/>
   <p:notesSz cx="9144000" cy="6858000"/>
   <p:defaultTextStyle>
     <a:defPPr>
@@ -139,15 +139,15 @@
         </p:nvSpPr>
         <p:spPr>
           <a:xfrm>
-            <a:off x="857250" y="876333"/>
-            <a:ext cx="5143500" cy="1864222"/>
+            <a:off x="992250" y="758488"/>
+            <a:ext cx="5953500" cy="1613531"/>
           </a:xfrm>
         </p:spPr>
         <p:txBody>
           <a:bodyPr anchor="b"/>
           <a:lstStyle>
             <a:lvl1pPr algn="ctr">
-              <a:defRPr sz="4500"/>
+              <a:defRPr sz="4055"/>
             </a:lvl1pPr>
           </a:lstStyle>
           <a:p>
@@ -171,8 +171,8 @@
         </p:nvSpPr>
         <p:spPr>
           <a:xfrm>
-            <a:off x="857250" y="2812447"/>
-            <a:ext cx="5143500" cy="1292808"/>
+            <a:off x="992250" y="2434244"/>
+            <a:ext cx="5953500" cy="1118958"/>
           </a:xfrm>
         </p:spPr>
         <p:txBody>
@@ -180,39 +180,39 @@
           <a:lstStyle>
             <a:lvl1pPr marL="0" indent="0" algn="ctr">
               <a:buNone/>
-              <a:defRPr sz="1800"/>
+              <a:defRPr sz="1620"/>
             </a:lvl1pPr>
-            <a:lvl2pPr marL="342900" indent="0" algn="ctr">
-              <a:buNone/>
-              <a:defRPr sz="1500"/>
+            <a:lvl2pPr marL="308610" indent="0" algn="ctr">
+              <a:buNone/>
+              <a:defRPr sz="1350"/>
             </a:lvl2pPr>
-            <a:lvl3pPr marL="685165" indent="0" algn="ctr">
-              <a:buNone/>
-              <a:defRPr sz="1345"/>
+            <a:lvl3pPr marL="617220" indent="0" algn="ctr">
+              <a:buNone/>
+              <a:defRPr sz="1210"/>
             </a:lvl3pPr>
-            <a:lvl4pPr marL="1029335" indent="0" algn="ctr">
-              <a:buNone/>
-              <a:defRPr sz="1205"/>
+            <a:lvl4pPr marL="927100" indent="0" algn="ctr">
+              <a:buNone/>
+              <a:defRPr sz="1085"/>
             </a:lvl4pPr>
-            <a:lvl5pPr marL="1371600" indent="0" algn="ctr">
-              <a:buNone/>
-              <a:defRPr sz="1205"/>
+            <a:lvl5pPr marL="1235710" indent="0" algn="ctr">
+              <a:buNone/>
+              <a:defRPr sz="1085"/>
             </a:lvl5pPr>
-            <a:lvl6pPr marL="1714500" indent="0" algn="ctr">
-              <a:buNone/>
-              <a:defRPr sz="1205"/>
+            <a:lvl6pPr marL="1544320" indent="0" algn="ctr">
+              <a:buNone/>
+              <a:defRPr sz="1085"/>
             </a:lvl6pPr>
-            <a:lvl7pPr marL="2057400" indent="0" algn="ctr">
-              <a:buNone/>
-              <a:defRPr sz="1205"/>
+            <a:lvl7pPr marL="1853565" indent="0" algn="ctr">
+              <a:buNone/>
+              <a:defRPr sz="1085"/>
             </a:lvl7pPr>
-            <a:lvl8pPr marL="2400935" indent="0" algn="ctr">
-              <a:buNone/>
-              <a:defRPr sz="1205"/>
+            <a:lvl8pPr marL="2162810" indent="0" algn="ctr">
+              <a:buNone/>
+              <a:defRPr sz="1085"/>
             </a:lvl8pPr>
-            <a:lvl9pPr marL="2743835" indent="0" algn="ctr">
-              <a:buNone/>
-              <a:defRPr sz="1205"/>
+            <a:lvl9pPr marL="2471420" indent="0" algn="ctr">
+              <a:buNone/>
+              <a:defRPr sz="1085"/>
             </a:lvl9pPr>
           </a:lstStyle>
           <a:p>
@@ -491,8 +491,8 @@
         </p:nvSpPr>
         <p:spPr>
           <a:xfrm>
-            <a:off x="4907756" y="285087"/>
-            <a:ext cx="1478756" cy="4537843"/>
+            <a:off x="5680631" y="246750"/>
+            <a:ext cx="1711631" cy="3927618"/>
           </a:xfrm>
         </p:spPr>
         <p:txBody>
@@ -519,8 +519,8 @@
         </p:nvSpPr>
         <p:spPr>
           <a:xfrm>
-            <a:off x="471488" y="285087"/>
-            <a:ext cx="4350544" cy="4537843"/>
+            <a:off x="545738" y="246750"/>
+            <a:ext cx="5035669" cy="3927618"/>
           </a:xfrm>
         </p:spPr>
         <p:txBody>
@@ -835,15 +835,15 @@
         </p:nvSpPr>
         <p:spPr>
           <a:xfrm>
-            <a:off x="467916" y="1334952"/>
-            <a:ext cx="5915025" cy="2227398"/>
+            <a:off x="541604" y="1155435"/>
+            <a:ext cx="6846525" cy="1927869"/>
           </a:xfrm>
         </p:spPr>
         <p:txBody>
           <a:bodyPr anchor="b"/>
           <a:lstStyle>
             <a:lvl1pPr>
-              <a:defRPr sz="4500"/>
+              <a:defRPr sz="4055"/>
             </a:lvl1pPr>
           </a:lstStyle>
           <a:p>
@@ -867,8 +867,8 @@
         </p:nvSpPr>
         <p:spPr>
           <a:xfrm>
-            <a:off x="467916" y="3583421"/>
-            <a:ext cx="5915025" cy="1171336"/>
+            <a:off x="541604" y="3101541"/>
+            <a:ext cx="6846525" cy="1013821"/>
           </a:xfrm>
         </p:spPr>
         <p:txBody>
@@ -876,7 +876,7 @@
           <a:lstStyle>
             <a:lvl1pPr marL="0" indent="0">
               <a:buNone/>
-              <a:defRPr sz="1800">
+              <a:defRPr sz="1620">
                 <a:solidFill>
                   <a:schemeClr val="tx1">
                     <a:tint val="75000"/>
@@ -884,9 +884,9 @@
                 </a:solidFill>
               </a:defRPr>
             </a:lvl1pPr>
-            <a:lvl2pPr marL="342900" indent="0">
-              <a:buNone/>
-              <a:defRPr sz="1500">
+            <a:lvl2pPr marL="308610" indent="0">
+              <a:buNone/>
+              <a:defRPr sz="1350">
                 <a:solidFill>
                   <a:schemeClr val="tx1">
                     <a:tint val="75000"/>
@@ -894,9 +894,9 @@
                 </a:solidFill>
               </a:defRPr>
             </a:lvl2pPr>
-            <a:lvl3pPr marL="685165" indent="0">
-              <a:buNone/>
-              <a:defRPr sz="1345">
+            <a:lvl3pPr marL="617220" indent="0">
+              <a:buNone/>
+              <a:defRPr sz="1210">
                 <a:solidFill>
                   <a:schemeClr val="tx1">
                     <a:tint val="75000"/>
@@ -904,9 +904,9 @@
                 </a:solidFill>
               </a:defRPr>
             </a:lvl3pPr>
-            <a:lvl4pPr marL="1029335" indent="0">
-              <a:buNone/>
-              <a:defRPr sz="1205">
+            <a:lvl4pPr marL="927100" indent="0">
+              <a:buNone/>
+              <a:defRPr sz="1085">
                 <a:solidFill>
                   <a:schemeClr val="tx1">
                     <a:tint val="75000"/>
@@ -914,9 +914,9 @@
                 </a:solidFill>
               </a:defRPr>
             </a:lvl4pPr>
-            <a:lvl5pPr marL="1371600" indent="0">
-              <a:buNone/>
-              <a:defRPr sz="1205">
+            <a:lvl5pPr marL="1235710" indent="0">
+              <a:buNone/>
+              <a:defRPr sz="1085">
                 <a:solidFill>
                   <a:schemeClr val="tx1">
                     <a:tint val="75000"/>
@@ -924,9 +924,9 @@
                 </a:solidFill>
               </a:defRPr>
             </a:lvl5pPr>
-            <a:lvl6pPr marL="1714500" indent="0">
-              <a:buNone/>
-              <a:defRPr sz="1205">
+            <a:lvl6pPr marL="1544320" indent="0">
+              <a:buNone/>
+              <a:defRPr sz="1085">
                 <a:solidFill>
                   <a:schemeClr val="tx1">
                     <a:tint val="75000"/>
@@ -934,9 +934,9 @@
                 </a:solidFill>
               </a:defRPr>
             </a:lvl6pPr>
-            <a:lvl7pPr marL="2057400" indent="0">
-              <a:buNone/>
-              <a:defRPr sz="1205">
+            <a:lvl7pPr marL="1853565" indent="0">
+              <a:buNone/>
+              <a:defRPr sz="1085">
                 <a:solidFill>
                   <a:schemeClr val="tx1">
                     <a:tint val="75000"/>
@@ -944,9 +944,9 @@
                 </a:solidFill>
               </a:defRPr>
             </a:lvl7pPr>
-            <a:lvl8pPr marL="2400935" indent="0">
-              <a:buNone/>
-              <a:defRPr sz="1205">
+            <a:lvl8pPr marL="2162810" indent="0">
+              <a:buNone/>
+              <a:defRPr sz="1085">
                 <a:solidFill>
                   <a:schemeClr val="tx1">
                     <a:tint val="75000"/>
@@ -954,9 +954,9 @@
                 </a:solidFill>
               </a:defRPr>
             </a:lvl8pPr>
-            <a:lvl9pPr marL="2743835" indent="0">
-              <a:buNone/>
-              <a:defRPr sz="1205">
+            <a:lvl9pPr marL="2471420" indent="0">
+              <a:buNone/>
+              <a:defRPr sz="1085">
                 <a:solidFill>
                   <a:schemeClr val="tx1">
                     <a:tint val="75000"/>
@@ -1098,8 +1098,8 @@
         </p:nvSpPr>
         <p:spPr>
           <a:xfrm>
-            <a:off x="471488" y="1425436"/>
-            <a:ext cx="2914650" cy="3397495"/>
+            <a:off x="545738" y="1233751"/>
+            <a:ext cx="3373650" cy="2940618"/>
           </a:xfrm>
         </p:spPr>
         <p:txBody>
@@ -1159,8 +1159,8 @@
         </p:nvSpPr>
         <p:spPr>
           <a:xfrm>
-            <a:off x="3471863" y="1425436"/>
-            <a:ext cx="2914650" cy="3397495"/>
+            <a:off x="4018613" y="1233751"/>
+            <a:ext cx="3373650" cy="2940618"/>
           </a:xfrm>
         </p:spPr>
         <p:txBody>
@@ -1308,8 +1308,8 @@
         </p:nvSpPr>
         <p:spPr>
           <a:xfrm>
-            <a:off x="472381" y="285087"/>
-            <a:ext cx="5915025" cy="1034991"/>
+            <a:off x="546772" y="246750"/>
+            <a:ext cx="6846525" cy="895811"/>
           </a:xfrm>
         </p:spPr>
         <p:txBody>
@@ -1336,8 +1336,8 @@
         </p:nvSpPr>
         <p:spPr>
           <a:xfrm>
-            <a:off x="472381" y="1312641"/>
-            <a:ext cx="2901255" cy="643305"/>
+            <a:off x="546772" y="1136124"/>
+            <a:ext cx="3358145" cy="556797"/>
           </a:xfrm>
         </p:spPr>
         <p:txBody>
@@ -1345,39 +1345,39 @@
           <a:lstStyle>
             <a:lvl1pPr marL="0" indent="0">
               <a:buNone/>
-              <a:defRPr sz="1800" b="1"/>
+              <a:defRPr sz="1620" b="1"/>
             </a:lvl1pPr>
-            <a:lvl2pPr marL="342900" indent="0">
-              <a:buNone/>
-              <a:defRPr sz="1500" b="1"/>
+            <a:lvl2pPr marL="308610" indent="0">
+              <a:buNone/>
+              <a:defRPr sz="1350" b="1"/>
             </a:lvl2pPr>
-            <a:lvl3pPr marL="685165" indent="0">
-              <a:buNone/>
-              <a:defRPr sz="1345" b="1"/>
+            <a:lvl3pPr marL="617220" indent="0">
+              <a:buNone/>
+              <a:defRPr sz="1210" b="1"/>
             </a:lvl3pPr>
-            <a:lvl4pPr marL="1029335" indent="0">
-              <a:buNone/>
-              <a:defRPr sz="1205" b="1"/>
+            <a:lvl4pPr marL="927100" indent="0">
+              <a:buNone/>
+              <a:defRPr sz="1085" b="1"/>
             </a:lvl4pPr>
-            <a:lvl5pPr marL="1371600" indent="0">
-              <a:buNone/>
-              <a:defRPr sz="1205" b="1"/>
+            <a:lvl5pPr marL="1235710" indent="0">
+              <a:buNone/>
+              <a:defRPr sz="1085" b="1"/>
             </a:lvl5pPr>
-            <a:lvl6pPr marL="1714500" indent="0">
-              <a:buNone/>
-              <a:defRPr sz="1205" b="1"/>
+            <a:lvl6pPr marL="1544320" indent="0">
+              <a:buNone/>
+              <a:defRPr sz="1085" b="1"/>
             </a:lvl6pPr>
-            <a:lvl7pPr marL="2057400" indent="0">
-              <a:buNone/>
-              <a:defRPr sz="1205" b="1"/>
+            <a:lvl7pPr marL="1853565" indent="0">
+              <a:buNone/>
+              <a:defRPr sz="1085" b="1"/>
             </a:lvl7pPr>
-            <a:lvl8pPr marL="2400935" indent="0">
-              <a:buNone/>
-              <a:defRPr sz="1205" b="1"/>
+            <a:lvl8pPr marL="2162810" indent="0">
+              <a:buNone/>
+              <a:defRPr sz="1085" b="1"/>
             </a:lvl8pPr>
-            <a:lvl9pPr marL="2743835" indent="0">
-              <a:buNone/>
-              <a:defRPr sz="1205" b="1"/>
+            <a:lvl9pPr marL="2471420" indent="0">
+              <a:buNone/>
+              <a:defRPr sz="1085" b="1"/>
             </a:lvl9pPr>
           </a:lstStyle>
           <a:p>
@@ -1402,8 +1402,8 @@
         </p:nvSpPr>
         <p:spPr>
           <a:xfrm>
-            <a:off x="472381" y="1955945"/>
-            <a:ext cx="2901255" cy="2876901"/>
+            <a:off x="546772" y="1692920"/>
+            <a:ext cx="3358145" cy="2490030"/>
           </a:xfrm>
         </p:spPr>
         <p:txBody>
@@ -1463,8 +1463,8 @@
         </p:nvSpPr>
         <p:spPr>
           <a:xfrm>
-            <a:off x="3471863" y="1312641"/>
-            <a:ext cx="2915543" cy="643305"/>
+            <a:off x="4018613" y="1136124"/>
+            <a:ext cx="3374684" cy="556797"/>
           </a:xfrm>
         </p:spPr>
         <p:txBody>
@@ -1472,39 +1472,39 @@
           <a:lstStyle>
             <a:lvl1pPr marL="0" indent="0">
               <a:buNone/>
-              <a:defRPr sz="1800" b="1"/>
+              <a:defRPr sz="1620" b="1"/>
             </a:lvl1pPr>
-            <a:lvl2pPr marL="342900" indent="0">
-              <a:buNone/>
-              <a:defRPr sz="1500" b="1"/>
+            <a:lvl2pPr marL="308610" indent="0">
+              <a:buNone/>
+              <a:defRPr sz="1350" b="1"/>
             </a:lvl2pPr>
-            <a:lvl3pPr marL="685165" indent="0">
-              <a:buNone/>
-              <a:defRPr sz="1345" b="1"/>
+            <a:lvl3pPr marL="617220" indent="0">
+              <a:buNone/>
+              <a:defRPr sz="1210" b="1"/>
             </a:lvl3pPr>
-            <a:lvl4pPr marL="1029335" indent="0">
-              <a:buNone/>
-              <a:defRPr sz="1205" b="1"/>
+            <a:lvl4pPr marL="927100" indent="0">
+              <a:buNone/>
+              <a:defRPr sz="1085" b="1"/>
             </a:lvl4pPr>
-            <a:lvl5pPr marL="1371600" indent="0">
-              <a:buNone/>
-              <a:defRPr sz="1205" b="1"/>
+            <a:lvl5pPr marL="1235710" indent="0">
+              <a:buNone/>
+              <a:defRPr sz="1085" b="1"/>
             </a:lvl5pPr>
-            <a:lvl6pPr marL="1714500" indent="0">
-              <a:buNone/>
-              <a:defRPr sz="1205" b="1"/>
+            <a:lvl6pPr marL="1544320" indent="0">
+              <a:buNone/>
+              <a:defRPr sz="1085" b="1"/>
             </a:lvl6pPr>
-            <a:lvl7pPr marL="2057400" indent="0">
-              <a:buNone/>
-              <a:defRPr sz="1205" b="1"/>
+            <a:lvl7pPr marL="1853565" indent="0">
+              <a:buNone/>
+              <a:defRPr sz="1085" b="1"/>
             </a:lvl7pPr>
-            <a:lvl8pPr marL="2400935" indent="0">
-              <a:buNone/>
-              <a:defRPr sz="1205" b="1"/>
+            <a:lvl8pPr marL="2162810" indent="0">
+              <a:buNone/>
+              <a:defRPr sz="1085" b="1"/>
             </a:lvl8pPr>
-            <a:lvl9pPr marL="2743835" indent="0">
-              <a:buNone/>
-              <a:defRPr sz="1205" b="1"/>
+            <a:lvl9pPr marL="2471420" indent="0">
+              <a:buNone/>
+              <a:defRPr sz="1085" b="1"/>
             </a:lvl9pPr>
           </a:lstStyle>
           <a:p>
@@ -1529,8 +1529,8 @@
         </p:nvSpPr>
         <p:spPr>
           <a:xfrm>
-            <a:off x="3471863" y="1955945"/>
-            <a:ext cx="2915543" cy="2876901"/>
+            <a:off x="4018613" y="1692920"/>
+            <a:ext cx="3374684" cy="2490030"/>
           </a:xfrm>
         </p:spPr>
         <p:txBody>
@@ -1877,15 +1877,15 @@
         </p:nvSpPr>
         <p:spPr>
           <a:xfrm>
-            <a:off x="472381" y="356979"/>
-            <a:ext cx="2211883" cy="1249425"/>
+            <a:off x="546772" y="308974"/>
+            <a:ext cx="2560211" cy="1081409"/>
           </a:xfrm>
         </p:spPr>
         <p:txBody>
           <a:bodyPr anchor="b"/>
           <a:lstStyle>
             <a:lvl1pPr>
-              <a:defRPr sz="2400"/>
+              <a:defRPr sz="2160"/>
             </a:lvl1pPr>
           </a:lstStyle>
           <a:p>
@@ -1909,39 +1909,39 @@
         </p:nvSpPr>
         <p:spPr>
           <a:xfrm>
-            <a:off x="2915543" y="770975"/>
-            <a:ext cx="3471863" cy="3805293"/>
+            <a:off x="3374684" y="667298"/>
+            <a:ext cx="4018613" cy="3293577"/>
           </a:xfrm>
         </p:spPr>
         <p:txBody>
           <a:bodyPr/>
           <a:lstStyle>
             <a:lvl1pPr>
-              <a:defRPr sz="2400"/>
+              <a:defRPr sz="2160"/>
             </a:lvl1pPr>
             <a:lvl2pPr>
-              <a:defRPr sz="2105"/>
+              <a:defRPr sz="1895"/>
             </a:lvl2pPr>
             <a:lvl3pPr>
-              <a:defRPr sz="1800"/>
+              <a:defRPr sz="1620"/>
             </a:lvl3pPr>
             <a:lvl4pPr>
-              <a:defRPr sz="1500"/>
+              <a:defRPr sz="1350"/>
             </a:lvl4pPr>
             <a:lvl5pPr>
-              <a:defRPr sz="1500"/>
+              <a:defRPr sz="1350"/>
             </a:lvl5pPr>
             <a:lvl6pPr>
-              <a:defRPr sz="1500"/>
+              <a:defRPr sz="1350"/>
             </a:lvl6pPr>
             <a:lvl7pPr>
-              <a:defRPr sz="1500"/>
+              <a:defRPr sz="1350"/>
             </a:lvl7pPr>
             <a:lvl8pPr>
-              <a:defRPr sz="1500"/>
+              <a:defRPr sz="1350"/>
             </a:lvl8pPr>
             <a:lvl9pPr>
-              <a:defRPr sz="1500"/>
+              <a:defRPr sz="1350"/>
             </a:lvl9pPr>
           </a:lstStyle>
           <a:p>
@@ -1998,8 +1998,8 @@
         </p:nvSpPr>
         <p:spPr>
           <a:xfrm>
-            <a:off x="472381" y="1606404"/>
-            <a:ext cx="2211883" cy="2976062"/>
+            <a:off x="546772" y="1390383"/>
+            <a:ext cx="2560211" cy="2575857"/>
           </a:xfrm>
         </p:spPr>
         <p:txBody>
@@ -2007,39 +2007,39 @@
           <a:lstStyle>
             <a:lvl1pPr marL="0" indent="0">
               <a:buNone/>
-              <a:defRPr sz="1205"/>
+              <a:defRPr sz="1085"/>
             </a:lvl1pPr>
-            <a:lvl2pPr marL="342900" indent="0">
-              <a:buNone/>
-              <a:defRPr sz="1050"/>
+            <a:lvl2pPr marL="308610" indent="0">
+              <a:buNone/>
+              <a:defRPr sz="945"/>
             </a:lvl2pPr>
-            <a:lvl3pPr marL="685165" indent="0">
-              <a:buNone/>
-              <a:defRPr sz="900"/>
+            <a:lvl3pPr marL="617220" indent="0">
+              <a:buNone/>
+              <a:defRPr sz="810"/>
             </a:lvl3pPr>
-            <a:lvl4pPr marL="1029335" indent="0">
-              <a:buNone/>
-              <a:defRPr sz="750"/>
+            <a:lvl4pPr marL="927100" indent="0">
+              <a:buNone/>
+              <a:defRPr sz="675"/>
             </a:lvl4pPr>
-            <a:lvl5pPr marL="1371600" indent="0">
-              <a:buNone/>
-              <a:defRPr sz="750"/>
+            <a:lvl5pPr marL="1235710" indent="0">
+              <a:buNone/>
+              <a:defRPr sz="675"/>
             </a:lvl5pPr>
-            <a:lvl6pPr marL="1714500" indent="0">
-              <a:buNone/>
-              <a:defRPr sz="750"/>
+            <a:lvl6pPr marL="1544320" indent="0">
+              <a:buNone/>
+              <a:defRPr sz="675"/>
             </a:lvl6pPr>
-            <a:lvl7pPr marL="2057400" indent="0">
-              <a:buNone/>
-              <a:defRPr sz="750"/>
+            <a:lvl7pPr marL="1853565" indent="0">
+              <a:buNone/>
+              <a:defRPr sz="675"/>
             </a:lvl7pPr>
-            <a:lvl8pPr marL="2400935" indent="0">
-              <a:buNone/>
-              <a:defRPr sz="750"/>
+            <a:lvl8pPr marL="2162810" indent="0">
+              <a:buNone/>
+              <a:defRPr sz="675"/>
             </a:lvl8pPr>
-            <a:lvl9pPr marL="2743835" indent="0">
-              <a:buNone/>
-              <a:defRPr sz="750"/>
+            <a:lvl9pPr marL="2471420" indent="0">
+              <a:buNone/>
+              <a:defRPr sz="675"/>
             </a:lvl9pPr>
           </a:lstStyle>
           <a:p>
@@ -2152,15 +2152,15 @@
         </p:nvSpPr>
         <p:spPr>
           <a:xfrm>
-            <a:off x="472381" y="356979"/>
-            <a:ext cx="2211883" cy="1249425"/>
+            <a:off x="546772" y="308974"/>
+            <a:ext cx="2560211" cy="1081409"/>
           </a:xfrm>
         </p:spPr>
         <p:txBody>
           <a:bodyPr anchor="b"/>
           <a:lstStyle>
             <a:lvl1pPr>
-              <a:defRPr sz="2400"/>
+              <a:defRPr sz="2160"/>
             </a:lvl1pPr>
           </a:lstStyle>
           <a:p>
@@ -2184,8 +2184,8 @@
         </p:nvSpPr>
         <p:spPr>
           <a:xfrm>
-            <a:off x="2915543" y="770975"/>
-            <a:ext cx="3471863" cy="3805293"/>
+            <a:off x="3374684" y="667298"/>
+            <a:ext cx="4018613" cy="3293577"/>
           </a:xfrm>
         </p:spPr>
         <p:txBody>
@@ -2193,39 +2193,39 @@
           <a:lstStyle>
             <a:lvl1pPr marL="0" indent="0">
               <a:buNone/>
-              <a:defRPr sz="2400"/>
+              <a:defRPr sz="2160"/>
             </a:lvl1pPr>
-            <a:lvl2pPr marL="342900" indent="0">
-              <a:buNone/>
-              <a:defRPr sz="2105"/>
+            <a:lvl2pPr marL="308610" indent="0">
+              <a:buNone/>
+              <a:defRPr sz="1895"/>
             </a:lvl2pPr>
-            <a:lvl3pPr marL="685165" indent="0">
-              <a:buNone/>
-              <a:defRPr sz="1800"/>
+            <a:lvl3pPr marL="617220" indent="0">
+              <a:buNone/>
+              <a:defRPr sz="1620"/>
             </a:lvl3pPr>
-            <a:lvl4pPr marL="1029335" indent="0">
-              <a:buNone/>
-              <a:defRPr sz="1500"/>
+            <a:lvl4pPr marL="927100" indent="0">
+              <a:buNone/>
+              <a:defRPr sz="1350"/>
             </a:lvl4pPr>
-            <a:lvl5pPr marL="1371600" indent="0">
-              <a:buNone/>
-              <a:defRPr sz="1500"/>
+            <a:lvl5pPr marL="1235710" indent="0">
+              <a:buNone/>
+              <a:defRPr sz="1350"/>
             </a:lvl5pPr>
-            <a:lvl6pPr marL="1714500" indent="0">
-              <a:buNone/>
-              <a:defRPr sz="1500"/>
+            <a:lvl6pPr marL="1544320" indent="0">
+              <a:buNone/>
+              <a:defRPr sz="1350"/>
             </a:lvl6pPr>
-            <a:lvl7pPr marL="2057400" indent="0">
-              <a:buNone/>
-              <a:defRPr sz="1500"/>
+            <a:lvl7pPr marL="1853565" indent="0">
+              <a:buNone/>
+              <a:defRPr sz="1350"/>
             </a:lvl7pPr>
-            <a:lvl8pPr marL="2400935" indent="0">
-              <a:buNone/>
-              <a:defRPr sz="1500"/>
+            <a:lvl8pPr marL="2162810" indent="0">
+              <a:buNone/>
+              <a:defRPr sz="1350"/>
             </a:lvl8pPr>
-            <a:lvl9pPr marL="2743835" indent="0">
-              <a:buNone/>
-              <a:defRPr sz="1500"/>
+            <a:lvl9pPr marL="2471420" indent="0">
+              <a:buNone/>
+              <a:defRPr sz="1350"/>
             </a:lvl9pPr>
           </a:lstStyle>
           <a:p>
@@ -2245,8 +2245,8 @@
         </p:nvSpPr>
         <p:spPr>
           <a:xfrm>
-            <a:off x="472381" y="1606404"/>
-            <a:ext cx="2211883" cy="2976062"/>
+            <a:off x="546772" y="1390383"/>
+            <a:ext cx="2560211" cy="2575857"/>
           </a:xfrm>
         </p:spPr>
         <p:txBody>
@@ -2254,39 +2254,39 @@
           <a:lstStyle>
             <a:lvl1pPr marL="0" indent="0">
               <a:buNone/>
-              <a:defRPr sz="1205"/>
+              <a:defRPr sz="1085"/>
             </a:lvl1pPr>
-            <a:lvl2pPr marL="342900" indent="0">
-              <a:buNone/>
-              <a:defRPr sz="1050"/>
+            <a:lvl2pPr marL="308610" indent="0">
+              <a:buNone/>
+              <a:defRPr sz="945"/>
             </a:lvl2pPr>
-            <a:lvl3pPr marL="685165" indent="0">
-              <a:buNone/>
-              <a:defRPr sz="900"/>
+            <a:lvl3pPr marL="617220" indent="0">
+              <a:buNone/>
+              <a:defRPr sz="810"/>
             </a:lvl3pPr>
-            <a:lvl4pPr marL="1029335" indent="0">
-              <a:buNone/>
-              <a:defRPr sz="750"/>
+            <a:lvl4pPr marL="927100" indent="0">
+              <a:buNone/>
+              <a:defRPr sz="675"/>
             </a:lvl4pPr>
-            <a:lvl5pPr marL="1371600" indent="0">
-              <a:buNone/>
-              <a:defRPr sz="750"/>
+            <a:lvl5pPr marL="1235710" indent="0">
+              <a:buNone/>
+              <a:defRPr sz="675"/>
             </a:lvl5pPr>
-            <a:lvl6pPr marL="1714500" indent="0">
-              <a:buNone/>
-              <a:defRPr sz="750"/>
+            <a:lvl6pPr marL="1544320" indent="0">
+              <a:buNone/>
+              <a:defRPr sz="675"/>
             </a:lvl6pPr>
-            <a:lvl7pPr marL="2057400" indent="0">
-              <a:buNone/>
-              <a:defRPr sz="750"/>
+            <a:lvl7pPr marL="1853565" indent="0">
+              <a:buNone/>
+              <a:defRPr sz="675"/>
             </a:lvl7pPr>
-            <a:lvl8pPr marL="2400935" indent="0">
-              <a:buNone/>
-              <a:defRPr sz="750"/>
+            <a:lvl8pPr marL="2162810" indent="0">
+              <a:buNone/>
+              <a:defRPr sz="675"/>
             </a:lvl8pPr>
-            <a:lvl9pPr marL="2743835" indent="0">
-              <a:buNone/>
-              <a:defRPr sz="750"/>
+            <a:lvl9pPr marL="2471420" indent="0">
+              <a:buNone/>
+              <a:defRPr sz="675"/>
             </a:lvl9pPr>
           </a:lstStyle>
           <a:p>
@@ -2407,8 +2407,8 @@
         </p:nvSpPr>
         <p:spPr>
           <a:xfrm>
-            <a:off x="471488" y="285087"/>
-            <a:ext cx="5915025" cy="1034991"/>
+            <a:off x="545738" y="246750"/>
+            <a:ext cx="6846525" cy="895811"/>
           </a:xfrm>
           <a:prstGeom prst="rect">
             <a:avLst/>
@@ -2440,8 +2440,8 @@
         </p:nvSpPr>
         <p:spPr>
           <a:xfrm>
-            <a:off x="471488" y="1425436"/>
-            <a:ext cx="5915025" cy="3397495"/>
+            <a:off x="545738" y="1233751"/>
+            <a:ext cx="6846525" cy="2940618"/>
           </a:xfrm>
           <a:prstGeom prst="rect">
             <a:avLst/>
@@ -2506,8 +2506,8 @@
         </p:nvSpPr>
         <p:spPr>
           <a:xfrm>
-            <a:off x="471488" y="4962995"/>
-            <a:ext cx="1543050" cy="285087"/>
+            <a:off x="545738" y="4295598"/>
+            <a:ext cx="1786050" cy="246750"/>
           </a:xfrm>
           <a:prstGeom prst="rect">
             <a:avLst/>
@@ -2517,7 +2517,7 @@
           <a:bodyPr vert="horz" lIns="91440" tIns="45720" rIns="91440" bIns="45720" rtlCol="0" anchor="ctr"/>
           <a:lstStyle>
             <a:lvl1pPr algn="l">
-              <a:defRPr sz="900">
+              <a:defRPr sz="810">
                 <a:solidFill>
                   <a:schemeClr val="tx1">
                     <a:tint val="75000"/>
@@ -2546,8 +2546,8 @@
         </p:nvSpPr>
         <p:spPr>
           <a:xfrm>
-            <a:off x="2271713" y="4962995"/>
-            <a:ext cx="2314575" cy="285087"/>
+            <a:off x="2629463" y="4295598"/>
+            <a:ext cx="2679075" cy="246750"/>
           </a:xfrm>
           <a:prstGeom prst="rect">
             <a:avLst/>
@@ -2557,7 +2557,7 @@
           <a:bodyPr vert="horz" lIns="91440" tIns="45720" rIns="91440" bIns="45720" rtlCol="0" anchor="ctr"/>
           <a:lstStyle>
             <a:lvl1pPr algn="ctr">
-              <a:defRPr sz="900">
+              <a:defRPr sz="810">
                 <a:solidFill>
                   <a:schemeClr val="tx1">
                     <a:tint val="75000"/>
@@ -2583,8 +2583,8 @@
         </p:nvSpPr>
         <p:spPr>
           <a:xfrm>
-            <a:off x="4843463" y="4962995"/>
-            <a:ext cx="1543050" cy="285087"/>
+            <a:off x="5606213" y="4295598"/>
+            <a:ext cx="1786050" cy="246750"/>
           </a:xfrm>
           <a:prstGeom prst="rect">
             <a:avLst/>
@@ -2594,7 +2594,7 @@
           <a:bodyPr vert="horz" lIns="91440" tIns="45720" rIns="91440" bIns="45720" rtlCol="0" anchor="ctr"/>
           <a:lstStyle>
             <a:lvl1pPr algn="r">
-              <a:defRPr sz="900">
+              <a:defRPr sz="810">
                 <a:solidFill>
                   <a:schemeClr val="tx1">
                     <a:tint val="75000"/>
@@ -2629,7 +2629,7 @@
   </p:sldLayoutIdLst>
   <p:txStyles>
     <p:titleStyle>
-      <a:lvl1pPr algn="l" defTabSz="685165" rtl="0" eaLnBrk="1" latinLnBrk="0" hangingPunct="1">
+      <a:lvl1pPr algn="l" defTabSz="617220" rtl="0" eaLnBrk="1" latinLnBrk="0" hangingPunct="1">
         <a:lnSpc>
           <a:spcPct val="90000"/>
         </a:lnSpc>
@@ -2637,7 +2637,7 @@
           <a:spcPct val="0"/>
         </a:spcBef>
         <a:buNone/>
-        <a:defRPr sz="3300" kern="1200">
+        <a:defRPr sz="2975" kern="1200">
           <a:solidFill>
             <a:schemeClr val="tx1"/>
           </a:solidFill>
@@ -2648,16 +2648,16 @@
       </a:lvl1pPr>
     </p:titleStyle>
     <p:bodyStyle>
-      <a:lvl1pPr marL="170815" indent="-168275" algn="l" defTabSz="685165" rtl="0" eaLnBrk="1" latinLnBrk="0" hangingPunct="1">
+      <a:lvl1pPr marL="153670" indent="-151130" algn="l" defTabSz="617220" rtl="0" eaLnBrk="1" latinLnBrk="0" hangingPunct="1">
         <a:lnSpc>
           <a:spcPct val="90000"/>
         </a:lnSpc>
         <a:spcBef>
-          <a:spcPts val="750"/>
+          <a:spcPts val="675"/>
         </a:spcBef>
         <a:buFont typeface="Arial" panose="020B0604020202020204" pitchFamily="34" charset="0"/>
         <a:buChar char="•"/>
-        <a:defRPr sz="2105" kern="1200">
+        <a:defRPr sz="1895" kern="1200">
           <a:solidFill>
             <a:schemeClr val="tx1"/>
           </a:solidFill>
@@ -2666,16 +2666,16 @@
           <a:cs typeface="+mn-cs"/>
         </a:defRPr>
       </a:lvl1pPr>
-      <a:lvl2pPr marL="514350" indent="-168275" algn="l" defTabSz="685165" rtl="0" eaLnBrk="1" latinLnBrk="0" hangingPunct="1">
+      <a:lvl2pPr marL="463550" indent="-151130" algn="l" defTabSz="617220" rtl="0" eaLnBrk="1" latinLnBrk="0" hangingPunct="1">
         <a:lnSpc>
           <a:spcPct val="90000"/>
         </a:lnSpc>
         <a:spcBef>
-          <a:spcPts val="375"/>
+          <a:spcPct val="68000"/>
         </a:spcBef>
         <a:buFont typeface="Arial" panose="020B0604020202020204" pitchFamily="34" charset="0"/>
         <a:buChar char="•"/>
-        <a:defRPr sz="1800" kern="1200">
+        <a:defRPr sz="1620" kern="1200">
           <a:solidFill>
             <a:schemeClr val="tx1"/>
           </a:solidFill>
@@ -2684,16 +2684,16 @@
           <a:cs typeface="+mn-cs"/>
         </a:defRPr>
       </a:lvl2pPr>
-      <a:lvl3pPr marL="857250" indent="-168275" algn="l" defTabSz="685165" rtl="0" eaLnBrk="1" latinLnBrk="0" hangingPunct="1">
+      <a:lvl3pPr marL="772160" indent="-151130" algn="l" defTabSz="617220" rtl="0" eaLnBrk="1" latinLnBrk="0" hangingPunct="1">
         <a:lnSpc>
           <a:spcPct val="90000"/>
         </a:lnSpc>
         <a:spcBef>
-          <a:spcPts val="375"/>
+          <a:spcPct val="68000"/>
         </a:spcBef>
         <a:buFont typeface="Arial" panose="020B0604020202020204" pitchFamily="34" charset="0"/>
         <a:buChar char="•"/>
-        <a:defRPr sz="1500" kern="1200">
+        <a:defRPr sz="1350" kern="1200">
           <a:solidFill>
             <a:schemeClr val="tx1"/>
           </a:solidFill>
@@ -2702,16 +2702,16 @@
           <a:cs typeface="+mn-cs"/>
         </a:defRPr>
       </a:lvl3pPr>
-      <a:lvl4pPr marL="1200150" indent="-168275" algn="l" defTabSz="685165" rtl="0" eaLnBrk="1" latinLnBrk="0" hangingPunct="1">
+      <a:lvl4pPr marL="1080770" indent="-151130" algn="l" defTabSz="617220" rtl="0" eaLnBrk="1" latinLnBrk="0" hangingPunct="1">
         <a:lnSpc>
           <a:spcPct val="90000"/>
         </a:lnSpc>
         <a:spcBef>
-          <a:spcPts val="375"/>
+          <a:spcPct val="68000"/>
         </a:spcBef>
         <a:buFont typeface="Arial" panose="020B0604020202020204" pitchFamily="34" charset="0"/>
         <a:buChar char="•"/>
-        <a:defRPr sz="1345" kern="1200">
+        <a:defRPr sz="1210" kern="1200">
           <a:solidFill>
             <a:schemeClr val="tx1"/>
           </a:solidFill>
@@ -2720,16 +2720,16 @@
           <a:cs typeface="+mn-cs"/>
         </a:defRPr>
       </a:lvl4pPr>
-      <a:lvl5pPr marL="1543685" indent="-168275" algn="l" defTabSz="685165" rtl="0" eaLnBrk="1" latinLnBrk="0" hangingPunct="1">
+      <a:lvl5pPr marL="1390650" indent="-151130" algn="l" defTabSz="617220" rtl="0" eaLnBrk="1" latinLnBrk="0" hangingPunct="1">
         <a:lnSpc>
           <a:spcPct val="90000"/>
         </a:lnSpc>
         <a:spcBef>
-          <a:spcPts val="375"/>
+          <a:spcPct val="68000"/>
         </a:spcBef>
         <a:buFont typeface="Arial" panose="020B0604020202020204" pitchFamily="34" charset="0"/>
         <a:buChar char="•"/>
-        <a:defRPr sz="1345" kern="1200">
+        <a:defRPr sz="1210" kern="1200">
           <a:solidFill>
             <a:schemeClr val="tx1"/>
           </a:solidFill>
@@ -2738,16 +2738,16 @@
           <a:cs typeface="+mn-cs"/>
         </a:defRPr>
       </a:lvl5pPr>
-      <a:lvl6pPr marL="1886585" indent="-168275" algn="l" defTabSz="685165" rtl="0" eaLnBrk="1" latinLnBrk="0" hangingPunct="1">
+      <a:lvl6pPr marL="1699260" indent="-151130" algn="l" defTabSz="617220" rtl="0" eaLnBrk="1" latinLnBrk="0" hangingPunct="1">
         <a:lnSpc>
           <a:spcPct val="90000"/>
         </a:lnSpc>
         <a:spcBef>
-          <a:spcPts val="375"/>
+          <a:spcPct val="68000"/>
         </a:spcBef>
         <a:buFont typeface="Arial" panose="020B0604020202020204" pitchFamily="34" charset="0"/>
         <a:buChar char="•"/>
-        <a:defRPr sz="1345" kern="1200">
+        <a:defRPr sz="1210" kern="1200">
           <a:solidFill>
             <a:schemeClr val="tx1"/>
           </a:solidFill>
@@ -2756,16 +2756,16 @@
           <a:cs typeface="+mn-cs"/>
         </a:defRPr>
       </a:lvl6pPr>
-      <a:lvl7pPr marL="2228850" indent="-168275" algn="l" defTabSz="685165" rtl="0" eaLnBrk="1" latinLnBrk="0" hangingPunct="1">
+      <a:lvl7pPr marL="2007870" indent="-151130" algn="l" defTabSz="617220" rtl="0" eaLnBrk="1" latinLnBrk="0" hangingPunct="1">
         <a:lnSpc>
           <a:spcPct val="90000"/>
         </a:lnSpc>
         <a:spcBef>
-          <a:spcPts val="375"/>
+          <a:spcPct val="68000"/>
         </a:spcBef>
         <a:buFont typeface="Arial" panose="020B0604020202020204" pitchFamily="34" charset="0"/>
         <a:buChar char="•"/>
-        <a:defRPr sz="1345" kern="1200">
+        <a:defRPr sz="1210" kern="1200">
           <a:solidFill>
             <a:schemeClr val="tx1"/>
           </a:solidFill>
@@ -2774,16 +2774,16 @@
           <a:cs typeface="+mn-cs"/>
         </a:defRPr>
       </a:lvl7pPr>
-      <a:lvl8pPr marL="2572385" indent="-168275" algn="l" defTabSz="685165" rtl="0" eaLnBrk="1" latinLnBrk="0" hangingPunct="1">
+      <a:lvl8pPr marL="2317115" indent="-151130" algn="l" defTabSz="617220" rtl="0" eaLnBrk="1" latinLnBrk="0" hangingPunct="1">
         <a:lnSpc>
           <a:spcPct val="90000"/>
         </a:lnSpc>
         <a:spcBef>
-          <a:spcPts val="375"/>
+          <a:spcPct val="68000"/>
         </a:spcBef>
         <a:buFont typeface="Arial" panose="020B0604020202020204" pitchFamily="34" charset="0"/>
         <a:buChar char="•"/>
-        <a:defRPr sz="1345" kern="1200">
+        <a:defRPr sz="1210" kern="1200">
           <a:solidFill>
             <a:schemeClr val="tx1"/>
           </a:solidFill>
@@ -2792,16 +2792,16 @@
           <a:cs typeface="+mn-cs"/>
         </a:defRPr>
       </a:lvl8pPr>
-      <a:lvl9pPr marL="2914650" indent="-168275" algn="l" defTabSz="685165" rtl="0" eaLnBrk="1" latinLnBrk="0" hangingPunct="1">
+      <a:lvl9pPr marL="2625725" indent="-151130" algn="l" defTabSz="617220" rtl="0" eaLnBrk="1" latinLnBrk="0" hangingPunct="1">
         <a:lnSpc>
           <a:spcPct val="90000"/>
         </a:lnSpc>
         <a:spcBef>
-          <a:spcPts val="375"/>
+          <a:spcPct val="68000"/>
         </a:spcBef>
         <a:buFont typeface="Arial" panose="020B0604020202020204" pitchFamily="34" charset="0"/>
         <a:buChar char="•"/>
-        <a:defRPr sz="1345" kern="1200">
+        <a:defRPr sz="1210" kern="1200">
           <a:solidFill>
             <a:schemeClr val="tx1"/>
           </a:solidFill>
@@ -2815,8 +2815,8 @@
       <a:defPPr>
         <a:defRPr lang="de-DE"/>
       </a:defPPr>
-      <a:lvl1pPr marL="0" algn="l" defTabSz="685165" rtl="0" eaLnBrk="1" latinLnBrk="0" hangingPunct="1">
-        <a:defRPr sz="1345" kern="1200">
+      <a:lvl1pPr marL="0" algn="l" defTabSz="617220" rtl="0" eaLnBrk="1" latinLnBrk="0" hangingPunct="1">
+        <a:defRPr sz="1210" kern="1200">
           <a:solidFill>
             <a:schemeClr val="tx1"/>
           </a:solidFill>
@@ -2825,8 +2825,8 @@
           <a:cs typeface="+mn-cs"/>
         </a:defRPr>
       </a:lvl1pPr>
-      <a:lvl2pPr marL="342900" algn="l" defTabSz="685165" rtl="0" eaLnBrk="1" latinLnBrk="0" hangingPunct="1">
-        <a:defRPr sz="1345" kern="1200">
+      <a:lvl2pPr marL="308610" algn="l" defTabSz="617220" rtl="0" eaLnBrk="1" latinLnBrk="0" hangingPunct="1">
+        <a:defRPr sz="1210" kern="1200">
           <a:solidFill>
             <a:schemeClr val="tx1"/>
           </a:solidFill>
@@ -2835,8 +2835,8 @@
           <a:cs typeface="+mn-cs"/>
         </a:defRPr>
       </a:lvl2pPr>
-      <a:lvl3pPr marL="685165" algn="l" defTabSz="685165" rtl="0" eaLnBrk="1" latinLnBrk="0" hangingPunct="1">
-        <a:defRPr sz="1345" kern="1200">
+      <a:lvl3pPr marL="617220" algn="l" defTabSz="617220" rtl="0" eaLnBrk="1" latinLnBrk="0" hangingPunct="1">
+        <a:defRPr sz="1210" kern="1200">
           <a:solidFill>
             <a:schemeClr val="tx1"/>
           </a:solidFill>
@@ -2845,8 +2845,8 @@
           <a:cs typeface="+mn-cs"/>
         </a:defRPr>
       </a:lvl3pPr>
-      <a:lvl4pPr marL="1029335" algn="l" defTabSz="685165" rtl="0" eaLnBrk="1" latinLnBrk="0" hangingPunct="1">
-        <a:defRPr sz="1345" kern="1200">
+      <a:lvl4pPr marL="927100" algn="l" defTabSz="617220" rtl="0" eaLnBrk="1" latinLnBrk="0" hangingPunct="1">
+        <a:defRPr sz="1210" kern="1200">
           <a:solidFill>
             <a:schemeClr val="tx1"/>
           </a:solidFill>
@@ -2855,8 +2855,8 @@
           <a:cs typeface="+mn-cs"/>
         </a:defRPr>
       </a:lvl4pPr>
-      <a:lvl5pPr marL="1371600" algn="l" defTabSz="685165" rtl="0" eaLnBrk="1" latinLnBrk="0" hangingPunct="1">
-        <a:defRPr sz="1345" kern="1200">
+      <a:lvl5pPr marL="1235710" algn="l" defTabSz="617220" rtl="0" eaLnBrk="1" latinLnBrk="0" hangingPunct="1">
+        <a:defRPr sz="1210" kern="1200">
           <a:solidFill>
             <a:schemeClr val="tx1"/>
           </a:solidFill>
@@ -2865,8 +2865,8 @@
           <a:cs typeface="+mn-cs"/>
         </a:defRPr>
       </a:lvl5pPr>
-      <a:lvl6pPr marL="1714500" algn="l" defTabSz="685165" rtl="0" eaLnBrk="1" latinLnBrk="0" hangingPunct="1">
-        <a:defRPr sz="1345" kern="1200">
+      <a:lvl6pPr marL="1544320" algn="l" defTabSz="617220" rtl="0" eaLnBrk="1" latinLnBrk="0" hangingPunct="1">
+        <a:defRPr sz="1210" kern="1200">
           <a:solidFill>
             <a:schemeClr val="tx1"/>
           </a:solidFill>
@@ -2875,8 +2875,8 @@
           <a:cs typeface="+mn-cs"/>
         </a:defRPr>
       </a:lvl6pPr>
-      <a:lvl7pPr marL="2057400" algn="l" defTabSz="685165" rtl="0" eaLnBrk="1" latinLnBrk="0" hangingPunct="1">
-        <a:defRPr sz="1345" kern="1200">
+      <a:lvl7pPr marL="1853565" algn="l" defTabSz="617220" rtl="0" eaLnBrk="1" latinLnBrk="0" hangingPunct="1">
+        <a:defRPr sz="1210" kern="1200">
           <a:solidFill>
             <a:schemeClr val="tx1"/>
           </a:solidFill>
@@ -2885,8 +2885,8 @@
           <a:cs typeface="+mn-cs"/>
         </a:defRPr>
       </a:lvl7pPr>
-      <a:lvl8pPr marL="2400935" algn="l" defTabSz="685165" rtl="0" eaLnBrk="1" latinLnBrk="0" hangingPunct="1">
-        <a:defRPr sz="1345" kern="1200">
+      <a:lvl8pPr marL="2162810" algn="l" defTabSz="617220" rtl="0" eaLnBrk="1" latinLnBrk="0" hangingPunct="1">
+        <a:defRPr sz="1210" kern="1200">
           <a:solidFill>
             <a:schemeClr val="tx1"/>
           </a:solidFill>
@@ -2895,8 +2895,8 @@
           <a:cs typeface="+mn-cs"/>
         </a:defRPr>
       </a:lvl8pPr>
-      <a:lvl9pPr marL="2743835" algn="l" defTabSz="685165" rtl="0" eaLnBrk="1" latinLnBrk="0" hangingPunct="1">
-        <a:defRPr sz="1345" kern="1200">
+      <a:lvl9pPr marL="2471420" algn="l" defTabSz="617220" rtl="0" eaLnBrk="1" latinLnBrk="0" hangingPunct="1">
+        <a:defRPr sz="1210" kern="1200">
           <a:solidFill>
             <a:schemeClr val="tx1"/>
           </a:solidFill>
@@ -2935,8 +2935,8 @@
         </p:nvSpPr>
         <p:spPr>
           <a:xfrm>
-            <a:off x="281296" y="2045745"/>
-            <a:ext cx="6179871" cy="1453258"/>
+            <a:off x="1244583" y="1770644"/>
+            <a:ext cx="5348834" cy="1257832"/>
           </a:xfrm>
           <a:prstGeom prst="rect">
             <a:avLst/>
@@ -2985,7 +2985,7 @@
           <a:lstStyle/>
           <a:p>
             <a:pPr algn="ctr"/>
-            <a:endParaRPr lang="de-DE" sz="1970"/>
+            <a:endParaRPr lang="de-DE" sz="1705"/>
           </a:p>
         </p:txBody>
       </p:sp>
@@ -2997,8 +2997,8 @@
         </p:nvSpPr>
         <p:spPr>
           <a:xfrm>
-            <a:off x="281296" y="2045745"/>
-            <a:ext cx="1295699" cy="1453258"/>
+            <a:off x="1244583" y="1770644"/>
+            <a:ext cx="1121460" cy="1257832"/>
           </a:xfrm>
           <a:prstGeom prst="rect">
             <a:avLst/>
@@ -3026,22 +3026,22 @@
           <a:p>
             <a:pPr algn="ctr"/>
             <a:r>
-              <a:rPr lang="de-DE" sz="3070" dirty="0" smtClean="0"/>
+              <a:rPr lang="de-DE" sz="2655" dirty="0" smtClean="0"/>
               <a:t>B2B</a:t>
             </a:r>
-            <a:endParaRPr lang="de-DE" sz="3070" dirty="0" smtClean="0"/>
+            <a:endParaRPr lang="de-DE" sz="2655" dirty="0" smtClean="0"/>
           </a:p>
           <a:p>
             <a:pPr algn="ctr"/>
             <a:r>
-              <a:rPr lang="de-DE" sz="3070" dirty="0" err="1" smtClean="0"/>
+              <a:rPr lang="de-DE" sz="2655" dirty="0" err="1" smtClean="0"/>
               <a:t>source</a:t>
             </a:r>
             <a:r>
-              <a:rPr lang="de-DE" sz="3070" dirty="0" smtClean="0"/>
+              <a:rPr lang="de-DE" sz="2655" dirty="0" smtClean="0"/>
               <a:t> SCU</a:t>
             </a:r>
-            <a:endParaRPr lang="de-DE" sz="3070" dirty="0"/>
+            <a:endParaRPr lang="de-DE" sz="2655" dirty="0"/>
           </a:p>
         </p:txBody>
       </p:sp>
@@ -3053,8 +3053,8 @@
         </p:nvSpPr>
         <p:spPr>
           <a:xfrm>
-            <a:off x="1576996" y="2024491"/>
-            <a:ext cx="1074663" cy="1455611"/>
+            <a:off x="2366044" y="1752248"/>
+            <a:ext cx="930148" cy="1259868"/>
           </a:xfrm>
           <a:prstGeom prst="rect">
             <a:avLst/>
@@ -3085,14 +3085,14 @@
           <a:p>
             <a:pPr algn="ctr"/>
             <a:r>
-              <a:rPr lang="de-DE" sz="3070" i="1" dirty="0" smtClean="0">
+              <a:rPr lang="de-DE" sz="2655" i="1" dirty="0" smtClean="0">
                 <a:solidFill>
                   <a:schemeClr val="tx1"/>
                 </a:solidFill>
               </a:rPr>
               <a:t>PAP</a:t>
             </a:r>
-            <a:endParaRPr lang="de-DE" sz="3070" i="1" dirty="0">
+            <a:endParaRPr lang="de-DE" sz="2655" i="1" dirty="0">
               <a:solidFill>
                 <a:schemeClr val="tx1"/>
               </a:solidFill>
@@ -3108,8 +3108,8 @@
         </p:nvSpPr>
         <p:spPr>
           <a:xfrm>
-            <a:off x="1576995" y="818308"/>
-            <a:ext cx="1074664" cy="576993"/>
+            <a:off x="2366043" y="708266"/>
+            <a:ext cx="930149" cy="499402"/>
           </a:xfrm>
           <a:prstGeom prst="rect">
             <a:avLst/>
@@ -3140,14 +3140,14 @@
           <a:p>
             <a:pPr algn="ctr"/>
             <a:r>
-              <a:rPr lang="de-DE" sz="3070" i="1" dirty="0" smtClean="0">
+              <a:rPr lang="de-DE" sz="2655" i="1" dirty="0" smtClean="0">
                 <a:solidFill>
                   <a:schemeClr val="tx1"/>
                 </a:solidFill>
               </a:rPr>
               <a:t>PAM</a:t>
             </a:r>
-            <a:endParaRPr lang="de-DE" sz="3070" i="1" dirty="0">
+            <a:endParaRPr lang="de-DE" sz="2655" i="1" dirty="0">
               <a:solidFill>
                 <a:schemeClr val="tx1"/>
               </a:solidFill>
@@ -3163,8 +3163,8 @@
         </p:nvCxnSpPr>
         <p:spPr>
           <a:xfrm flipV="1">
-            <a:off x="1833319" y="3499003"/>
-            <a:ext cx="0" cy="512712"/>
+            <a:off x="2587898" y="3028475"/>
+            <a:ext cx="0" cy="443765"/>
           </a:xfrm>
           <a:prstGeom prst="straightConnector1">
             <a:avLst/>
@@ -3199,8 +3199,8 @@
         </p:nvCxnSpPr>
         <p:spPr>
           <a:xfrm flipV="1">
-            <a:off x="2019180" y="3514753"/>
-            <a:ext cx="0" cy="512712"/>
+            <a:off x="2748765" y="3042107"/>
+            <a:ext cx="0" cy="443765"/>
           </a:xfrm>
           <a:prstGeom prst="straightConnector1">
             <a:avLst/>
@@ -3235,8 +3235,8 @@
         </p:nvSpPr>
         <p:spPr>
           <a:xfrm>
-            <a:off x="591168" y="4043214"/>
-            <a:ext cx="3647918" cy="495300"/>
+            <a:off x="1512785" y="3499504"/>
+            <a:ext cx="3157365" cy="441325"/>
           </a:xfrm>
           <a:prstGeom prst="rect">
             <a:avLst/>
@@ -3250,7 +3250,7 @@
           <a:lstStyle/>
           <a:p>
             <a:r>
-              <a:rPr lang="de-DE" sz="2630" i="1" dirty="0" err="1" smtClean="0">
+              <a:rPr lang="de-DE" sz="2275" i="1" dirty="0" err="1" smtClean="0">
                 <a:effectLst>
                   <a:outerShdw blurRad="38100" dist="38100" dir="2700000" algn="tl">
                     <a:srgbClr val="000000">
@@ -3262,7 +3262,7 @@
               <a:t>BuTiS</a:t>
             </a:r>
             <a:r>
-              <a:rPr lang="de-DE" sz="2630" i="1" dirty="0" smtClean="0">
+              <a:rPr lang="de-DE" sz="2275" i="1" dirty="0" smtClean="0">
                 <a:effectLst>
                   <a:outerShdw blurRad="38100" dist="38100" dir="2700000" algn="tl">
                     <a:srgbClr val="000000">
@@ -3273,7 +3273,7 @@
               </a:rPr>
               <a:t> C2 T0</a:t>
             </a:r>
-            <a:endParaRPr lang="de-DE" sz="2630" i="1" dirty="0">
+            <a:endParaRPr lang="de-DE" sz="2275" i="1" dirty="0">
               <a:effectLst>
                 <a:outerShdw blurRad="38100" dist="38100" dir="2700000" algn="tl">
                   <a:srgbClr val="000000">
@@ -3293,8 +3293,8 @@
         </p:nvCxnSpPr>
         <p:spPr>
           <a:xfrm>
-            <a:off x="2114327" y="1426799"/>
-            <a:ext cx="0" cy="616593"/>
+            <a:off x="2831117" y="1234931"/>
+            <a:ext cx="0" cy="533677"/>
           </a:xfrm>
           <a:prstGeom prst="straightConnector1">
             <a:avLst/>
@@ -3329,8 +3329,8 @@
         </p:nvSpPr>
         <p:spPr>
           <a:xfrm>
-            <a:off x="2114325" y="1467637"/>
-            <a:ext cx="3086635" cy="495300"/>
+            <a:off x="2831115" y="1270277"/>
+            <a:ext cx="2671561" cy="441325"/>
           </a:xfrm>
           <a:prstGeom prst="rect">
             <a:avLst/>
@@ -3344,7 +3344,7 @@
           <a:lstStyle/>
           <a:p>
             <a:r>
-              <a:rPr lang="de-DE" sz="2630" i="1" dirty="0">
+              <a:rPr lang="de-DE" sz="2275" i="1" dirty="0">
                 <a:effectLst>
                   <a:outerShdw blurRad="38100" dist="38100" dir="2700000" algn="tl">
                     <a:srgbClr val="000000">
@@ -3356,7 +3356,7 @@
               <a:t>Phase </a:t>
             </a:r>
             <a:r>
-              <a:rPr lang="de-DE" sz="2630" i="1" dirty="0" err="1" smtClean="0">
+              <a:rPr lang="de-DE" sz="2275" i="1" dirty="0" err="1" smtClean="0">
                 <a:effectLst>
                   <a:outerShdw blurRad="38100" dist="38100" dir="2700000" algn="tl">
                     <a:srgbClr val="000000">
@@ -3368,7 +3368,7 @@
               <a:t>advance</a:t>
             </a:r>
             <a:r>
-              <a:rPr lang="de-DE" sz="2630" i="1" dirty="0" smtClean="0">
+              <a:rPr lang="de-DE" sz="2275" i="1" dirty="0" smtClean="0">
                 <a:effectLst>
                   <a:outerShdw blurRad="38100" dist="38100" dir="2700000" algn="tl">
                     <a:srgbClr val="000000">
@@ -3380,7 +3380,7 @@
               <a:t> ∆</a:t>
             </a:r>
             <a:r>
-              <a:rPr lang="el-GR" sz="2630" i="1" dirty="0">
+              <a:rPr lang="el-GR" sz="2275" i="1" dirty="0">
                 <a:effectLst>
                   <a:outerShdw blurRad="38100" dist="38100" dir="2700000" algn="tl">
                     <a:srgbClr val="000000">
@@ -3393,7 +3393,7 @@
               <a:t>φ</a:t>
             </a:r>
             <a:r>
-              <a:rPr lang="de-DE" sz="2630" i="1" dirty="0" smtClean="0">
+              <a:rPr lang="de-DE" sz="2275" i="1" dirty="0" smtClean="0">
                 <a:effectLst>
                   <a:outerShdw blurRad="38100" dist="38100" dir="2700000" algn="tl">
                     <a:srgbClr val="000000">
@@ -3404,7 +3404,7 @@
               </a:rPr>
               <a:t>1</a:t>
             </a:r>
-            <a:endParaRPr lang="de-DE" sz="2630" i="1" dirty="0">
+            <a:endParaRPr lang="de-DE" sz="2275" i="1" dirty="0">
               <a:effectLst>
                 <a:outerShdw blurRad="38100" dist="38100" dir="2700000" algn="tl">
                   <a:srgbClr val="000000">
@@ -3449,8 +3449,8 @@
         </p:nvSpPr>
         <p:spPr>
           <a:xfrm>
-            <a:off x="275648" y="1928448"/>
-            <a:ext cx="6179871" cy="1453258"/>
+            <a:off x="1239694" y="1669120"/>
+            <a:ext cx="5348834" cy="1257832"/>
           </a:xfrm>
           <a:prstGeom prst="rect">
             <a:avLst/>
@@ -3498,7 +3498,7 @@
           <a:bodyPr rtlCol="0" anchor="ctr"/>
           <a:p>
             <a:pPr algn="ctr"/>
-            <a:endParaRPr lang="de-DE" sz="1970"/>
+            <a:endParaRPr lang="de-DE" sz="1705"/>
           </a:p>
         </p:txBody>
       </p:sp>
@@ -3510,8 +3510,8 @@
         </p:nvSpPr>
         <p:spPr>
           <a:xfrm>
-            <a:off x="275648" y="1928448"/>
-            <a:ext cx="1295699" cy="1453258"/>
+            <a:off x="1239694" y="1669120"/>
+            <a:ext cx="1121460" cy="1257832"/>
           </a:xfrm>
           <a:prstGeom prst="rect">
             <a:avLst/>
@@ -3538,10 +3538,10 @@
           <a:p>
             <a:pPr algn="ctr"/>
             <a:r>
-              <a:rPr lang="de-DE" sz="3070" dirty="0" err="1" smtClean="0"/>
+              <a:rPr lang="de-DE" sz="2655" dirty="0" err="1" smtClean="0"/>
               <a:t>TriggerSCU</a:t>
             </a:r>
-            <a:endParaRPr lang="de-DE" sz="3070" dirty="0"/>
+            <a:endParaRPr lang="de-DE" sz="2655" dirty="0"/>
           </a:p>
         </p:txBody>
       </p:sp>
@@ -3553,8 +3553,8 @@
         </p:nvCxnSpPr>
         <p:spPr>
           <a:xfrm flipV="1">
-            <a:off x="1827670" y="3381706"/>
-            <a:ext cx="0" cy="512712"/>
+            <a:off x="2583008" y="2926952"/>
+            <a:ext cx="0" cy="443765"/>
           </a:xfrm>
           <a:prstGeom prst="straightConnector1">
             <a:avLst/>
@@ -3589,8 +3589,8 @@
         </p:nvCxnSpPr>
         <p:spPr>
           <a:xfrm flipV="1">
-            <a:off x="2013532" y="3397455"/>
-            <a:ext cx="0" cy="512712"/>
+            <a:off x="2743877" y="2940583"/>
+            <a:ext cx="0" cy="443765"/>
           </a:xfrm>
           <a:prstGeom prst="straightConnector1">
             <a:avLst/>
@@ -3628,8 +3628,8 @@
         </p:nvCxnSpPr>
         <p:spPr>
           <a:xfrm flipV="1">
-            <a:off x="2118204" y="1378029"/>
-            <a:ext cx="0" cy="548005"/>
+            <a:off x="2834473" y="1192719"/>
+            <a:ext cx="0" cy="474312"/>
           </a:xfrm>
           <a:prstGeom prst="straightConnector1">
             <a:avLst/>
@@ -3664,8 +3664,8 @@
         </p:nvSpPr>
         <p:spPr>
           <a:xfrm>
-            <a:off x="1580872" y="844607"/>
-            <a:ext cx="1074663" cy="533224"/>
+            <a:off x="2369398" y="731029"/>
+            <a:ext cx="930148" cy="461519"/>
           </a:xfrm>
           <a:prstGeom prst="rect">
             <a:avLst/>
@@ -3695,14 +3695,14 @@
           <a:p>
             <a:pPr algn="ctr"/>
             <a:r>
-              <a:rPr lang="de-DE" sz="3070" i="1" dirty="0" smtClean="0">
+              <a:rPr lang="de-DE" sz="2655" i="1" dirty="0" smtClean="0">
                 <a:solidFill>
                   <a:schemeClr val="tx1"/>
                 </a:solidFill>
               </a:rPr>
               <a:t>SR</a:t>
             </a:r>
-            <a:endParaRPr lang="de-DE" sz="3070" i="1" dirty="0">
+            <a:endParaRPr lang="de-DE" sz="2655" i="1" dirty="0">
               <a:solidFill>
                 <a:schemeClr val="tx1"/>
               </a:solidFill>
@@ -3718,8 +3718,8 @@
         </p:nvSpPr>
         <p:spPr>
           <a:xfrm>
-            <a:off x="1580872" y="1926034"/>
-            <a:ext cx="1074663" cy="1455611"/>
+            <a:off x="2369398" y="1667031"/>
+            <a:ext cx="930148" cy="1259868"/>
           </a:xfrm>
           <a:prstGeom prst="rect">
             <a:avLst/>
@@ -3749,14 +3749,14 @@
           <a:p>
             <a:pPr algn="ctr"/>
             <a:r>
-              <a:rPr lang="de-DE" sz="3070" i="1" dirty="0" smtClean="0">
+              <a:rPr lang="de-DE" sz="2655" i="1" dirty="0" smtClean="0">
                 <a:solidFill>
                   <a:schemeClr val="tx1"/>
                 </a:solidFill>
               </a:rPr>
               <a:t>PCM</a:t>
             </a:r>
-            <a:endParaRPr lang="de-DE" sz="3070" i="1" dirty="0">
+            <a:endParaRPr lang="de-DE" sz="2655" i="1" dirty="0">
               <a:solidFill>
                 <a:schemeClr val="tx1"/>
               </a:solidFill>
@@ -3772,8 +3772,8 @@
         </p:nvSpPr>
         <p:spPr>
           <a:xfrm>
-            <a:off x="923498" y="3947096"/>
-            <a:ext cx="3647918" cy="495300"/>
+            <a:off x="1800425" y="3416311"/>
+            <a:ext cx="3157365" cy="441325"/>
           </a:xfrm>
           <a:prstGeom prst="rect">
             <a:avLst/>
@@ -3786,7 +3786,7 @@
           </a:bodyPr>
           <a:p>
             <a:r>
-              <a:rPr lang="de-DE" sz="2630" i="1" dirty="0" err="1" smtClean="0">
+              <a:rPr lang="de-DE" sz="2275" i="1" dirty="0" err="1" smtClean="0">
                 <a:effectLst>
                   <a:outerShdw blurRad="38100" dist="38100" dir="2700000" algn="tl">
                     <a:srgbClr val="000000">
@@ -3798,7 +3798,7 @@
               <a:t>BuTiS</a:t>
             </a:r>
             <a:r>
-              <a:rPr lang="de-DE" sz="2630" i="1" dirty="0" smtClean="0">
+              <a:rPr lang="de-DE" sz="2275" i="1" dirty="0" smtClean="0">
                 <a:effectLst>
                   <a:outerShdw blurRad="38100" dist="38100" dir="2700000" algn="tl">
                     <a:srgbClr val="000000">
@@ -3809,7 +3809,7 @@
               </a:rPr>
               <a:t> C2 T0</a:t>
             </a:r>
-            <a:endParaRPr lang="de-DE" sz="2630" i="1" dirty="0">
+            <a:endParaRPr lang="de-DE" sz="2275" i="1" dirty="0">
               <a:effectLst>
                 <a:outerShdw blurRad="38100" dist="38100" dir="2700000" algn="tl">
                   <a:srgbClr val="000000">
@@ -3829,8 +3829,8 @@
         </p:nvSpPr>
         <p:spPr>
           <a:xfrm>
-            <a:off x="2118202" y="1432896"/>
-            <a:ext cx="3809509" cy="495300"/>
+            <a:off x="2834471" y="1240208"/>
+            <a:ext cx="3297226" cy="441325"/>
           </a:xfrm>
           <a:prstGeom prst="rect">
             <a:avLst/>
@@ -3843,7 +3843,7 @@
           </a:bodyPr>
           <a:p>
             <a:r>
-              <a:rPr lang="de-DE" sz="2630" i="1" dirty="0">
+              <a:rPr lang="de-DE" sz="2275" i="1" dirty="0">
                 <a:effectLst>
                   <a:outerShdw blurRad="38100" dist="38100" dir="2700000" algn="tl">
                     <a:srgbClr val="000000">
@@ -3855,7 +3855,7 @@
               <a:t>Phase </a:t>
             </a:r>
             <a:r>
-              <a:rPr lang="de-DE" sz="2630" i="1" dirty="0" err="1" smtClean="0">
+              <a:rPr lang="de-DE" sz="2275" i="1" dirty="0" err="1" smtClean="0">
                 <a:effectLst>
                   <a:outerShdw blurRad="38100" dist="38100" dir="2700000" algn="tl">
                     <a:srgbClr val="000000">
@@ -3866,7 +3866,7 @@
               </a:rPr>
               <a:t>correction</a:t>
             </a:r>
-            <a:endParaRPr lang="de-DE" sz="2630" i="1" dirty="0">
+            <a:endParaRPr lang="de-DE" sz="2275" i="1" dirty="0">
               <a:effectLst>
                 <a:outerShdw blurRad="38100" dist="38100" dir="2700000" algn="tl">
                   <a:srgbClr val="000000">
@@ -3904,8 +3904,8 @@
         </p:nvSpPr>
         <p:spPr>
           <a:xfrm>
-            <a:off x="115588" y="2171014"/>
-            <a:ext cx="6179871" cy="1453258"/>
+            <a:off x="1101158" y="1879067"/>
+            <a:ext cx="5348834" cy="1257832"/>
           </a:xfrm>
           <a:prstGeom prst="rect">
             <a:avLst/>
@@ -3953,7 +3953,7 @@
           <a:bodyPr rtlCol="0" anchor="ctr"/>
           <a:p>
             <a:pPr algn="ctr"/>
-            <a:endParaRPr lang="de-DE" sz="1970"/>
+            <a:endParaRPr lang="de-DE" sz="1705"/>
           </a:p>
         </p:txBody>
       </p:sp>
@@ -3965,8 +3965,8 @@
         </p:nvSpPr>
         <p:spPr>
           <a:xfrm>
-            <a:off x="115588" y="2171014"/>
-            <a:ext cx="1295699" cy="1453258"/>
+            <a:off x="1101158" y="1879067"/>
+            <a:ext cx="1121460" cy="1257832"/>
           </a:xfrm>
           <a:prstGeom prst="rect">
             <a:avLst/>
@@ -3993,22 +3993,22 @@
           <a:p>
             <a:pPr algn="ctr"/>
             <a:r>
-              <a:rPr lang="de-DE" sz="3070" dirty="0" smtClean="0"/>
+              <a:rPr lang="de-DE" sz="2655" dirty="0" smtClean="0"/>
               <a:t>B2B</a:t>
             </a:r>
-            <a:endParaRPr lang="de-DE" sz="3070" dirty="0" smtClean="0"/>
+            <a:endParaRPr lang="de-DE" sz="2655" dirty="0" smtClean="0"/>
           </a:p>
           <a:p>
             <a:pPr algn="ctr"/>
             <a:r>
-              <a:rPr lang="de-DE" sz="3070" dirty="0" err="1" smtClean="0"/>
+              <a:rPr lang="de-DE" sz="2655" dirty="0" err="1" smtClean="0"/>
               <a:t>source</a:t>
             </a:r>
             <a:r>
-              <a:rPr lang="de-DE" sz="3070" dirty="0" smtClean="0"/>
+              <a:rPr lang="de-DE" sz="2655" dirty="0" smtClean="0"/>
               <a:t> SCU</a:t>
             </a:r>
-            <a:endParaRPr lang="de-DE" sz="3070" dirty="0"/>
+            <a:endParaRPr lang="de-DE" sz="2655" dirty="0"/>
           </a:p>
         </p:txBody>
       </p:sp>
@@ -4020,8 +4020,8 @@
         </p:nvSpPr>
         <p:spPr>
           <a:xfrm>
-            <a:off x="1411287" y="2168661"/>
-            <a:ext cx="1074663" cy="1455611"/>
+            <a:off x="2222618" y="1877031"/>
+            <a:ext cx="930148" cy="1259868"/>
           </a:xfrm>
           <a:prstGeom prst="rect">
             <a:avLst/>
@@ -4053,14 +4053,14 @@
           <a:p>
             <a:pPr algn="ctr"/>
             <a:r>
-              <a:rPr lang="de-DE" sz="3070" i="1" dirty="0" smtClean="0">
+              <a:rPr lang="de-DE" sz="2655" i="1" dirty="0" smtClean="0">
                 <a:solidFill>
                   <a:schemeClr val="tx1"/>
                 </a:solidFill>
               </a:rPr>
               <a:t>PAP</a:t>
             </a:r>
-            <a:endParaRPr lang="de-DE" sz="3070" i="1" dirty="0">
+            <a:endParaRPr lang="de-DE" sz="2655" i="1" dirty="0">
               <a:solidFill>
                 <a:schemeClr val="tx1"/>
               </a:solidFill>
@@ -4076,8 +4076,8 @@
         </p:nvCxnSpPr>
         <p:spPr>
           <a:xfrm flipV="1">
-            <a:off x="1667610" y="3624272"/>
-            <a:ext cx="0" cy="512712"/>
+            <a:off x="2444472" y="3136899"/>
+            <a:ext cx="0" cy="443765"/>
           </a:xfrm>
           <a:prstGeom prst="straightConnector1">
             <a:avLst/>
@@ -4112,8 +4112,8 @@
         </p:nvCxnSpPr>
         <p:spPr>
           <a:xfrm flipV="1">
-            <a:off x="1853471" y="3640021"/>
-            <a:ext cx="0" cy="512712"/>
+            <a:off x="2605340" y="3150530"/>
+            <a:ext cx="0" cy="443765"/>
           </a:xfrm>
           <a:prstGeom prst="straightConnector1">
             <a:avLst/>
@@ -4148,8 +4148,8 @@
         </p:nvSpPr>
         <p:spPr>
           <a:xfrm>
-            <a:off x="2485950" y="2166561"/>
-            <a:ext cx="1074663" cy="1455611"/>
+            <a:off x="3152766" y="1875213"/>
+            <a:ext cx="930148" cy="1259868"/>
           </a:xfrm>
           <a:prstGeom prst="rect">
             <a:avLst/>
@@ -4179,14 +4179,14 @@
           <a:p>
             <a:pPr algn="ctr"/>
             <a:r>
-              <a:rPr lang="de-DE" sz="3070" i="1" dirty="0" smtClean="0">
+              <a:rPr lang="de-DE" sz="2655" i="1" dirty="0" smtClean="0">
                 <a:solidFill>
                   <a:schemeClr val="tx1"/>
                 </a:solidFill>
               </a:rPr>
               <a:t>PSM</a:t>
             </a:r>
-            <a:endParaRPr lang="de-DE" sz="3070" i="1" dirty="0">
+            <a:endParaRPr lang="de-DE" sz="2655" i="1" dirty="0">
               <a:solidFill>
                 <a:schemeClr val="tx1"/>
               </a:solidFill>
@@ -4202,8 +4202,8 @@
         </p:nvCxnSpPr>
         <p:spPr>
           <a:xfrm flipV="1">
-            <a:off x="3012791" y="3655771"/>
-            <a:ext cx="0" cy="512712"/>
+            <a:off x="3608761" y="3164162"/>
+            <a:ext cx="0" cy="443765"/>
           </a:xfrm>
           <a:prstGeom prst="straightConnector1">
             <a:avLst/>
@@ -4238,8 +4238,8 @@
         </p:nvCxnSpPr>
         <p:spPr>
           <a:xfrm flipV="1">
-            <a:off x="3198652" y="3671520"/>
-            <a:ext cx="0" cy="512712"/>
+            <a:off x="3769628" y="3177793"/>
+            <a:ext cx="0" cy="443765"/>
           </a:xfrm>
           <a:prstGeom prst="straightConnector1">
             <a:avLst/>
@@ -4276,8 +4276,8 @@
         </p:nvCxnSpPr>
         <p:spPr>
           <a:xfrm flipH="1" flipV="1">
-            <a:off x="3010535" y="1632190"/>
-            <a:ext cx="2540" cy="534670"/>
+            <a:off x="3606808" y="1412702"/>
+            <a:ext cx="2198" cy="462770"/>
           </a:xfrm>
           <a:prstGeom prst="straightConnector1">
             <a:avLst/>
@@ -4312,8 +4312,8 @@
         </p:nvSpPr>
         <p:spPr>
           <a:xfrm>
-            <a:off x="2348191" y="809160"/>
-            <a:ext cx="1324779" cy="823044"/>
+            <a:off x="3033532" y="700348"/>
+            <a:ext cx="1146630" cy="712365"/>
           </a:xfrm>
           <a:prstGeom prst="rect">
             <a:avLst/>
@@ -4343,14 +4343,14 @@
           <a:p>
             <a:pPr algn="ctr"/>
             <a:r>
-              <a:rPr lang="de-DE" sz="3070" i="1" dirty="0" smtClean="0">
+              <a:rPr lang="de-DE" sz="2655" i="1" dirty="0" smtClean="0">
                 <a:solidFill>
                   <a:schemeClr val="tx1"/>
                 </a:solidFill>
               </a:rPr>
               <a:t>Group DDS</a:t>
             </a:r>
-            <a:endParaRPr lang="de-DE" sz="3070" i="1" dirty="0">
+            <a:endParaRPr lang="de-DE" sz="2655" i="1" dirty="0">
               <a:solidFill>
                 <a:schemeClr val="tx1"/>
               </a:solidFill>
@@ -4366,8 +4366,8 @@
         </p:nvSpPr>
         <p:spPr>
           <a:xfrm>
-            <a:off x="763437" y="4136983"/>
-            <a:ext cx="3647918" cy="495300"/>
+            <a:off x="1661888" y="3580663"/>
+            <a:ext cx="3157365" cy="441325"/>
           </a:xfrm>
           <a:prstGeom prst="rect">
             <a:avLst/>
@@ -4380,7 +4380,7 @@
           </a:bodyPr>
           <a:p>
             <a:r>
-              <a:rPr lang="de-DE" sz="2630" i="1" dirty="0" err="1" smtClean="0">
+              <a:rPr lang="de-DE" sz="2275" i="1" dirty="0" err="1" smtClean="0">
                 <a:effectLst>
                   <a:outerShdw blurRad="38100" dist="38100" dir="2700000" algn="tl">
                     <a:srgbClr val="000000">
@@ -4392,7 +4392,7 @@
               <a:t>BuTiS</a:t>
             </a:r>
             <a:r>
-              <a:rPr lang="de-DE" sz="2630" i="1" dirty="0" smtClean="0">
+              <a:rPr lang="de-DE" sz="2275" i="1" dirty="0" smtClean="0">
                 <a:effectLst>
                   <a:outerShdw blurRad="38100" dist="38100" dir="2700000" algn="tl">
                     <a:srgbClr val="000000">
@@ -4403,7 +4403,7 @@
               </a:rPr>
               <a:t> C2 T0</a:t>
             </a:r>
-            <a:endParaRPr lang="de-DE" sz="2630" i="1" dirty="0">
+            <a:endParaRPr lang="de-DE" sz="2275" i="1" dirty="0">
               <a:effectLst>
                 <a:outerShdw blurRad="38100" dist="38100" dir="2700000" algn="tl">
                   <a:srgbClr val="000000">
@@ -4423,8 +4423,8 @@
         </p:nvSpPr>
         <p:spPr>
           <a:xfrm>
-            <a:off x="3013231" y="1632298"/>
-            <a:ext cx="4434715" cy="495300"/>
+            <a:off x="3678807" y="1412494"/>
+            <a:ext cx="4100629" cy="441325"/>
           </a:xfrm>
           <a:prstGeom prst="rect">
             <a:avLst/>
@@ -4437,7 +4437,7 @@
           </a:bodyPr>
           <a:p>
             <a:r>
-              <a:rPr lang="de-DE" sz="2630" i="1" dirty="0" err="1">
+              <a:rPr lang="en-US" sz="2275" i="1" dirty="0" err="1">
                 <a:effectLst>
                   <a:outerShdw blurRad="38100" dist="38100" dir="2700000" algn="tl">
                     <a:srgbClr val="000000">
@@ -4446,93 +4446,9 @@
                   </a:outerShdw>
                 </a:effectLst>
               </a:rPr>
-              <a:t>Required</a:t>
-            </a:r>
-            <a:r>
-              <a:rPr lang="de-DE" sz="2630" i="1" dirty="0">
-                <a:effectLst>
-                  <a:outerShdw blurRad="38100" dist="38100" dir="2700000" algn="tl">
-                    <a:srgbClr val="000000">
-                      <a:alpha val="43137"/>
-                    </a:srgbClr>
-                  </a:outerShdw>
-                </a:effectLst>
-              </a:rPr>
-              <a:t> </a:t>
-            </a:r>
-            <a:r>
-              <a:rPr lang="de-DE" sz="2630" i="1" dirty="0" err="1">
-                <a:effectLst>
-                  <a:outerShdw blurRad="38100" dist="38100" dir="2700000" algn="tl">
-                    <a:srgbClr val="000000">
-                      <a:alpha val="43137"/>
-                    </a:srgbClr>
-                  </a:outerShdw>
-                </a:effectLst>
-              </a:rPr>
-              <a:t>phase</a:t>
-            </a:r>
-            <a:r>
-              <a:rPr lang="de-DE" sz="2630" i="1" dirty="0">
-                <a:effectLst>
-                  <a:outerShdw blurRad="38100" dist="38100" dir="2700000" algn="tl">
-                    <a:srgbClr val="000000">
-                      <a:alpha val="43137"/>
-                    </a:srgbClr>
-                  </a:outerShdw>
-                </a:effectLst>
-              </a:rPr>
-              <a:t> </a:t>
-            </a:r>
-            <a:r>
-              <a:rPr lang="de-DE" sz="2630" i="1" dirty="0" err="1">
-                <a:effectLst>
-                  <a:outerShdw blurRad="38100" dist="38100" dir="2700000" algn="tl">
-                    <a:srgbClr val="000000">
-                      <a:alpha val="43137"/>
-                    </a:srgbClr>
-                  </a:outerShdw>
-                </a:effectLst>
-              </a:rPr>
-              <a:t>shift</a:t>
-            </a:r>
-            <a:r>
-              <a:rPr lang="de-DE" sz="2630" i="1" dirty="0">
-                <a:effectLst>
-                  <a:outerShdw blurRad="38100" dist="38100" dir="2700000" algn="tl">
-                    <a:srgbClr val="000000">
-                      <a:alpha val="43137"/>
-                    </a:srgbClr>
-                  </a:outerShdw>
-                </a:effectLst>
-              </a:rPr>
-              <a:t> ∆</a:t>
-            </a:r>
-            <a:r>
-              <a:rPr lang="el-GR" sz="2630" i="1" dirty="0">
-                <a:effectLst>
-                  <a:outerShdw blurRad="38100" dist="38100" dir="2700000" algn="tl">
-                    <a:srgbClr val="000000">
-                      <a:alpha val="43137"/>
-                    </a:srgbClr>
-                  </a:outerShdw>
-                </a:effectLst>
-              </a:rPr>
-              <a:t>Φ</a:t>
-            </a:r>
-            <a:r>
-              <a:rPr lang="de-DE" sz="2630" i="1" baseline="-25000" dirty="0" err="1">
-                <a:effectLst>
-                  <a:outerShdw blurRad="38100" dist="38100" dir="2700000" algn="tl">
-                    <a:srgbClr val="000000">
-                      <a:alpha val="43137"/>
-                    </a:srgbClr>
-                  </a:outerShdw>
-                </a:effectLst>
-              </a:rPr>
-              <a:t>shift</a:t>
-            </a:r>
-            <a:endParaRPr lang="de-DE" sz="2630" i="1" baseline="-25000" dirty="0">
+              <a:t>Frequency /phase modulation</a:t>
+            </a:r>
+            <a:endParaRPr lang="en-US" sz="2275" i="1" baseline="-25000" dirty="0">
               <a:effectLst>
                 <a:outerShdw blurRad="38100" dist="38100" dir="2700000" algn="tl">
                   <a:srgbClr val="000000">
@@ -4577,8 +4493,8 @@
         </p:nvSpPr>
         <p:spPr>
           <a:xfrm>
-            <a:off x="61192" y="2908948"/>
-            <a:ext cx="6190568" cy="1492792"/>
+            <a:off x="1054077" y="2517768"/>
+            <a:ext cx="5358093" cy="1292049"/>
           </a:xfrm>
           <a:prstGeom prst="rect">
             <a:avLst/>
@@ -4627,7 +4543,7 @@
           <a:lstStyle/>
           <a:p>
             <a:pPr algn="ctr"/>
-            <a:endParaRPr lang="de-DE" sz="1970"/>
+            <a:endParaRPr lang="de-DE" sz="1705"/>
           </a:p>
         </p:txBody>
       </p:sp>
@@ -4639,8 +4555,8 @@
         </p:nvSpPr>
         <p:spPr>
           <a:xfrm>
-            <a:off x="61191" y="2908948"/>
-            <a:ext cx="1297942" cy="1492792"/>
+            <a:off x="1054076" y="2517768"/>
+            <a:ext cx="1123402" cy="1292049"/>
           </a:xfrm>
           <a:prstGeom prst="rect">
             <a:avLst/>
@@ -4668,10 +4584,10 @@
           <a:p>
             <a:pPr algn="ctr"/>
             <a:r>
-              <a:rPr lang="de-DE" sz="3070" dirty="0" err="1" smtClean="0"/>
+              <a:rPr lang="de-DE" sz="2655" dirty="0" err="1" smtClean="0"/>
               <a:t>TriggerSCU</a:t>
             </a:r>
-            <a:endParaRPr lang="de-DE" sz="3070" dirty="0"/>
+            <a:endParaRPr lang="de-DE" sz="2655" dirty="0"/>
           </a:p>
         </p:txBody>
       </p:sp>
@@ -4683,8 +4599,8 @@
         </p:nvSpPr>
         <p:spPr>
           <a:xfrm>
-            <a:off x="1356892" y="2893199"/>
-            <a:ext cx="1076523" cy="1495209"/>
+            <a:off x="2175538" y="2504137"/>
+            <a:ext cx="931758" cy="1294141"/>
           </a:xfrm>
           <a:prstGeom prst="rect">
             <a:avLst/>
@@ -4717,14 +4633,14 @@
           <a:p>
             <a:pPr algn="ctr"/>
             <a:r>
-              <a:rPr lang="de-DE" sz="3070" i="1" dirty="0" smtClean="0">
+              <a:rPr lang="de-DE" sz="2655" i="1" dirty="0" smtClean="0">
                 <a:solidFill>
                   <a:schemeClr val="tx1"/>
                 </a:solidFill>
               </a:rPr>
               <a:t>PCM</a:t>
             </a:r>
-            <a:endParaRPr lang="de-DE" sz="3070" i="1" dirty="0">
+            <a:endParaRPr lang="de-DE" sz="2655" i="1" dirty="0">
               <a:solidFill>
                 <a:schemeClr val="tx1"/>
               </a:solidFill>
@@ -4740,8 +4656,8 @@
         </p:nvSpPr>
         <p:spPr>
           <a:xfrm>
-            <a:off x="747142" y="4910848"/>
-            <a:ext cx="3654233" cy="495300"/>
+            <a:off x="1647784" y="4250463"/>
+            <a:ext cx="3162831" cy="441325"/>
           </a:xfrm>
           <a:prstGeom prst="rect">
             <a:avLst/>
@@ -4755,7 +4671,7 @@
           <a:lstStyle/>
           <a:p>
             <a:r>
-              <a:rPr lang="de-DE" sz="2630" i="1" dirty="0" err="1" smtClean="0">
+              <a:rPr lang="de-DE" sz="2275" i="1" dirty="0" err="1" smtClean="0">
                 <a:effectLst>
                   <a:outerShdw blurRad="38100" dist="38100" dir="2700000" algn="tl">
                     <a:srgbClr val="000000">
@@ -4767,7 +4683,7 @@
               <a:t>BuTiS</a:t>
             </a:r>
             <a:r>
-              <a:rPr lang="de-DE" sz="2630" i="1" dirty="0" smtClean="0">
+              <a:rPr lang="de-DE" sz="2275" i="1" dirty="0" smtClean="0">
                 <a:effectLst>
                   <a:outerShdw blurRad="38100" dist="38100" dir="2700000" algn="tl">
                     <a:srgbClr val="000000">
@@ -4778,7 +4694,7 @@
               </a:rPr>
               <a:t> C2 T0</a:t>
             </a:r>
-            <a:endParaRPr lang="de-DE" sz="2630" i="1" dirty="0">
+            <a:endParaRPr lang="de-DE" sz="2275" i="1" dirty="0">
               <a:effectLst>
                 <a:outerShdw blurRad="38100" dist="38100" dir="2700000" algn="tl">
                   <a:srgbClr val="000000">
@@ -4798,8 +4714,8 @@
         </p:nvSpPr>
         <p:spPr>
           <a:xfrm>
-            <a:off x="2442431" y="2893199"/>
-            <a:ext cx="1076523" cy="1495209"/>
+            <a:off x="3115100" y="2504137"/>
+            <a:ext cx="931758" cy="1294141"/>
           </a:xfrm>
           <a:prstGeom prst="rect">
             <a:avLst/>
@@ -4830,14 +4746,14 @@
           <a:p>
             <a:pPr algn="ctr"/>
             <a:r>
-              <a:rPr lang="de-DE" sz="3070" i="1" dirty="0" smtClean="0">
+              <a:rPr lang="de-DE" sz="2655" i="1" dirty="0" smtClean="0">
                 <a:solidFill>
                   <a:schemeClr val="tx1"/>
                 </a:solidFill>
               </a:rPr>
               <a:t>TD</a:t>
             </a:r>
-            <a:endParaRPr lang="de-DE" sz="3070" i="1" dirty="0">
+            <a:endParaRPr lang="de-DE" sz="2655" i="1" dirty="0">
               <a:solidFill>
                 <a:schemeClr val="tx1"/>
               </a:solidFill>
@@ -4853,8 +4769,8 @@
         </p:nvSpPr>
         <p:spPr>
           <a:xfrm>
-            <a:off x="2003167" y="164358"/>
-            <a:ext cx="1954128" cy="1604207"/>
+            <a:off x="2734905" y="142256"/>
+            <a:ext cx="1691347" cy="1388482"/>
           </a:xfrm>
           <a:prstGeom prst="rect">
             <a:avLst/>
@@ -4885,7 +4801,7 @@
           <a:p>
             <a:pPr algn="ctr"/>
             <a:r>
-              <a:rPr lang="de-DE" sz="3070" i="1" dirty="0" err="1" smtClean="0">
+              <a:rPr lang="de-DE" sz="2655" i="1" dirty="0" err="1" smtClean="0">
                 <a:solidFill>
                   <a:schemeClr val="tx1"/>
                 </a:solidFill>
@@ -4893,7 +4809,7 @@
               <a:t>Extraction</a:t>
             </a:r>
             <a:r>
-              <a:rPr lang="de-DE" sz="3070" i="1" dirty="0" smtClean="0">
+              <a:rPr lang="de-DE" sz="2655" i="1" dirty="0" smtClean="0">
                 <a:solidFill>
                   <a:schemeClr val="tx1"/>
                 </a:solidFill>
@@ -4901,7 +4817,7 @@
               <a:t> /</a:t>
             </a:r>
             <a:r>
-              <a:rPr lang="de-DE" sz="3070" i="1" dirty="0" err="1" smtClean="0">
+              <a:rPr lang="de-DE" sz="2655" i="1" dirty="0" err="1" smtClean="0">
                 <a:solidFill>
                   <a:schemeClr val="tx1"/>
                 </a:solidFill>
@@ -4909,7 +4825,7 @@
               <a:t>injection</a:t>
             </a:r>
             <a:r>
-              <a:rPr lang="de-DE" sz="3070" i="1" dirty="0" smtClean="0">
+              <a:rPr lang="de-DE" sz="2655" i="1" dirty="0" smtClean="0">
                 <a:solidFill>
                   <a:schemeClr val="tx1"/>
                 </a:solidFill>
@@ -4917,14 +4833,14 @@
               <a:t> </a:t>
             </a:r>
             <a:r>
-              <a:rPr lang="de-DE" sz="3070" i="1" dirty="0" err="1" smtClean="0">
+              <a:rPr lang="de-DE" sz="2655" i="1" dirty="0" err="1" smtClean="0">
                 <a:solidFill>
                   <a:schemeClr val="tx1"/>
                 </a:solidFill>
               </a:rPr>
               <a:t>kicker</a:t>
             </a:r>
-            <a:endParaRPr lang="de-DE" sz="3070" i="1" dirty="0">
+            <a:endParaRPr lang="de-DE" sz="2655" i="1" dirty="0">
               <a:solidFill>
                 <a:schemeClr val="tx1"/>
               </a:solidFill>
@@ -4942,8 +4858,8 @@
         </p:nvCxnSpPr>
         <p:spPr>
           <a:xfrm flipV="1">
-            <a:off x="2971800" y="1768475"/>
-            <a:ext cx="8890" cy="394335"/>
+            <a:off x="3573282" y="1530660"/>
+            <a:ext cx="7695" cy="341307"/>
           </a:xfrm>
           <a:prstGeom prst="straightConnector1">
             <a:avLst/>
@@ -4979,8 +4895,8 @@
         </p:nvSpPr>
         <p:spPr>
           <a:xfrm>
-            <a:off x="3543188" y="1446628"/>
-            <a:ext cx="1952041" cy="1077588"/>
+            <a:off x="4067833" y="1252093"/>
+            <a:ext cx="1689541" cy="932680"/>
           </a:xfrm>
           <a:prstGeom prst="rect">
             <a:avLst/>
@@ -5011,7 +4927,7 @@
           <a:p>
             <a:pPr algn="ctr"/>
             <a:r>
-              <a:rPr lang="de-DE" sz="3070" i="1" dirty="0" smtClean="0">
+              <a:rPr lang="de-DE" sz="2655" i="1" dirty="0" smtClean="0">
                 <a:solidFill>
                   <a:schemeClr val="tx1"/>
                 </a:solidFill>
@@ -5019,14 +4935,14 @@
               <a:t>Emergency </a:t>
             </a:r>
             <a:r>
-              <a:rPr lang="de-DE" sz="3070" i="1" dirty="0" err="1" smtClean="0">
+              <a:rPr lang="de-DE" sz="2655" i="1" dirty="0" err="1" smtClean="0">
                 <a:solidFill>
                   <a:schemeClr val="tx1"/>
                 </a:solidFill>
               </a:rPr>
               <a:t>kicker</a:t>
             </a:r>
-            <a:endParaRPr lang="de-DE" sz="3070" i="1" dirty="0">
+            <a:endParaRPr lang="de-DE" sz="2655" i="1" dirty="0">
               <a:solidFill>
                 <a:schemeClr val="tx1"/>
               </a:solidFill>
@@ -5042,8 +4958,8 @@
         </p:nvSpPr>
         <p:spPr>
           <a:xfrm>
-            <a:off x="1356892" y="1990777"/>
-            <a:ext cx="1074663" cy="533224"/>
+            <a:off x="2175538" y="1723068"/>
+            <a:ext cx="930148" cy="461519"/>
           </a:xfrm>
           <a:prstGeom prst="rect">
             <a:avLst/>
@@ -5074,14 +4990,14 @@
           <a:p>
             <a:pPr algn="ctr"/>
             <a:r>
-              <a:rPr lang="de-DE" sz="3070" i="1" dirty="0" smtClean="0">
+              <a:rPr lang="de-DE" sz="2655" i="1" dirty="0" smtClean="0">
                 <a:solidFill>
                   <a:schemeClr val="tx1"/>
                 </a:solidFill>
               </a:rPr>
               <a:t>SR</a:t>
             </a:r>
-            <a:endParaRPr lang="de-DE" sz="3070" i="1" dirty="0">
+            <a:endParaRPr lang="de-DE" sz="2655" i="1" dirty="0">
               <a:solidFill>
                 <a:schemeClr val="tx1"/>
               </a:solidFill>
@@ -5099,8 +5015,8 @@
         </p:nvCxnSpPr>
         <p:spPr>
           <a:xfrm flipV="1">
-            <a:off x="1883410" y="2524125"/>
-            <a:ext cx="10795" cy="382270"/>
+            <a:off x="2631253" y="2184694"/>
+            <a:ext cx="9343" cy="330864"/>
           </a:xfrm>
           <a:prstGeom prst="straightConnector1">
             <a:avLst/>
@@ -5135,8 +5051,8 @@
         </p:nvCxnSpPr>
         <p:spPr>
           <a:xfrm flipV="1">
-            <a:off x="1801032" y="4398777"/>
-            <a:ext cx="0" cy="512712"/>
+            <a:off x="2559952" y="3807253"/>
+            <a:ext cx="0" cy="443765"/>
           </a:xfrm>
           <a:prstGeom prst="straightConnector1">
             <a:avLst/>
@@ -5171,8 +5087,8 @@
         </p:nvCxnSpPr>
         <p:spPr>
           <a:xfrm flipV="1">
-            <a:off x="1986893" y="4414526"/>
-            <a:ext cx="0" cy="512712"/>
+            <a:off x="2720820" y="3820884"/>
+            <a:ext cx="0" cy="443765"/>
           </a:xfrm>
           <a:prstGeom prst="straightConnector1">
             <a:avLst/>
@@ -5207,8 +5123,8 @@
         </p:nvCxnSpPr>
         <p:spPr>
           <a:xfrm>
-            <a:off x="2971800" y="2137410"/>
-            <a:ext cx="571500" cy="635"/>
+            <a:off x="3573282" y="1849982"/>
+            <a:ext cx="494648" cy="550"/>
           </a:xfrm>
           <a:prstGeom prst="straightConnector1">
             <a:avLst/>
@@ -5244,8 +5160,8 @@
         </p:nvCxnSpPr>
         <p:spPr>
           <a:xfrm flipH="1">
-            <a:off x="2967990" y="2200910"/>
-            <a:ext cx="3810" cy="692150"/>
+            <a:off x="3569984" y="1904943"/>
+            <a:ext cx="3298" cy="599073"/>
           </a:xfrm>
           <a:prstGeom prst="line">
             <a:avLst/>
@@ -5275,8 +5191,8 @@
         </p:nvSpPr>
         <p:spPr>
           <a:xfrm>
-            <a:off x="2997200" y="1667510"/>
-            <a:ext cx="551815" cy="495300"/>
+            <a:off x="3595266" y="1443272"/>
+            <a:ext cx="477610" cy="441325"/>
           </a:xfrm>
           <a:prstGeom prst="rect">
             <a:avLst/>
@@ -5289,7 +5205,7 @@
           </a:bodyPr>
           <a:p>
             <a:r>
-              <a:rPr lang="en-US" altLang="de-DE" sz="2630" i="1" dirty="0" err="1" smtClean="0">
+              <a:rPr lang="en-US" altLang="de-DE" sz="2275" i="1" dirty="0" err="1" smtClean="0">
                 <a:effectLst>
                   <a:outerShdw blurRad="38100" dist="38100" dir="2700000" algn="tl">
                     <a:srgbClr val="000000">
@@ -5300,7 +5216,7 @@
               </a:rPr>
               <a:t>or</a:t>
             </a:r>
-            <a:endParaRPr lang="en-US" altLang="de-DE" sz="2630" i="1" dirty="0">
+            <a:endParaRPr lang="en-US" altLang="de-DE" sz="2275" i="1" dirty="0">
               <a:effectLst>
                 <a:outerShdw blurRad="38100" dist="38100" dir="2700000" algn="tl">
                   <a:srgbClr val="000000">

--- a/images/functonality.pptx
+++ b/images/functonality.pptx
@@ -10,7 +10,7 @@
     <p:sldId id="259" r:id="rId5"/>
     <p:sldId id="257" r:id="rId6"/>
   </p:sldIdLst>
-  <p:sldSz cx="7937500" cy="4632960"/>
+  <p:sldSz cx="10817860" cy="4632960"/>
   <p:notesSz cx="9144000" cy="6858000"/>
   <p:defaultTextStyle>
     <a:defPPr>
@@ -139,8 +139,8 @@
         </p:nvSpPr>
         <p:spPr>
           <a:xfrm>
-            <a:off x="992250" y="758488"/>
-            <a:ext cx="5953500" cy="1613531"/>
+            <a:off x="1352335" y="758527"/>
+            <a:ext cx="8114011" cy="1613615"/>
           </a:xfrm>
         </p:spPr>
         <p:txBody>
@@ -171,8 +171,8 @@
         </p:nvSpPr>
         <p:spPr>
           <a:xfrm>
-            <a:off x="992250" y="2434244"/>
-            <a:ext cx="5953500" cy="1118958"/>
+            <a:off x="1352335" y="2434370"/>
+            <a:ext cx="8114011" cy="1119016"/>
           </a:xfrm>
         </p:spPr>
         <p:txBody>
@@ -491,8 +491,8 @@
         </p:nvSpPr>
         <p:spPr>
           <a:xfrm>
-            <a:off x="5680631" y="246750"/>
-            <a:ext cx="1711631" cy="3927618"/>
+            <a:off x="7742119" y="246763"/>
+            <a:ext cx="2332778" cy="3927821"/>
           </a:xfrm>
         </p:spPr>
         <p:txBody>
@@ -519,8 +519,8 @@
         </p:nvSpPr>
         <p:spPr>
           <a:xfrm>
-            <a:off x="545738" y="246750"/>
-            <a:ext cx="5035669" cy="3927618"/>
+            <a:off x="743785" y="246763"/>
+            <a:ext cx="6863101" cy="3927821"/>
           </a:xfrm>
         </p:spPr>
         <p:txBody>
@@ -835,8 +835,8 @@
         </p:nvSpPr>
         <p:spPr>
           <a:xfrm>
-            <a:off x="541604" y="1155435"/>
-            <a:ext cx="6846525" cy="1927869"/>
+            <a:off x="738151" y="1155495"/>
+            <a:ext cx="9331113" cy="1927969"/>
           </a:xfrm>
         </p:spPr>
         <p:txBody>
@@ -867,8 +867,8 @@
         </p:nvSpPr>
         <p:spPr>
           <a:xfrm>
-            <a:off x="541604" y="3101541"/>
-            <a:ext cx="6846525" cy="1013821"/>
+            <a:off x="738151" y="3101702"/>
+            <a:ext cx="9331113" cy="1013874"/>
           </a:xfrm>
         </p:spPr>
         <p:txBody>
@@ -1098,8 +1098,8 @@
         </p:nvSpPr>
         <p:spPr>
           <a:xfrm>
-            <a:off x="545738" y="1233751"/>
-            <a:ext cx="3373650" cy="2940618"/>
+            <a:off x="743785" y="1233815"/>
+            <a:ext cx="4597940" cy="2940770"/>
           </a:xfrm>
         </p:spPr>
         <p:txBody>
@@ -1159,8 +1159,8 @@
         </p:nvSpPr>
         <p:spPr>
           <a:xfrm>
-            <a:off x="4018613" y="1233751"/>
-            <a:ext cx="3373650" cy="2940618"/>
+            <a:off x="5476958" y="1233815"/>
+            <a:ext cx="4597940" cy="2940770"/>
           </a:xfrm>
         </p:spPr>
         <p:txBody>
@@ -1308,8 +1308,8 @@
         </p:nvSpPr>
         <p:spPr>
           <a:xfrm>
-            <a:off x="546772" y="246750"/>
-            <a:ext cx="6846525" cy="895811"/>
+            <a:off x="745194" y="246763"/>
+            <a:ext cx="9331113" cy="895857"/>
           </a:xfrm>
         </p:spPr>
         <p:txBody>
@@ -1336,8 +1336,8 @@
         </p:nvSpPr>
         <p:spPr>
           <a:xfrm>
-            <a:off x="546772" y="1136124"/>
-            <a:ext cx="3358145" cy="556797"/>
+            <a:off x="745194" y="1136183"/>
+            <a:ext cx="4576808" cy="556826"/>
           </a:xfrm>
         </p:spPr>
         <p:txBody>
@@ -1402,8 +1402,8 @@
         </p:nvSpPr>
         <p:spPr>
           <a:xfrm>
-            <a:off x="546772" y="1692920"/>
-            <a:ext cx="3358145" cy="2490030"/>
+            <a:off x="745194" y="1693008"/>
+            <a:ext cx="4576808" cy="2490159"/>
           </a:xfrm>
         </p:spPr>
         <p:txBody>
@@ -1463,8 +1463,8 @@
         </p:nvSpPr>
         <p:spPr>
           <a:xfrm>
-            <a:off x="4018613" y="1136124"/>
-            <a:ext cx="3374684" cy="556797"/>
+            <a:off x="5476958" y="1136183"/>
+            <a:ext cx="4599349" cy="556826"/>
           </a:xfrm>
         </p:spPr>
         <p:txBody>
@@ -1529,8 +1529,8 @@
         </p:nvSpPr>
         <p:spPr>
           <a:xfrm>
-            <a:off x="4018613" y="1692920"/>
-            <a:ext cx="3374684" cy="2490030"/>
+            <a:off x="5476958" y="1693008"/>
+            <a:ext cx="4599349" cy="2490159"/>
           </a:xfrm>
         </p:spPr>
         <p:txBody>
@@ -1877,8 +1877,8 @@
         </p:nvSpPr>
         <p:spPr>
           <a:xfrm>
-            <a:off x="546772" y="308974"/>
-            <a:ext cx="2560211" cy="1081409"/>
+            <a:off x="745194" y="308990"/>
+            <a:ext cx="3489306" cy="1081465"/>
           </a:xfrm>
         </p:spPr>
         <p:txBody>
@@ -1909,8 +1909,8 @@
         </p:nvSpPr>
         <p:spPr>
           <a:xfrm>
-            <a:off x="3374684" y="667298"/>
-            <a:ext cx="4018613" cy="3293577"/>
+            <a:off x="4599349" y="667333"/>
+            <a:ext cx="5476958" cy="3293748"/>
           </a:xfrm>
         </p:spPr>
         <p:txBody>
@@ -1998,8 +1998,8 @@
         </p:nvSpPr>
         <p:spPr>
           <a:xfrm>
-            <a:off x="546772" y="1390383"/>
-            <a:ext cx="2560211" cy="2575857"/>
+            <a:off x="745194" y="1390455"/>
+            <a:ext cx="3489306" cy="2575990"/>
           </a:xfrm>
         </p:spPr>
         <p:txBody>
@@ -2152,8 +2152,8 @@
         </p:nvSpPr>
         <p:spPr>
           <a:xfrm>
-            <a:off x="546772" y="308974"/>
-            <a:ext cx="2560211" cy="1081409"/>
+            <a:off x="745194" y="308990"/>
+            <a:ext cx="3489306" cy="1081465"/>
           </a:xfrm>
         </p:spPr>
         <p:txBody>
@@ -2184,8 +2184,8 @@
         </p:nvSpPr>
         <p:spPr>
           <a:xfrm>
-            <a:off x="3374684" y="667298"/>
-            <a:ext cx="4018613" cy="3293577"/>
+            <a:off x="4599349" y="667333"/>
+            <a:ext cx="5476958" cy="3293748"/>
           </a:xfrm>
         </p:spPr>
         <p:txBody>
@@ -2245,8 +2245,8 @@
         </p:nvSpPr>
         <p:spPr>
           <a:xfrm>
-            <a:off x="546772" y="1390383"/>
-            <a:ext cx="2560211" cy="2575857"/>
+            <a:off x="745194" y="1390455"/>
+            <a:ext cx="3489306" cy="2575990"/>
           </a:xfrm>
         </p:spPr>
         <p:txBody>
@@ -2407,8 +2407,8 @@
         </p:nvSpPr>
         <p:spPr>
           <a:xfrm>
-            <a:off x="545738" y="246750"/>
-            <a:ext cx="6846525" cy="895811"/>
+            <a:off x="743785" y="246763"/>
+            <a:ext cx="9331113" cy="895857"/>
           </a:xfrm>
           <a:prstGeom prst="rect">
             <a:avLst/>
@@ -2440,8 +2440,8 @@
         </p:nvSpPr>
         <p:spPr>
           <a:xfrm>
-            <a:off x="545738" y="1233751"/>
-            <a:ext cx="6846525" cy="2940618"/>
+            <a:off x="743785" y="1233815"/>
+            <a:ext cx="9331113" cy="2940770"/>
           </a:xfrm>
           <a:prstGeom prst="rect">
             <a:avLst/>
@@ -2506,8 +2506,8 @@
         </p:nvSpPr>
         <p:spPr>
           <a:xfrm>
-            <a:off x="545738" y="4295598"/>
-            <a:ext cx="1786050" cy="246750"/>
+            <a:off x="743785" y="4295821"/>
+            <a:ext cx="2434203" cy="246763"/>
           </a:xfrm>
           <a:prstGeom prst="rect">
             <a:avLst/>
@@ -2546,8 +2546,8 @@
         </p:nvSpPr>
         <p:spPr>
           <a:xfrm>
-            <a:off x="2629463" y="4295598"/>
-            <a:ext cx="2679075" cy="246750"/>
+            <a:off x="3583689" y="4295821"/>
+            <a:ext cx="3651305" cy="246763"/>
           </a:xfrm>
           <a:prstGeom prst="rect">
             <a:avLst/>
@@ -2583,8 +2583,8 @@
         </p:nvSpPr>
         <p:spPr>
           <a:xfrm>
-            <a:off x="5606213" y="4295598"/>
-            <a:ext cx="1786050" cy="246750"/>
+            <a:off x="7640695" y="4295821"/>
+            <a:ext cx="2434203" cy="246763"/>
           </a:xfrm>
           <a:prstGeom prst="rect">
             <a:avLst/>
@@ -2648,7 +2648,7 @@
       </a:lvl1pPr>
     </p:titleStyle>
     <p:bodyStyle>
-      <a:lvl1pPr marL="153670" indent="-151130" algn="l" defTabSz="617220" rtl="0" eaLnBrk="1" latinLnBrk="0" hangingPunct="1">
+      <a:lvl1pPr marL="153670" indent="-150495" algn="l" defTabSz="617220" rtl="0" eaLnBrk="1" latinLnBrk="0" hangingPunct="1">
         <a:lnSpc>
           <a:spcPct val="90000"/>
         </a:lnSpc>
@@ -2666,7 +2666,7 @@
           <a:cs typeface="+mn-cs"/>
         </a:defRPr>
       </a:lvl1pPr>
-      <a:lvl2pPr marL="463550" indent="-151130" algn="l" defTabSz="617220" rtl="0" eaLnBrk="1" latinLnBrk="0" hangingPunct="1">
+      <a:lvl2pPr marL="463550" indent="-150495" algn="l" defTabSz="617220" rtl="0" eaLnBrk="1" latinLnBrk="0" hangingPunct="1">
         <a:lnSpc>
           <a:spcPct val="90000"/>
         </a:lnSpc>
@@ -2684,7 +2684,7 @@
           <a:cs typeface="+mn-cs"/>
         </a:defRPr>
       </a:lvl2pPr>
-      <a:lvl3pPr marL="772160" indent="-151130" algn="l" defTabSz="617220" rtl="0" eaLnBrk="1" latinLnBrk="0" hangingPunct="1">
+      <a:lvl3pPr marL="772160" indent="-150495" algn="l" defTabSz="617220" rtl="0" eaLnBrk="1" latinLnBrk="0" hangingPunct="1">
         <a:lnSpc>
           <a:spcPct val="90000"/>
         </a:lnSpc>
@@ -2702,7 +2702,7 @@
           <a:cs typeface="+mn-cs"/>
         </a:defRPr>
       </a:lvl3pPr>
-      <a:lvl4pPr marL="1080770" indent="-151130" algn="l" defTabSz="617220" rtl="0" eaLnBrk="1" latinLnBrk="0" hangingPunct="1">
+      <a:lvl4pPr marL="1080770" indent="-150495" algn="l" defTabSz="617220" rtl="0" eaLnBrk="1" latinLnBrk="0" hangingPunct="1">
         <a:lnSpc>
           <a:spcPct val="90000"/>
         </a:lnSpc>
@@ -2720,7 +2720,7 @@
           <a:cs typeface="+mn-cs"/>
         </a:defRPr>
       </a:lvl4pPr>
-      <a:lvl5pPr marL="1390650" indent="-151130" algn="l" defTabSz="617220" rtl="0" eaLnBrk="1" latinLnBrk="0" hangingPunct="1">
+      <a:lvl5pPr marL="1390650" indent="-150495" algn="l" defTabSz="617220" rtl="0" eaLnBrk="1" latinLnBrk="0" hangingPunct="1">
         <a:lnSpc>
           <a:spcPct val="90000"/>
         </a:lnSpc>
@@ -2738,7 +2738,7 @@
           <a:cs typeface="+mn-cs"/>
         </a:defRPr>
       </a:lvl5pPr>
-      <a:lvl6pPr marL="1699260" indent="-151130" algn="l" defTabSz="617220" rtl="0" eaLnBrk="1" latinLnBrk="0" hangingPunct="1">
+      <a:lvl6pPr marL="1699260" indent="-150495" algn="l" defTabSz="617220" rtl="0" eaLnBrk="1" latinLnBrk="0" hangingPunct="1">
         <a:lnSpc>
           <a:spcPct val="90000"/>
         </a:lnSpc>
@@ -2756,7 +2756,7 @@
           <a:cs typeface="+mn-cs"/>
         </a:defRPr>
       </a:lvl6pPr>
-      <a:lvl7pPr marL="2007870" indent="-151130" algn="l" defTabSz="617220" rtl="0" eaLnBrk="1" latinLnBrk="0" hangingPunct="1">
+      <a:lvl7pPr marL="2007870" indent="-150495" algn="l" defTabSz="617220" rtl="0" eaLnBrk="1" latinLnBrk="0" hangingPunct="1">
         <a:lnSpc>
           <a:spcPct val="90000"/>
         </a:lnSpc>
@@ -2774,7 +2774,7 @@
           <a:cs typeface="+mn-cs"/>
         </a:defRPr>
       </a:lvl7pPr>
-      <a:lvl8pPr marL="2317115" indent="-151130" algn="l" defTabSz="617220" rtl="0" eaLnBrk="1" latinLnBrk="0" hangingPunct="1">
+      <a:lvl8pPr marL="2317115" indent="-150495" algn="l" defTabSz="617220" rtl="0" eaLnBrk="1" latinLnBrk="0" hangingPunct="1">
         <a:lnSpc>
           <a:spcPct val="90000"/>
         </a:lnSpc>
@@ -2792,7 +2792,7 @@
           <a:cs typeface="+mn-cs"/>
         </a:defRPr>
       </a:lvl8pPr>
-      <a:lvl9pPr marL="2625725" indent="-151130" algn="l" defTabSz="617220" rtl="0" eaLnBrk="1" latinLnBrk="0" hangingPunct="1">
+      <a:lvl9pPr marL="2625725" indent="-150495" algn="l" defTabSz="617220" rtl="0" eaLnBrk="1" latinLnBrk="0" hangingPunct="1">
         <a:lnSpc>
           <a:spcPct val="90000"/>
         </a:lnSpc>
@@ -2935,8 +2935,8 @@
         </p:nvSpPr>
         <p:spPr>
           <a:xfrm>
-            <a:off x="1244583" y="1770644"/>
-            <a:ext cx="5348834" cy="1257832"/>
+            <a:off x="2684692" y="1770736"/>
+            <a:ext cx="5349111" cy="1257897"/>
           </a:xfrm>
           <a:prstGeom prst="rect">
             <a:avLst/>
@@ -2997,8 +2997,8 @@
         </p:nvSpPr>
         <p:spPr>
           <a:xfrm>
-            <a:off x="1244583" y="1770644"/>
-            <a:ext cx="1121460" cy="1257832"/>
+            <a:off x="2684692" y="1770736"/>
+            <a:ext cx="1121518" cy="1257897"/>
           </a:xfrm>
           <a:prstGeom prst="rect">
             <a:avLst/>
@@ -3053,8 +3053,8 @@
         </p:nvSpPr>
         <p:spPr>
           <a:xfrm>
-            <a:off x="2366044" y="1752248"/>
-            <a:ext cx="930148" cy="1259868"/>
+            <a:off x="3806211" y="1777105"/>
+            <a:ext cx="930196" cy="1259933"/>
           </a:xfrm>
           <a:prstGeom prst="rect">
             <a:avLst/>
@@ -3108,8 +3108,8 @@
         </p:nvSpPr>
         <p:spPr>
           <a:xfrm>
-            <a:off x="2366043" y="708266"/>
-            <a:ext cx="930149" cy="499402"/>
+            <a:off x="3806210" y="708303"/>
+            <a:ext cx="930197" cy="499428"/>
           </a:xfrm>
           <a:prstGeom prst="rect">
             <a:avLst/>
@@ -3163,8 +3163,8 @@
         </p:nvCxnSpPr>
         <p:spPr>
           <a:xfrm flipV="1">
-            <a:off x="2587898" y="3028475"/>
-            <a:ext cx="0" cy="443765"/>
+            <a:off x="4028077" y="3028632"/>
+            <a:ext cx="0" cy="443788"/>
           </a:xfrm>
           <a:prstGeom prst="straightConnector1">
             <a:avLst/>
@@ -3199,15 +3199,15 @@
         </p:nvCxnSpPr>
         <p:spPr>
           <a:xfrm flipV="1">
-            <a:off x="2748765" y="3042107"/>
-            <a:ext cx="0" cy="443765"/>
+            <a:off x="4230229" y="3025754"/>
+            <a:ext cx="0" cy="443788"/>
           </a:xfrm>
           <a:prstGeom prst="straightConnector1">
             <a:avLst/>
           </a:prstGeom>
           <a:ln w="60325" cmpd="sng">
             <a:solidFill>
-              <a:srgbClr val="FF0000"/>
+              <a:srgbClr val="00B050"/>
             </a:solidFill>
             <a:tailEnd type="triangle"/>
           </a:ln>
@@ -3235,8 +3235,8 @@
         </p:nvSpPr>
         <p:spPr>
           <a:xfrm>
-            <a:off x="1512785" y="3499504"/>
-            <a:ext cx="3157365" cy="441325"/>
+            <a:off x="2952908" y="3499685"/>
+            <a:ext cx="3157529" cy="441325"/>
           </a:xfrm>
           <a:prstGeom prst="rect">
             <a:avLst/>
@@ -3293,8 +3293,8 @@
         </p:nvCxnSpPr>
         <p:spPr>
           <a:xfrm>
-            <a:off x="2831117" y="1234931"/>
-            <a:ext cx="0" cy="533677"/>
+            <a:off x="4271308" y="1234995"/>
+            <a:ext cx="0" cy="533705"/>
           </a:xfrm>
           <a:prstGeom prst="straightConnector1">
             <a:avLst/>
@@ -3329,8 +3329,8 @@
         </p:nvSpPr>
         <p:spPr>
           <a:xfrm>
-            <a:off x="2831115" y="1270277"/>
-            <a:ext cx="2671561" cy="441325"/>
+            <a:off x="4271306" y="1270343"/>
+            <a:ext cx="2671699" cy="441325"/>
           </a:xfrm>
           <a:prstGeom prst="rect">
             <a:avLst/>
@@ -3416,6 +3416,129 @@
           </a:p>
         </p:txBody>
       </p:sp>
+      <p:grpSp>
+        <p:nvGrpSpPr>
+          <p:cNvPr id="6" name="组合 5"/>
+          <p:cNvGrpSpPr/>
+          <p:nvPr/>
+        </p:nvGrpSpPr>
+        <p:grpSpPr>
+          <a:xfrm>
+            <a:off x="8079866" y="3298356"/>
+            <a:ext cx="3265339" cy="642653"/>
+            <a:chOff x="8252" y="5631"/>
+            <a:chExt cx="5142" cy="1012"/>
+          </a:xfrm>
+        </p:grpSpPr>
+        <p:cxnSp>
+          <p:nvCxnSpPr>
+            <p:cNvPr id="2" name="Gerade Verbindung mit Pfeil 11"/>
+            <p:cNvCxnSpPr/>
+            <p:nvPr/>
+          </p:nvCxnSpPr>
+          <p:spPr>
+            <a:xfrm>
+              <a:off x="8252" y="6336"/>
+              <a:ext cx="672" cy="3"/>
+            </a:xfrm>
+            <a:prstGeom prst="straightConnector1">
+              <a:avLst/>
+            </a:prstGeom>
+            <a:ln w="60325" cmpd="sng">
+              <a:solidFill>
+                <a:srgbClr val="00B050"/>
+              </a:solidFill>
+              <a:tailEnd type="triangle"/>
+            </a:ln>
+          </p:spPr>
+          <p:style>
+            <a:lnRef idx="1">
+              <a:schemeClr val="accent1"/>
+            </a:lnRef>
+            <a:fillRef idx="0">
+              <a:schemeClr val="accent1"/>
+            </a:fillRef>
+            <a:effectRef idx="0">
+              <a:schemeClr val="accent1"/>
+            </a:effectRef>
+            <a:fontRef idx="minor">
+              <a:schemeClr val="tx1"/>
+            </a:fontRef>
+          </p:style>
+        </p:cxnSp>
+        <p:cxnSp>
+          <p:nvCxnSpPr>
+            <p:cNvPr id="3" name="Gerade Verbindung mit Pfeil 11"/>
+            <p:cNvCxnSpPr/>
+            <p:nvPr/>
+          </p:nvCxnSpPr>
+          <p:spPr>
+            <a:xfrm>
+              <a:off x="8252" y="5948"/>
+              <a:ext cx="672" cy="3"/>
+            </a:xfrm>
+            <a:prstGeom prst="straightConnector1">
+              <a:avLst/>
+            </a:prstGeom>
+            <a:ln w="60325" cmpd="sng">
+              <a:solidFill>
+                <a:schemeClr val="tx1"/>
+              </a:solidFill>
+              <a:tailEnd type="triangle"/>
+            </a:ln>
+          </p:spPr>
+          <p:style>
+            <a:lnRef idx="1">
+              <a:schemeClr val="accent1"/>
+            </a:lnRef>
+            <a:fillRef idx="0">
+              <a:schemeClr val="accent1"/>
+            </a:fillRef>
+            <a:effectRef idx="0">
+              <a:schemeClr val="accent1"/>
+            </a:effectRef>
+            <a:fontRef idx="minor">
+              <a:schemeClr val="tx1"/>
+            </a:fontRef>
+          </p:style>
+        </p:cxnSp>
+        <p:sp>
+          <p:nvSpPr>
+            <p:cNvPr id="4" name="文本框 3"/>
+            <p:cNvSpPr txBox="1"/>
+            <p:nvPr/>
+          </p:nvSpPr>
+          <p:spPr>
+            <a:xfrm>
+              <a:off x="9033" y="5631"/>
+              <a:ext cx="4361" cy="1012"/>
+            </a:xfrm>
+            <a:prstGeom prst="rect">
+              <a:avLst/>
+            </a:prstGeom>
+            <a:noFill/>
+          </p:spPr>
+          <p:txBody>
+            <a:bodyPr wrap="square" rtlCol="0">
+              <a:spAutoFit/>
+            </a:bodyPr>
+            <a:p>
+              <a:r>
+                <a:rPr lang="en-US" altLang="zh-CN"/>
+                <a:t>LLRF internal interface</a:t>
+              </a:r>
+              <a:endParaRPr lang="en-US" altLang="zh-CN"/>
+            </a:p>
+            <a:p>
+              <a:r>
+                <a:rPr lang="en-US" altLang="zh-CN"/>
+                <a:t>BuTiS interface</a:t>
+              </a:r>
+              <a:endParaRPr lang="en-US" altLang="zh-CN"/>
+            </a:p>
+          </p:txBody>
+        </p:sp>
+      </p:grpSp>
     </p:spTree>
   </p:cSld>
   <p:clrMapOvr>
@@ -3449,8 +3572,8 @@
         </p:nvSpPr>
         <p:spPr>
           <a:xfrm>
-            <a:off x="1239694" y="1669120"/>
-            <a:ext cx="5348834" cy="1257832"/>
+            <a:off x="2679803" y="1669206"/>
+            <a:ext cx="5349111" cy="1257897"/>
           </a:xfrm>
           <a:prstGeom prst="rect">
             <a:avLst/>
@@ -3510,8 +3633,8 @@
         </p:nvSpPr>
         <p:spPr>
           <a:xfrm>
-            <a:off x="1239694" y="1669120"/>
-            <a:ext cx="1121460" cy="1257832"/>
+            <a:off x="2679803" y="1669206"/>
+            <a:ext cx="1121518" cy="1257897"/>
           </a:xfrm>
           <a:prstGeom prst="rect">
             <a:avLst/>
@@ -3553,8 +3676,8 @@
         </p:nvCxnSpPr>
         <p:spPr>
           <a:xfrm flipV="1">
-            <a:off x="2583008" y="2926952"/>
-            <a:ext cx="0" cy="443765"/>
+            <a:off x="4023186" y="2927104"/>
+            <a:ext cx="0" cy="443788"/>
           </a:xfrm>
           <a:prstGeom prst="straightConnector1">
             <a:avLst/>
@@ -3589,15 +3712,15 @@
         </p:nvCxnSpPr>
         <p:spPr>
           <a:xfrm flipV="1">
-            <a:off x="2743877" y="2940583"/>
-            <a:ext cx="0" cy="443765"/>
+            <a:off x="4217085" y="2915969"/>
+            <a:ext cx="0" cy="443788"/>
           </a:xfrm>
           <a:prstGeom prst="straightConnector1">
             <a:avLst/>
           </a:prstGeom>
           <a:ln w="60325" cmpd="sng">
             <a:solidFill>
-              <a:srgbClr val="FF0000"/>
+              <a:srgbClr val="00B050"/>
             </a:solidFill>
             <a:tailEnd type="triangle"/>
           </a:ln>
@@ -3628,8 +3751,8 @@
         </p:nvCxnSpPr>
         <p:spPr>
           <a:xfrm flipV="1">
-            <a:off x="2834473" y="1192719"/>
-            <a:ext cx="0" cy="474312"/>
+            <a:off x="4274664" y="1192781"/>
+            <a:ext cx="0" cy="474337"/>
           </a:xfrm>
           <a:prstGeom prst="straightConnector1">
             <a:avLst/>
@@ -3664,8 +3787,8 @@
         </p:nvSpPr>
         <p:spPr>
           <a:xfrm>
-            <a:off x="2369398" y="731029"/>
-            <a:ext cx="930148" cy="461519"/>
+            <a:off x="3809565" y="731067"/>
+            <a:ext cx="930196" cy="461543"/>
           </a:xfrm>
           <a:prstGeom prst="rect">
             <a:avLst/>
@@ -3718,8 +3841,8 @@
         </p:nvSpPr>
         <p:spPr>
           <a:xfrm>
-            <a:off x="2369398" y="1667031"/>
-            <a:ext cx="930148" cy="1259868"/>
+            <a:off x="3809565" y="1667117"/>
+            <a:ext cx="930196" cy="1259933"/>
           </a:xfrm>
           <a:prstGeom prst="rect">
             <a:avLst/>
@@ -3772,8 +3895,8 @@
         </p:nvSpPr>
         <p:spPr>
           <a:xfrm>
-            <a:off x="1800425" y="3416311"/>
-            <a:ext cx="3157365" cy="441325"/>
+            <a:off x="3001155" y="3375211"/>
+            <a:ext cx="3157529" cy="441325"/>
           </a:xfrm>
           <a:prstGeom prst="rect">
             <a:avLst/>
@@ -3829,8 +3952,8 @@
         </p:nvSpPr>
         <p:spPr>
           <a:xfrm>
-            <a:off x="2834471" y="1240208"/>
-            <a:ext cx="3297226" cy="441325"/>
+            <a:off x="4274662" y="1240272"/>
+            <a:ext cx="3297397" cy="441325"/>
           </a:xfrm>
           <a:prstGeom prst="rect">
             <a:avLst/>
@@ -3878,6 +4001,129 @@
           </a:p>
         </p:txBody>
       </p:sp>
+      <p:grpSp>
+        <p:nvGrpSpPr>
+          <p:cNvPr id="6" name="组合 5"/>
+          <p:cNvGrpSpPr/>
+          <p:nvPr/>
+        </p:nvGrpSpPr>
+        <p:grpSpPr>
+          <a:xfrm>
+            <a:off x="8130031" y="3173896"/>
+            <a:ext cx="3265339" cy="642653"/>
+            <a:chOff x="8252" y="5631"/>
+            <a:chExt cx="5142" cy="1012"/>
+          </a:xfrm>
+        </p:grpSpPr>
+        <p:cxnSp>
+          <p:nvCxnSpPr>
+            <p:cNvPr id="2" name="Gerade Verbindung mit Pfeil 11"/>
+            <p:cNvCxnSpPr/>
+            <p:nvPr/>
+          </p:nvCxnSpPr>
+          <p:spPr>
+            <a:xfrm>
+              <a:off x="8252" y="6336"/>
+              <a:ext cx="672" cy="3"/>
+            </a:xfrm>
+            <a:prstGeom prst="straightConnector1">
+              <a:avLst/>
+            </a:prstGeom>
+            <a:ln w="60325" cmpd="sng">
+              <a:solidFill>
+                <a:srgbClr val="00B050"/>
+              </a:solidFill>
+              <a:tailEnd type="triangle"/>
+            </a:ln>
+          </p:spPr>
+          <p:style>
+            <a:lnRef idx="1">
+              <a:schemeClr val="accent1"/>
+            </a:lnRef>
+            <a:fillRef idx="0">
+              <a:schemeClr val="accent1"/>
+            </a:fillRef>
+            <a:effectRef idx="0">
+              <a:schemeClr val="accent1"/>
+            </a:effectRef>
+            <a:fontRef idx="minor">
+              <a:schemeClr val="tx1"/>
+            </a:fontRef>
+          </p:style>
+        </p:cxnSp>
+        <p:cxnSp>
+          <p:nvCxnSpPr>
+            <p:cNvPr id="3" name="Gerade Verbindung mit Pfeil 11"/>
+            <p:cNvCxnSpPr/>
+            <p:nvPr/>
+          </p:nvCxnSpPr>
+          <p:spPr>
+            <a:xfrm>
+              <a:off x="8252" y="5948"/>
+              <a:ext cx="672" cy="3"/>
+            </a:xfrm>
+            <a:prstGeom prst="straightConnector1">
+              <a:avLst/>
+            </a:prstGeom>
+            <a:ln w="60325" cmpd="sng">
+              <a:solidFill>
+                <a:schemeClr val="tx1"/>
+              </a:solidFill>
+              <a:tailEnd type="triangle"/>
+            </a:ln>
+          </p:spPr>
+          <p:style>
+            <a:lnRef idx="1">
+              <a:schemeClr val="accent1"/>
+            </a:lnRef>
+            <a:fillRef idx="0">
+              <a:schemeClr val="accent1"/>
+            </a:fillRef>
+            <a:effectRef idx="0">
+              <a:schemeClr val="accent1"/>
+            </a:effectRef>
+            <a:fontRef idx="minor">
+              <a:schemeClr val="tx1"/>
+            </a:fontRef>
+          </p:style>
+        </p:cxnSp>
+        <p:sp>
+          <p:nvSpPr>
+            <p:cNvPr id="5" name="文本框 4"/>
+            <p:cNvSpPr txBox="1"/>
+            <p:nvPr/>
+          </p:nvSpPr>
+          <p:spPr>
+            <a:xfrm>
+              <a:off x="9033" y="5631"/>
+              <a:ext cx="4361" cy="1012"/>
+            </a:xfrm>
+            <a:prstGeom prst="rect">
+              <a:avLst/>
+            </a:prstGeom>
+            <a:noFill/>
+          </p:spPr>
+          <p:txBody>
+            <a:bodyPr wrap="square" rtlCol="0">
+              <a:spAutoFit/>
+            </a:bodyPr>
+            <a:p>
+              <a:r>
+                <a:rPr lang="en-US" altLang="zh-CN"/>
+                <a:t>LLRF internal interface</a:t>
+              </a:r>
+              <a:endParaRPr lang="en-US" altLang="zh-CN"/>
+            </a:p>
+            <a:p>
+              <a:r>
+                <a:rPr lang="en-US" altLang="zh-CN"/>
+                <a:t>BuTiS interface</a:t>
+              </a:r>
+              <a:endParaRPr lang="en-US" altLang="zh-CN"/>
+            </a:p>
+          </p:txBody>
+        </p:sp>
+      </p:grpSp>
     </p:spTree>
   </p:cSld>
   <p:clrMapOvr>
@@ -3904,8 +4150,8 @@
         </p:nvSpPr>
         <p:spPr>
           <a:xfrm>
-            <a:off x="1101158" y="1879067"/>
-            <a:ext cx="5348834" cy="1257832"/>
+            <a:off x="2541260" y="1879164"/>
+            <a:ext cx="5349111" cy="1257897"/>
           </a:xfrm>
           <a:prstGeom prst="rect">
             <a:avLst/>
@@ -3965,8 +4211,8 @@
         </p:nvSpPr>
         <p:spPr>
           <a:xfrm>
-            <a:off x="1101158" y="1879067"/>
-            <a:ext cx="1121460" cy="1257832"/>
+            <a:off x="2541260" y="1879164"/>
+            <a:ext cx="1121518" cy="1257897"/>
           </a:xfrm>
           <a:prstGeom prst="rect">
             <a:avLst/>
@@ -4020,8 +4266,8 @@
         </p:nvSpPr>
         <p:spPr>
           <a:xfrm>
-            <a:off x="2222618" y="1877031"/>
-            <a:ext cx="930148" cy="1259868"/>
+            <a:off x="3662778" y="1877128"/>
+            <a:ext cx="930196" cy="1259933"/>
           </a:xfrm>
           <a:prstGeom prst="rect">
             <a:avLst/>
@@ -4076,8 +4322,8 @@
         </p:nvCxnSpPr>
         <p:spPr>
           <a:xfrm flipV="1">
-            <a:off x="2444472" y="3136899"/>
-            <a:ext cx="0" cy="443765"/>
+            <a:off x="3884643" y="3137061"/>
+            <a:ext cx="0" cy="443788"/>
           </a:xfrm>
           <a:prstGeom prst="straightConnector1">
             <a:avLst/>
@@ -4112,15 +4358,15 @@
         </p:nvCxnSpPr>
         <p:spPr>
           <a:xfrm flipV="1">
-            <a:off x="2605340" y="3150530"/>
-            <a:ext cx="0" cy="443765"/>
+            <a:off x="4103307" y="3125927"/>
+            <a:ext cx="0" cy="443788"/>
           </a:xfrm>
           <a:prstGeom prst="straightConnector1">
             <a:avLst/>
           </a:prstGeom>
           <a:ln w="60325" cmpd="sng">
             <a:solidFill>
-              <a:srgbClr val="FF0000"/>
+              <a:srgbClr val="00B050"/>
             </a:solidFill>
             <a:tailEnd type="triangle"/>
           </a:ln>
@@ -4148,8 +4394,8 @@
         </p:nvSpPr>
         <p:spPr>
           <a:xfrm>
-            <a:off x="3152766" y="1875213"/>
-            <a:ext cx="930148" cy="1259868"/>
+            <a:off x="4592974" y="1875310"/>
+            <a:ext cx="930196" cy="1259933"/>
           </a:xfrm>
           <a:prstGeom prst="rect">
             <a:avLst/>
@@ -4202,8 +4448,8 @@
         </p:nvCxnSpPr>
         <p:spPr>
           <a:xfrm flipV="1">
-            <a:off x="3608761" y="3164162"/>
-            <a:ext cx="0" cy="443765"/>
+            <a:off x="5048992" y="3164326"/>
+            <a:ext cx="0" cy="443788"/>
           </a:xfrm>
           <a:prstGeom prst="straightConnector1">
             <a:avLst/>
@@ -4238,15 +4484,15 @@
         </p:nvCxnSpPr>
         <p:spPr>
           <a:xfrm flipV="1">
-            <a:off x="3769628" y="3177793"/>
-            <a:ext cx="0" cy="443765"/>
+            <a:off x="5284167" y="3153191"/>
+            <a:ext cx="0" cy="443788"/>
           </a:xfrm>
           <a:prstGeom prst="straightConnector1">
             <a:avLst/>
           </a:prstGeom>
           <a:ln w="60325" cmpd="sng">
             <a:solidFill>
-              <a:srgbClr val="FF0000"/>
+              <a:srgbClr val="00B050"/>
             </a:solidFill>
             <a:tailEnd type="triangle"/>
           </a:ln>
@@ -4276,8 +4522,8 @@
         </p:nvCxnSpPr>
         <p:spPr>
           <a:xfrm flipH="1" flipV="1">
-            <a:off x="3606808" y="1412702"/>
-            <a:ext cx="2198" cy="462770"/>
+            <a:off x="5047039" y="1412775"/>
+            <a:ext cx="2198" cy="462794"/>
           </a:xfrm>
           <a:prstGeom prst="straightConnector1">
             <a:avLst/>
@@ -4312,8 +4558,8 @@
         </p:nvSpPr>
         <p:spPr>
           <a:xfrm>
-            <a:off x="3033532" y="700348"/>
-            <a:ext cx="1146630" cy="712365"/>
+            <a:off x="4473734" y="700384"/>
+            <a:ext cx="1146689" cy="712402"/>
           </a:xfrm>
           <a:prstGeom prst="rect">
             <a:avLst/>
@@ -4366,8 +4612,8 @@
         </p:nvSpPr>
         <p:spPr>
           <a:xfrm>
-            <a:off x="1661888" y="3580663"/>
-            <a:ext cx="3157365" cy="441325"/>
+            <a:off x="2870867" y="3556082"/>
+            <a:ext cx="3157529" cy="441325"/>
           </a:xfrm>
           <a:prstGeom prst="rect">
             <a:avLst/>
@@ -4423,8 +4669,8 @@
         </p:nvSpPr>
         <p:spPr>
           <a:xfrm>
-            <a:off x="3678807" y="1412494"/>
-            <a:ext cx="4100629" cy="441325"/>
+            <a:off x="5119042" y="1412567"/>
+            <a:ext cx="4100841" cy="441325"/>
           </a:xfrm>
           <a:prstGeom prst="rect">
             <a:avLst/>
@@ -4460,6 +4706,129 @@
           </a:p>
         </p:txBody>
       </p:sp>
+      <p:grpSp>
+        <p:nvGrpSpPr>
+          <p:cNvPr id="6" name="组合 5"/>
+          <p:cNvGrpSpPr/>
+          <p:nvPr/>
+        </p:nvGrpSpPr>
+        <p:grpSpPr>
+          <a:xfrm>
+            <a:off x="8173085" y="3354705"/>
+            <a:ext cx="2690634" cy="642653"/>
+            <a:chOff x="8252" y="5631"/>
+            <a:chExt cx="5142" cy="1012"/>
+          </a:xfrm>
+        </p:grpSpPr>
+        <p:cxnSp>
+          <p:nvCxnSpPr>
+            <p:cNvPr id="2" name="Gerade Verbindung mit Pfeil 11"/>
+            <p:cNvCxnSpPr/>
+            <p:nvPr/>
+          </p:nvCxnSpPr>
+          <p:spPr>
+            <a:xfrm>
+              <a:off x="8252" y="6336"/>
+              <a:ext cx="672" cy="3"/>
+            </a:xfrm>
+            <a:prstGeom prst="straightConnector1">
+              <a:avLst/>
+            </a:prstGeom>
+            <a:ln w="60325" cmpd="sng">
+              <a:solidFill>
+                <a:srgbClr val="00B050"/>
+              </a:solidFill>
+              <a:tailEnd type="triangle"/>
+            </a:ln>
+          </p:spPr>
+          <p:style>
+            <a:lnRef idx="1">
+              <a:schemeClr val="accent1"/>
+            </a:lnRef>
+            <a:fillRef idx="0">
+              <a:schemeClr val="accent1"/>
+            </a:fillRef>
+            <a:effectRef idx="0">
+              <a:schemeClr val="accent1"/>
+            </a:effectRef>
+            <a:fontRef idx="minor">
+              <a:schemeClr val="tx1"/>
+            </a:fontRef>
+          </p:style>
+        </p:cxnSp>
+        <p:cxnSp>
+          <p:nvCxnSpPr>
+            <p:cNvPr id="3" name="Gerade Verbindung mit Pfeil 11"/>
+            <p:cNvCxnSpPr/>
+            <p:nvPr/>
+          </p:nvCxnSpPr>
+          <p:spPr>
+            <a:xfrm>
+              <a:off x="8252" y="5948"/>
+              <a:ext cx="672" cy="3"/>
+            </a:xfrm>
+            <a:prstGeom prst="straightConnector1">
+              <a:avLst/>
+            </a:prstGeom>
+            <a:ln w="60325" cmpd="sng">
+              <a:solidFill>
+                <a:schemeClr val="tx1"/>
+              </a:solidFill>
+              <a:tailEnd type="triangle"/>
+            </a:ln>
+          </p:spPr>
+          <p:style>
+            <a:lnRef idx="1">
+              <a:schemeClr val="accent1"/>
+            </a:lnRef>
+            <a:fillRef idx="0">
+              <a:schemeClr val="accent1"/>
+            </a:fillRef>
+            <a:effectRef idx="0">
+              <a:schemeClr val="accent1"/>
+            </a:effectRef>
+            <a:fontRef idx="minor">
+              <a:schemeClr val="tx1"/>
+            </a:fontRef>
+          </p:style>
+        </p:cxnSp>
+        <p:sp>
+          <p:nvSpPr>
+            <p:cNvPr id="4" name="文本框 3"/>
+            <p:cNvSpPr txBox="1"/>
+            <p:nvPr/>
+          </p:nvSpPr>
+          <p:spPr>
+            <a:xfrm>
+              <a:off x="9033" y="5631"/>
+              <a:ext cx="4361" cy="1012"/>
+            </a:xfrm>
+            <a:prstGeom prst="rect">
+              <a:avLst/>
+            </a:prstGeom>
+            <a:noFill/>
+          </p:spPr>
+          <p:txBody>
+            <a:bodyPr wrap="square" rtlCol="0">
+              <a:spAutoFit/>
+            </a:bodyPr>
+            <a:p>
+              <a:r>
+                <a:rPr lang="en-US" altLang="zh-CN"/>
+                <a:t>LLRF internal interface</a:t>
+              </a:r>
+              <a:endParaRPr lang="en-US" altLang="zh-CN"/>
+            </a:p>
+            <a:p>
+              <a:r>
+                <a:rPr lang="en-US" altLang="zh-CN"/>
+                <a:t>BuTiS interface</a:t>
+              </a:r>
+              <a:endParaRPr lang="en-US" altLang="zh-CN"/>
+            </a:p>
+          </p:txBody>
+        </p:sp>
+      </p:grpSp>
     </p:spTree>
   </p:cSld>
   <p:clrMapOvr>
@@ -4493,8 +4862,8 @@
         </p:nvSpPr>
         <p:spPr>
           <a:xfrm>
-            <a:off x="1054077" y="2517768"/>
-            <a:ext cx="5358093" cy="1292049"/>
+            <a:off x="2469410" y="2401687"/>
+            <a:ext cx="5358371" cy="1292116"/>
           </a:xfrm>
           <a:prstGeom prst="rect">
             <a:avLst/>
@@ -4555,8 +4924,8 @@
         </p:nvSpPr>
         <p:spPr>
           <a:xfrm>
-            <a:off x="1054076" y="2517768"/>
-            <a:ext cx="1123402" cy="1292049"/>
+            <a:off x="2469409" y="2401687"/>
+            <a:ext cx="1123460" cy="1292116"/>
           </a:xfrm>
           <a:prstGeom prst="rect">
             <a:avLst/>
@@ -4599,8 +4968,8 @@
         </p:nvSpPr>
         <p:spPr>
           <a:xfrm>
-            <a:off x="2175538" y="2504137"/>
-            <a:ext cx="931758" cy="1294141"/>
+            <a:off x="3590929" y="2388056"/>
+            <a:ext cx="931806" cy="1294208"/>
           </a:xfrm>
           <a:prstGeom prst="rect">
             <a:avLst/>
@@ -4656,8 +5025,8 @@
         </p:nvSpPr>
         <p:spPr>
           <a:xfrm>
-            <a:off x="1647784" y="4250463"/>
-            <a:ext cx="3162831" cy="441325"/>
+            <a:off x="3013615" y="4134472"/>
+            <a:ext cx="3162995" cy="441325"/>
           </a:xfrm>
           <a:prstGeom prst="rect">
             <a:avLst/>
@@ -4714,8 +5083,8 @@
         </p:nvSpPr>
         <p:spPr>
           <a:xfrm>
-            <a:off x="3115100" y="2504137"/>
-            <a:ext cx="931758" cy="1294141"/>
+            <a:off x="4530540" y="2388056"/>
+            <a:ext cx="931806" cy="1294208"/>
           </a:xfrm>
           <a:prstGeom prst="rect">
             <a:avLst/>
@@ -4769,8 +5138,8 @@
         </p:nvSpPr>
         <p:spPr>
           <a:xfrm>
-            <a:off x="2734905" y="142256"/>
-            <a:ext cx="1691347" cy="1388482"/>
+            <a:off x="4150325" y="26052"/>
+            <a:ext cx="1691435" cy="1388554"/>
           </a:xfrm>
           <a:prstGeom prst="rect">
             <a:avLst/>
@@ -4851,22 +5220,20 @@
       <p:cxnSp>
         <p:nvCxnSpPr>
           <p:cNvPr id="16" name="Gerade Verbindung mit Pfeil 15"/>
-          <p:cNvCxnSpPr>
-            <a:endCxn id="15" idx="2"/>
-          </p:cNvCxnSpPr>
+          <p:cNvCxnSpPr/>
           <p:nvPr/>
         </p:nvCxnSpPr>
         <p:spPr>
           <a:xfrm flipV="1">
-            <a:off x="3573282" y="1530660"/>
-            <a:ext cx="7695" cy="341307"/>
+            <a:off x="4983665" y="1434849"/>
+            <a:ext cx="7695" cy="341325"/>
           </a:xfrm>
           <a:prstGeom prst="straightConnector1">
             <a:avLst/>
           </a:prstGeom>
           <a:ln w="44450">
             <a:solidFill>
-              <a:schemeClr val="tx1"/>
+              <a:schemeClr val="accent1"/>
             </a:solidFill>
             <a:prstDash val="sysDash"/>
             <a:tailEnd type="triangle"/>
@@ -4895,8 +5262,8 @@
         </p:nvSpPr>
         <p:spPr>
           <a:xfrm>
-            <a:off x="4067833" y="1252093"/>
-            <a:ext cx="1689541" cy="932680"/>
+            <a:off x="5483225" y="1136015"/>
+            <a:ext cx="1807845" cy="932815"/>
           </a:xfrm>
           <a:prstGeom prst="rect">
             <a:avLst/>
@@ -4958,8 +5325,8 @@
         </p:nvSpPr>
         <p:spPr>
           <a:xfrm>
-            <a:off x="2175538" y="1723068"/>
-            <a:ext cx="930148" cy="461519"/>
+            <a:off x="3590929" y="1606946"/>
+            <a:ext cx="930196" cy="461543"/>
           </a:xfrm>
           <a:prstGeom prst="rect">
             <a:avLst/>
@@ -5015,8 +5382,8 @@
         </p:nvCxnSpPr>
         <p:spPr>
           <a:xfrm flipV="1">
-            <a:off x="2631253" y="2184694"/>
-            <a:ext cx="9343" cy="330864"/>
+            <a:off x="4047303" y="2060341"/>
+            <a:ext cx="9343" cy="330881"/>
           </a:xfrm>
           <a:prstGeom prst="straightConnector1">
             <a:avLst/>
@@ -5051,8 +5418,8 @@
         </p:nvCxnSpPr>
         <p:spPr>
           <a:xfrm flipV="1">
-            <a:off x="2559952" y="3807253"/>
-            <a:ext cx="0" cy="443765"/>
+            <a:off x="3975363" y="3691239"/>
+            <a:ext cx="0" cy="443788"/>
           </a:xfrm>
           <a:prstGeom prst="straightConnector1">
             <a:avLst/>
@@ -5087,15 +5454,15 @@
         </p:nvCxnSpPr>
         <p:spPr>
           <a:xfrm flipV="1">
-            <a:off x="2720820" y="3820884"/>
-            <a:ext cx="0" cy="443765"/>
+            <a:off x="4257530" y="3690900"/>
+            <a:ext cx="0" cy="443788"/>
           </a:xfrm>
           <a:prstGeom prst="straightConnector1">
             <a:avLst/>
           </a:prstGeom>
           <a:ln w="60325" cmpd="sng">
             <a:solidFill>
-              <a:srgbClr val="FF0000"/>
+              <a:srgbClr val="00B050"/>
             </a:solidFill>
             <a:tailEnd type="triangle"/>
           </a:ln>
@@ -5123,15 +5490,15 @@
         </p:nvCxnSpPr>
         <p:spPr>
           <a:xfrm>
-            <a:off x="3573282" y="1849982"/>
-            <a:ext cx="494648" cy="550"/>
+            <a:off x="4988745" y="1733867"/>
+            <a:ext cx="494674" cy="550"/>
           </a:xfrm>
           <a:prstGeom prst="straightConnector1">
             <a:avLst/>
           </a:prstGeom>
           <a:ln w="44450">
             <a:solidFill>
-              <a:schemeClr val="tx1"/>
+              <a:schemeClr val="accent1"/>
             </a:solidFill>
             <a:prstDash val="sysDash"/>
             <a:tailEnd type="triangle"/>
@@ -5160,13 +5527,17 @@
         </p:nvCxnSpPr>
         <p:spPr>
           <a:xfrm flipH="1">
-            <a:off x="3569984" y="1904943"/>
-            <a:ext cx="3298" cy="599073"/>
+            <a:off x="4985447" y="1788831"/>
+            <a:ext cx="3298" cy="599104"/>
           </a:xfrm>
           <a:prstGeom prst="line">
             <a:avLst/>
           </a:prstGeom>
-          <a:ln w="38100"/>
+          <a:ln w="38100">
+            <a:solidFill>
+              <a:schemeClr val="accent1"/>
+            </a:solidFill>
+          </a:ln>
         </p:spPr>
         <p:style>
           <a:lnRef idx="3">
@@ -5191,8 +5562,8 @@
         </p:nvSpPr>
         <p:spPr>
           <a:xfrm>
-            <a:off x="3595266" y="1443272"/>
-            <a:ext cx="477610" cy="441325"/>
+            <a:off x="5005650" y="1330946"/>
+            <a:ext cx="477635" cy="441325"/>
           </a:xfrm>
           <a:prstGeom prst="rect">
             <a:avLst/>
@@ -5228,6 +5599,172 @@
           </a:p>
         </p:txBody>
       </p:sp>
+      <p:grpSp>
+        <p:nvGrpSpPr>
+          <p:cNvPr id="14" name="组合 13"/>
+          <p:cNvGrpSpPr/>
+          <p:nvPr/>
+        </p:nvGrpSpPr>
+        <p:grpSpPr>
+          <a:xfrm>
+            <a:off x="8011160" y="3745865"/>
+            <a:ext cx="3340100" cy="916940"/>
+            <a:chOff x="9317" y="5918"/>
+            <a:chExt cx="5260" cy="1444"/>
+          </a:xfrm>
+        </p:grpSpPr>
+        <p:cxnSp>
+          <p:nvCxnSpPr>
+            <p:cNvPr id="7" name="Gerade Verbindung mit Pfeil 11"/>
+            <p:cNvCxnSpPr/>
+            <p:nvPr/>
+          </p:nvCxnSpPr>
+          <p:spPr>
+            <a:xfrm>
+              <a:off x="9317" y="6638"/>
+              <a:ext cx="672" cy="3"/>
+            </a:xfrm>
+            <a:prstGeom prst="straightConnector1">
+              <a:avLst/>
+            </a:prstGeom>
+            <a:ln w="60325" cmpd="sng">
+              <a:solidFill>
+                <a:srgbClr val="00B050"/>
+              </a:solidFill>
+              <a:tailEnd type="triangle"/>
+            </a:ln>
+          </p:spPr>
+          <p:style>
+            <a:lnRef idx="1">
+              <a:schemeClr val="accent1"/>
+            </a:lnRef>
+            <a:fillRef idx="0">
+              <a:schemeClr val="accent1"/>
+            </a:fillRef>
+            <a:effectRef idx="0">
+              <a:schemeClr val="accent1"/>
+            </a:effectRef>
+            <a:fontRef idx="minor">
+              <a:schemeClr val="tx1"/>
+            </a:fontRef>
+          </p:style>
+        </p:cxnSp>
+        <p:cxnSp>
+          <p:nvCxnSpPr>
+            <p:cNvPr id="8" name="Gerade Verbindung mit Pfeil 11"/>
+            <p:cNvCxnSpPr/>
+            <p:nvPr/>
+          </p:nvCxnSpPr>
+          <p:spPr>
+            <a:xfrm>
+              <a:off x="9317" y="6237"/>
+              <a:ext cx="672" cy="3"/>
+            </a:xfrm>
+            <a:prstGeom prst="straightConnector1">
+              <a:avLst/>
+            </a:prstGeom>
+            <a:ln w="60325" cmpd="sng">
+              <a:solidFill>
+                <a:schemeClr val="tx1"/>
+              </a:solidFill>
+              <a:tailEnd type="triangle"/>
+            </a:ln>
+          </p:spPr>
+          <p:style>
+            <a:lnRef idx="1">
+              <a:schemeClr val="accent1"/>
+            </a:lnRef>
+            <a:fillRef idx="0">
+              <a:schemeClr val="accent1"/>
+            </a:fillRef>
+            <a:effectRef idx="0">
+              <a:schemeClr val="accent1"/>
+            </a:effectRef>
+            <a:fontRef idx="minor">
+              <a:schemeClr val="tx1"/>
+            </a:fontRef>
+          </p:style>
+        </p:cxnSp>
+        <p:sp>
+          <p:nvSpPr>
+            <p:cNvPr id="9" name="文本框 8"/>
+            <p:cNvSpPr txBox="1"/>
+            <p:nvPr/>
+          </p:nvSpPr>
+          <p:spPr>
+            <a:xfrm>
+              <a:off x="10217" y="5918"/>
+              <a:ext cx="4361" cy="1444"/>
+            </a:xfrm>
+            <a:prstGeom prst="rect">
+              <a:avLst/>
+            </a:prstGeom>
+            <a:noFill/>
+          </p:spPr>
+          <p:txBody>
+            <a:bodyPr wrap="square" rtlCol="0">
+              <a:spAutoFit/>
+            </a:bodyPr>
+            <a:p>
+              <a:r>
+                <a:rPr lang="en-US" altLang="zh-CN"/>
+                <a:t>LLRF internal interface</a:t>
+              </a:r>
+              <a:endParaRPr lang="en-US" altLang="zh-CN"/>
+            </a:p>
+            <a:p>
+              <a:r>
+                <a:rPr lang="en-US" altLang="zh-CN"/>
+                <a:t>BuTiS interface</a:t>
+              </a:r>
+              <a:endParaRPr lang="en-US" altLang="zh-CN"/>
+            </a:p>
+            <a:p>
+              <a:r>
+                <a:rPr lang="en-US" altLang="zh-CN"/>
+                <a:t>Digital signal</a:t>
+              </a:r>
+              <a:endParaRPr lang="en-US" altLang="zh-CN"/>
+            </a:p>
+          </p:txBody>
+        </p:sp>
+        <p:cxnSp>
+          <p:nvCxnSpPr>
+            <p:cNvPr id="12" name="Gerade Verbindung mit Pfeil 11"/>
+            <p:cNvCxnSpPr/>
+            <p:nvPr/>
+          </p:nvCxnSpPr>
+          <p:spPr>
+            <a:xfrm>
+              <a:off x="9335" y="7033"/>
+              <a:ext cx="672" cy="3"/>
+            </a:xfrm>
+            <a:prstGeom prst="straightConnector1">
+              <a:avLst/>
+            </a:prstGeom>
+            <a:ln w="60325" cmpd="sng">
+              <a:solidFill>
+                <a:schemeClr val="accent1"/>
+              </a:solidFill>
+              <a:tailEnd type="triangle"/>
+            </a:ln>
+          </p:spPr>
+          <p:style>
+            <a:lnRef idx="1">
+              <a:schemeClr val="accent1"/>
+            </a:lnRef>
+            <a:fillRef idx="0">
+              <a:schemeClr val="accent1"/>
+            </a:fillRef>
+            <a:effectRef idx="0">
+              <a:schemeClr val="accent1"/>
+            </a:effectRef>
+            <a:fontRef idx="minor">
+              <a:schemeClr val="tx1"/>
+            </a:fontRef>
+          </p:style>
+        </p:cxnSp>
+      </p:grpSp>
     </p:spTree>
   </p:cSld>
   <p:clrMapOvr>
